--- a/finite_pore.pptx
+++ b/finite_pore.pptx
@@ -4,6 +4,9 @@
   <p:sldMasterIdLst>
     <p:sldMasterId id="2147483648" r:id="rId1"/>
   </p:sldMasterIdLst>
+  <p:notesMasterIdLst>
+    <p:notesMasterId r:id="rId13"/>
+  </p:notesMasterIdLst>
   <p:sldIdLst>
     <p:sldId id="256" r:id="rId2"/>
     <p:sldId id="259" r:id="rId3"/>
@@ -122,6 +125,1659 @@
 </p:presentation>
 </file>
 
+<file path=ppt/notesMasters/notesMaster1.xml><?xml version="1.0" encoding="utf-8"?>
+<p:notesMaster xmlns:a="http://schemas.openxmlformats.org/drawingml/2006/main" xmlns:r="http://schemas.openxmlformats.org/officeDocument/2006/relationships" xmlns:p="http://schemas.openxmlformats.org/presentationml/2006/main">
+  <p:cSld>
+    <p:bg>
+      <p:bgRef idx="1001">
+        <a:schemeClr val="bg1"/>
+      </p:bgRef>
+    </p:bg>
+    <p:spTree>
+      <p:nvGrpSpPr>
+        <p:cNvPr id="1" name=""/>
+        <p:cNvGrpSpPr/>
+        <p:nvPr/>
+      </p:nvGrpSpPr>
+      <p:grpSpPr>
+        <a:xfrm>
+          <a:off x="0" y="0"/>
+          <a:ext cx="0" cy="0"/>
+          <a:chOff x="0" y="0"/>
+          <a:chExt cx="0" cy="0"/>
+        </a:xfrm>
+      </p:grpSpPr>
+      <p:sp>
+        <p:nvSpPr>
+          <p:cNvPr id="2" name="Header Placeholder 1"/>
+          <p:cNvSpPr>
+            <a:spLocks noGrp="1"/>
+          </p:cNvSpPr>
+          <p:nvPr>
+            <p:ph type="hdr" sz="quarter"/>
+          </p:nvPr>
+        </p:nvSpPr>
+        <p:spPr>
+          <a:xfrm>
+            <a:off x="0" y="0"/>
+            <a:ext cx="2971800" cy="458788"/>
+          </a:xfrm>
+          <a:prstGeom prst="rect">
+            <a:avLst/>
+          </a:prstGeom>
+        </p:spPr>
+        <p:txBody>
+          <a:bodyPr vert="horz" lIns="91440" tIns="45720" rIns="91440" bIns="45720" rtlCol="0"/>
+          <a:lstStyle>
+            <a:lvl1pPr algn="l">
+              <a:defRPr sz="1200"/>
+            </a:lvl1pPr>
+          </a:lstStyle>
+          <a:p>
+            <a:endParaRPr lang="zh-CN" altLang="en-US"/>
+          </a:p>
+        </p:txBody>
+      </p:sp>
+      <p:sp>
+        <p:nvSpPr>
+          <p:cNvPr id="3" name="Date Placeholder 2"/>
+          <p:cNvSpPr>
+            <a:spLocks noGrp="1"/>
+          </p:cNvSpPr>
+          <p:nvPr>
+            <p:ph type="dt" idx="1"/>
+          </p:nvPr>
+        </p:nvSpPr>
+        <p:spPr>
+          <a:xfrm>
+            <a:off x="3884613" y="0"/>
+            <a:ext cx="2971800" cy="458788"/>
+          </a:xfrm>
+          <a:prstGeom prst="rect">
+            <a:avLst/>
+          </a:prstGeom>
+        </p:spPr>
+        <p:txBody>
+          <a:bodyPr vert="horz" lIns="91440" tIns="45720" rIns="91440" bIns="45720" rtlCol="0"/>
+          <a:lstStyle>
+            <a:lvl1pPr algn="r">
+              <a:defRPr sz="1200"/>
+            </a:lvl1pPr>
+          </a:lstStyle>
+          <a:p>
+            <a:fld id="{FA13F5F3-925E-4E4D-84D1-2BD46E4C4051}" type="datetimeFigureOut">
+              <a:rPr lang="zh-CN" altLang="en-US" smtClean="0"/>
+              <a:t>2014/11/13</a:t>
+            </a:fld>
+            <a:endParaRPr lang="zh-CN" altLang="en-US"/>
+          </a:p>
+        </p:txBody>
+      </p:sp>
+      <p:sp>
+        <p:nvSpPr>
+          <p:cNvPr id="4" name="Slide Image Placeholder 3"/>
+          <p:cNvSpPr>
+            <a:spLocks noGrp="1" noRot="1" noChangeAspect="1"/>
+          </p:cNvSpPr>
+          <p:nvPr>
+            <p:ph type="sldImg" idx="2"/>
+          </p:nvPr>
+        </p:nvSpPr>
+        <p:spPr>
+          <a:xfrm>
+            <a:off x="685800" y="1143000"/>
+            <a:ext cx="5486400" cy="3086100"/>
+          </a:xfrm>
+          <a:prstGeom prst="rect">
+            <a:avLst/>
+          </a:prstGeom>
+          <a:noFill/>
+          <a:ln w="12700">
+            <a:solidFill>
+              <a:prstClr val="black"/>
+            </a:solidFill>
+          </a:ln>
+        </p:spPr>
+        <p:txBody>
+          <a:bodyPr vert="horz" lIns="91440" tIns="45720" rIns="91440" bIns="45720" rtlCol="0" anchor="ctr"/>
+          <a:lstStyle/>
+          <a:p>
+            <a:endParaRPr lang="zh-CN" altLang="en-US"/>
+          </a:p>
+        </p:txBody>
+      </p:sp>
+      <p:sp>
+        <p:nvSpPr>
+          <p:cNvPr id="5" name="Notes Placeholder 4"/>
+          <p:cNvSpPr>
+            <a:spLocks noGrp="1"/>
+          </p:cNvSpPr>
+          <p:nvPr>
+            <p:ph type="body" sz="quarter" idx="3"/>
+          </p:nvPr>
+        </p:nvSpPr>
+        <p:spPr>
+          <a:xfrm>
+            <a:off x="685800" y="4400550"/>
+            <a:ext cx="5486400" cy="3600450"/>
+          </a:xfrm>
+          <a:prstGeom prst="rect">
+            <a:avLst/>
+          </a:prstGeom>
+        </p:spPr>
+        <p:txBody>
+          <a:bodyPr vert="horz" lIns="91440" tIns="45720" rIns="91440" bIns="45720" rtlCol="0"/>
+          <a:lstStyle/>
+          <a:p>
+            <a:pPr lvl="0"/>
+            <a:r>
+              <a:rPr lang="en-US" altLang="zh-CN" smtClean="0"/>
+              <a:t>Click to edit Master text styles</a:t>
+            </a:r>
+          </a:p>
+          <a:p>
+            <a:pPr lvl="1"/>
+            <a:r>
+              <a:rPr lang="en-US" altLang="zh-CN" smtClean="0"/>
+              <a:t>Second level</a:t>
+            </a:r>
+          </a:p>
+          <a:p>
+            <a:pPr lvl="2"/>
+            <a:r>
+              <a:rPr lang="en-US" altLang="zh-CN" smtClean="0"/>
+              <a:t>Third level</a:t>
+            </a:r>
+          </a:p>
+          <a:p>
+            <a:pPr lvl="3"/>
+            <a:r>
+              <a:rPr lang="en-US" altLang="zh-CN" smtClean="0"/>
+              <a:t>Fourth level</a:t>
+            </a:r>
+          </a:p>
+          <a:p>
+            <a:pPr lvl="4"/>
+            <a:r>
+              <a:rPr lang="en-US" altLang="zh-CN" smtClean="0"/>
+              <a:t>Fifth level</a:t>
+            </a:r>
+            <a:endParaRPr lang="zh-CN" altLang="en-US"/>
+          </a:p>
+        </p:txBody>
+      </p:sp>
+      <p:sp>
+        <p:nvSpPr>
+          <p:cNvPr id="6" name="Footer Placeholder 5"/>
+          <p:cNvSpPr>
+            <a:spLocks noGrp="1"/>
+          </p:cNvSpPr>
+          <p:nvPr>
+            <p:ph type="ftr" sz="quarter" idx="4"/>
+          </p:nvPr>
+        </p:nvSpPr>
+        <p:spPr>
+          <a:xfrm>
+            <a:off x="0" y="8685213"/>
+            <a:ext cx="2971800" cy="458787"/>
+          </a:xfrm>
+          <a:prstGeom prst="rect">
+            <a:avLst/>
+          </a:prstGeom>
+        </p:spPr>
+        <p:txBody>
+          <a:bodyPr vert="horz" lIns="91440" tIns="45720" rIns="91440" bIns="45720" rtlCol="0" anchor="b"/>
+          <a:lstStyle>
+            <a:lvl1pPr algn="l">
+              <a:defRPr sz="1200"/>
+            </a:lvl1pPr>
+          </a:lstStyle>
+          <a:p>
+            <a:endParaRPr lang="zh-CN" altLang="en-US"/>
+          </a:p>
+        </p:txBody>
+      </p:sp>
+      <p:sp>
+        <p:nvSpPr>
+          <p:cNvPr id="7" name="Slide Number Placeholder 6"/>
+          <p:cNvSpPr>
+            <a:spLocks noGrp="1"/>
+          </p:cNvSpPr>
+          <p:nvPr>
+            <p:ph type="sldNum" sz="quarter" idx="5"/>
+          </p:nvPr>
+        </p:nvSpPr>
+        <p:spPr>
+          <a:xfrm>
+            <a:off x="3884613" y="8685213"/>
+            <a:ext cx="2971800" cy="458787"/>
+          </a:xfrm>
+          <a:prstGeom prst="rect">
+            <a:avLst/>
+          </a:prstGeom>
+        </p:spPr>
+        <p:txBody>
+          <a:bodyPr vert="horz" lIns="91440" tIns="45720" rIns="91440" bIns="45720" rtlCol="0" anchor="b"/>
+          <a:lstStyle>
+            <a:lvl1pPr algn="r">
+              <a:defRPr sz="1200"/>
+            </a:lvl1pPr>
+          </a:lstStyle>
+          <a:p>
+            <a:fld id="{F81DA475-9BAE-4013-99E4-867105755C10}" type="slidenum">
+              <a:rPr lang="zh-CN" altLang="en-US" smtClean="0"/>
+              <a:t>‹#›</a:t>
+            </a:fld>
+            <a:endParaRPr lang="zh-CN" altLang="en-US"/>
+          </a:p>
+        </p:txBody>
+      </p:sp>
+    </p:spTree>
+    <p:extLst>
+      <p:ext uri="{BB962C8B-B14F-4D97-AF65-F5344CB8AC3E}">
+        <p14:creationId xmlns:p14="http://schemas.microsoft.com/office/powerpoint/2010/main" val="1262486003"/>
+      </p:ext>
+    </p:extLst>
+  </p:cSld>
+  <p:clrMap bg1="lt1" tx1="dk1" bg2="lt2" tx2="dk2" accent1="accent1" accent2="accent2" accent3="accent3" accent4="accent4" accent5="accent5" accent6="accent6" hlink="hlink" folHlink="folHlink"/>
+  <p:notesStyle>
+    <a:lvl1pPr marL="0" algn="l" defTabSz="914400" rtl="0" eaLnBrk="1" latinLnBrk="0" hangingPunct="1">
+      <a:defRPr sz="1200" kern="1200">
+        <a:solidFill>
+          <a:schemeClr val="tx1"/>
+        </a:solidFill>
+        <a:latin typeface="+mn-lt"/>
+        <a:ea typeface="+mn-ea"/>
+        <a:cs typeface="+mn-cs"/>
+      </a:defRPr>
+    </a:lvl1pPr>
+    <a:lvl2pPr marL="457200" algn="l" defTabSz="914400" rtl="0" eaLnBrk="1" latinLnBrk="0" hangingPunct="1">
+      <a:defRPr sz="1200" kern="1200">
+        <a:solidFill>
+          <a:schemeClr val="tx1"/>
+        </a:solidFill>
+        <a:latin typeface="+mn-lt"/>
+        <a:ea typeface="+mn-ea"/>
+        <a:cs typeface="+mn-cs"/>
+      </a:defRPr>
+    </a:lvl2pPr>
+    <a:lvl3pPr marL="914400" algn="l" defTabSz="914400" rtl="0" eaLnBrk="1" latinLnBrk="0" hangingPunct="1">
+      <a:defRPr sz="1200" kern="1200">
+        <a:solidFill>
+          <a:schemeClr val="tx1"/>
+        </a:solidFill>
+        <a:latin typeface="+mn-lt"/>
+        <a:ea typeface="+mn-ea"/>
+        <a:cs typeface="+mn-cs"/>
+      </a:defRPr>
+    </a:lvl3pPr>
+    <a:lvl4pPr marL="1371600" algn="l" defTabSz="914400" rtl="0" eaLnBrk="1" latinLnBrk="0" hangingPunct="1">
+      <a:defRPr sz="1200" kern="1200">
+        <a:solidFill>
+          <a:schemeClr val="tx1"/>
+        </a:solidFill>
+        <a:latin typeface="+mn-lt"/>
+        <a:ea typeface="+mn-ea"/>
+        <a:cs typeface="+mn-cs"/>
+      </a:defRPr>
+    </a:lvl4pPr>
+    <a:lvl5pPr marL="1828800" algn="l" defTabSz="914400" rtl="0" eaLnBrk="1" latinLnBrk="0" hangingPunct="1">
+      <a:defRPr sz="1200" kern="1200">
+        <a:solidFill>
+          <a:schemeClr val="tx1"/>
+        </a:solidFill>
+        <a:latin typeface="+mn-lt"/>
+        <a:ea typeface="+mn-ea"/>
+        <a:cs typeface="+mn-cs"/>
+      </a:defRPr>
+    </a:lvl5pPr>
+    <a:lvl6pPr marL="2286000" algn="l" defTabSz="914400" rtl="0" eaLnBrk="1" latinLnBrk="0" hangingPunct="1">
+      <a:defRPr sz="1200" kern="1200">
+        <a:solidFill>
+          <a:schemeClr val="tx1"/>
+        </a:solidFill>
+        <a:latin typeface="+mn-lt"/>
+        <a:ea typeface="+mn-ea"/>
+        <a:cs typeface="+mn-cs"/>
+      </a:defRPr>
+    </a:lvl6pPr>
+    <a:lvl7pPr marL="2743200" algn="l" defTabSz="914400" rtl="0" eaLnBrk="1" latinLnBrk="0" hangingPunct="1">
+      <a:defRPr sz="1200" kern="1200">
+        <a:solidFill>
+          <a:schemeClr val="tx1"/>
+        </a:solidFill>
+        <a:latin typeface="+mn-lt"/>
+        <a:ea typeface="+mn-ea"/>
+        <a:cs typeface="+mn-cs"/>
+      </a:defRPr>
+    </a:lvl7pPr>
+    <a:lvl8pPr marL="3200400" algn="l" defTabSz="914400" rtl="0" eaLnBrk="1" latinLnBrk="0" hangingPunct="1">
+      <a:defRPr sz="1200" kern="1200">
+        <a:solidFill>
+          <a:schemeClr val="tx1"/>
+        </a:solidFill>
+        <a:latin typeface="+mn-lt"/>
+        <a:ea typeface="+mn-ea"/>
+        <a:cs typeface="+mn-cs"/>
+      </a:defRPr>
+    </a:lvl8pPr>
+    <a:lvl9pPr marL="3657600" algn="l" defTabSz="914400" rtl="0" eaLnBrk="1" latinLnBrk="0" hangingPunct="1">
+      <a:defRPr sz="1200" kern="1200">
+        <a:solidFill>
+          <a:schemeClr val="tx1"/>
+        </a:solidFill>
+        <a:latin typeface="+mn-lt"/>
+        <a:ea typeface="+mn-ea"/>
+        <a:cs typeface="+mn-cs"/>
+      </a:defRPr>
+    </a:lvl9pPr>
+  </p:notesStyle>
+</p:notesMaster>
+</file>
+
+<file path=ppt/notesSlides/notesSlide1.xml><?xml version="1.0" encoding="utf-8"?>
+<p:notes xmlns:a="http://schemas.openxmlformats.org/drawingml/2006/main" xmlns:r="http://schemas.openxmlformats.org/officeDocument/2006/relationships" xmlns:p="http://schemas.openxmlformats.org/presentationml/2006/main">
+  <p:cSld>
+    <p:spTree>
+      <p:nvGrpSpPr>
+        <p:cNvPr id="1" name=""/>
+        <p:cNvGrpSpPr/>
+        <p:nvPr/>
+      </p:nvGrpSpPr>
+      <p:grpSpPr>
+        <a:xfrm>
+          <a:off x="0" y="0"/>
+          <a:ext cx="0" cy="0"/>
+          <a:chOff x="0" y="0"/>
+          <a:chExt cx="0" cy="0"/>
+        </a:xfrm>
+      </p:grpSpPr>
+      <p:sp>
+        <p:nvSpPr>
+          <p:cNvPr id="2" name="Slide Image Placeholder 1"/>
+          <p:cNvSpPr>
+            <a:spLocks noGrp="1" noRot="1" noChangeAspect="1"/>
+          </p:cNvSpPr>
+          <p:nvPr>
+            <p:ph type="sldImg"/>
+          </p:nvPr>
+        </p:nvSpPr>
+        <p:spPr/>
+      </p:sp>
+      <p:sp>
+        <p:nvSpPr>
+          <p:cNvPr id="3" name="Notes Placeholder 2"/>
+          <p:cNvSpPr>
+            <a:spLocks noGrp="1"/>
+          </p:cNvSpPr>
+          <p:nvPr>
+            <p:ph type="body" idx="1"/>
+          </p:nvPr>
+        </p:nvSpPr>
+        <p:spPr/>
+        <p:txBody>
+          <a:bodyPr/>
+          <a:lstStyle/>
+          <a:p>
+            <a:r>
+              <a:rPr lang="en-US" altLang="zh-CN" dirty="0" smtClean="0"/>
+              <a:t>Good afternoon, everyone. In this</a:t>
+            </a:r>
+            <a:r>
+              <a:rPr lang="en-US" altLang="zh-CN" baseline="0" dirty="0" smtClean="0"/>
+              <a:t> presentation I will share the research regarding electroosmotic flow through a cylindrical nanopore in a charged membrane of finite thickness. This work is again carried out by Dr. Ghosal, Dr. Sherwood and myself. And we acknowledge NIH and </a:t>
+            </a:r>
+            <a:r>
+              <a:rPr lang="en-US" altLang="zh-CN" baseline="0" dirty="0" err="1" smtClean="0"/>
+              <a:t>Leverhulme</a:t>
+            </a:r>
+            <a:r>
+              <a:rPr lang="en-US" altLang="zh-CN" baseline="0" dirty="0" smtClean="0"/>
+              <a:t> Trust for funding our research.</a:t>
+            </a:r>
+            <a:endParaRPr lang="zh-CN" altLang="en-US" dirty="0"/>
+          </a:p>
+        </p:txBody>
+      </p:sp>
+      <p:sp>
+        <p:nvSpPr>
+          <p:cNvPr id="4" name="Slide Number Placeholder 3"/>
+          <p:cNvSpPr>
+            <a:spLocks noGrp="1"/>
+          </p:cNvSpPr>
+          <p:nvPr>
+            <p:ph type="sldNum" sz="quarter" idx="10"/>
+          </p:nvPr>
+        </p:nvSpPr>
+        <p:spPr/>
+        <p:txBody>
+          <a:bodyPr/>
+          <a:lstStyle/>
+          <a:p>
+            <a:fld id="{F81DA475-9BAE-4013-99E4-867105755C10}" type="slidenum">
+              <a:rPr lang="zh-CN" altLang="en-US" smtClean="0"/>
+              <a:t>1</a:t>
+            </a:fld>
+            <a:endParaRPr lang="zh-CN" altLang="en-US"/>
+          </a:p>
+        </p:txBody>
+      </p:sp>
+    </p:spTree>
+    <p:extLst>
+      <p:ext uri="{BB962C8B-B14F-4D97-AF65-F5344CB8AC3E}">
+        <p14:creationId xmlns:p14="http://schemas.microsoft.com/office/powerpoint/2010/main" val="319689523"/>
+      </p:ext>
+    </p:extLst>
+  </p:cSld>
+  <p:clrMapOvr>
+    <a:masterClrMapping/>
+  </p:clrMapOvr>
+</p:notes>
+</file>
+
+<file path=ppt/notesSlides/notesSlide10.xml><?xml version="1.0" encoding="utf-8"?>
+<p:notes xmlns:a="http://schemas.openxmlformats.org/drawingml/2006/main" xmlns:r="http://schemas.openxmlformats.org/officeDocument/2006/relationships" xmlns:p="http://schemas.openxmlformats.org/presentationml/2006/main">
+  <p:cSld>
+    <p:spTree>
+      <p:nvGrpSpPr>
+        <p:cNvPr id="1" name=""/>
+        <p:cNvGrpSpPr/>
+        <p:nvPr/>
+      </p:nvGrpSpPr>
+      <p:grpSpPr>
+        <a:xfrm>
+          <a:off x="0" y="0"/>
+          <a:ext cx="0" cy="0"/>
+          <a:chOff x="0" y="0"/>
+          <a:chExt cx="0" cy="0"/>
+        </a:xfrm>
+      </p:grpSpPr>
+      <p:sp>
+        <p:nvSpPr>
+          <p:cNvPr id="2" name="Slide Image Placeholder 1"/>
+          <p:cNvSpPr>
+            <a:spLocks noGrp="1" noRot="1" noChangeAspect="1"/>
+          </p:cNvSpPr>
+          <p:nvPr>
+            <p:ph type="sldImg"/>
+          </p:nvPr>
+        </p:nvSpPr>
+        <p:spPr/>
+      </p:sp>
+      <p:sp>
+        <p:nvSpPr>
+          <p:cNvPr id="3" name="Notes Placeholder 2"/>
+          <p:cNvSpPr>
+            <a:spLocks noGrp="1"/>
+          </p:cNvSpPr>
+          <p:nvPr>
+            <p:ph type="body" idx="1"/>
+          </p:nvPr>
+        </p:nvSpPr>
+        <p:spPr/>
+        <p:txBody>
+          <a:bodyPr/>
+          <a:lstStyle/>
+          <a:p>
+            <a:r>
+              <a:rPr lang="en-US" altLang="zh-CN" dirty="0" smtClean="0"/>
+              <a:t>One</a:t>
+            </a:r>
+            <a:r>
+              <a:rPr lang="en-US" altLang="zh-CN" baseline="0" dirty="0" smtClean="0"/>
+              <a:t> thing to note is that when the membranes are not charged, or sigma = 0, the system has symmetry and no net flow will be generated by a potential drop. This does not mean no flow at all. Instead, we will have the induced charge electroosmosis, possibly leading to pairs of eddies within the pore. The shape of these eddies change with the geometry of the pore. Here we fix a and change h, and see that as h increases the eddies graduate meet at the center of the pore. There is one particular interesting case, when the 4 eddies meet at a single stagnation point. These figures are taken from numerical simulations. We have done theoretical analysis for this </a:t>
+            </a:r>
+            <a:r>
+              <a:rPr lang="en-US" altLang="zh-CN" baseline="0" dirty="0" smtClean="0"/>
+              <a:t>problem as well. </a:t>
+            </a:r>
+            <a:r>
+              <a:rPr lang="en-US" altLang="zh-CN" baseline="0" dirty="0" smtClean="0"/>
+              <a:t>Due to limited time I can only refer you to our Physics of Fluids paper.</a:t>
+            </a:r>
+            <a:endParaRPr lang="zh-CN" altLang="en-US" dirty="0"/>
+          </a:p>
+        </p:txBody>
+      </p:sp>
+      <p:sp>
+        <p:nvSpPr>
+          <p:cNvPr id="4" name="Slide Number Placeholder 3"/>
+          <p:cNvSpPr>
+            <a:spLocks noGrp="1"/>
+          </p:cNvSpPr>
+          <p:nvPr>
+            <p:ph type="sldNum" sz="quarter" idx="10"/>
+          </p:nvPr>
+        </p:nvSpPr>
+        <p:spPr/>
+        <p:txBody>
+          <a:bodyPr/>
+          <a:lstStyle/>
+          <a:p>
+            <a:fld id="{F81DA475-9BAE-4013-99E4-867105755C10}" type="slidenum">
+              <a:rPr lang="zh-CN" altLang="en-US" smtClean="0"/>
+              <a:t>10</a:t>
+            </a:fld>
+            <a:endParaRPr lang="zh-CN" altLang="en-US"/>
+          </a:p>
+        </p:txBody>
+      </p:sp>
+    </p:spTree>
+    <p:extLst>
+      <p:ext uri="{BB962C8B-B14F-4D97-AF65-F5344CB8AC3E}">
+        <p14:creationId xmlns:p14="http://schemas.microsoft.com/office/powerpoint/2010/main" val="1154173080"/>
+      </p:ext>
+    </p:extLst>
+  </p:cSld>
+  <p:clrMapOvr>
+    <a:masterClrMapping/>
+  </p:clrMapOvr>
+</p:notes>
+</file>
+
+<file path=ppt/notesSlides/notesSlide11.xml><?xml version="1.0" encoding="utf-8"?>
+<p:notes xmlns:a="http://schemas.openxmlformats.org/drawingml/2006/main" xmlns:r="http://schemas.openxmlformats.org/officeDocument/2006/relationships" xmlns:p="http://schemas.openxmlformats.org/presentationml/2006/main">
+  <p:cSld>
+    <p:spTree>
+      <p:nvGrpSpPr>
+        <p:cNvPr id="1" name=""/>
+        <p:cNvGrpSpPr/>
+        <p:nvPr/>
+      </p:nvGrpSpPr>
+      <p:grpSpPr>
+        <a:xfrm>
+          <a:off x="0" y="0"/>
+          <a:ext cx="0" cy="0"/>
+          <a:chOff x="0" y="0"/>
+          <a:chExt cx="0" cy="0"/>
+        </a:xfrm>
+      </p:grpSpPr>
+      <p:sp>
+        <p:nvSpPr>
+          <p:cNvPr id="2" name="Slide Image Placeholder 1"/>
+          <p:cNvSpPr>
+            <a:spLocks noGrp="1" noRot="1" noChangeAspect="1"/>
+          </p:cNvSpPr>
+          <p:nvPr>
+            <p:ph type="sldImg"/>
+          </p:nvPr>
+        </p:nvSpPr>
+        <p:spPr/>
+      </p:sp>
+      <p:sp>
+        <p:nvSpPr>
+          <p:cNvPr id="3" name="Notes Placeholder 2"/>
+          <p:cNvSpPr>
+            <a:spLocks noGrp="1"/>
+          </p:cNvSpPr>
+          <p:nvPr>
+            <p:ph type="body" idx="1"/>
+          </p:nvPr>
+        </p:nvSpPr>
+        <p:spPr/>
+        <p:txBody>
+          <a:bodyPr/>
+          <a:lstStyle/>
+          <a:p>
+            <a:r>
+              <a:rPr lang="en-US" altLang="zh-CN" dirty="0" smtClean="0"/>
+              <a:t>So in conclusion,</a:t>
+            </a:r>
+            <a:r>
+              <a:rPr lang="en-US" altLang="zh-CN" baseline="0" dirty="0" smtClean="0"/>
+              <a:t> we present a composite model for electroosmotic conductance of nanopore in a membrane of finite thickness, by extending our zero-thickness theory. The model agrees with simulation at thin Debye length limit, but needs to be modified at thick Debye length limit by taking into account the charge spill effects. We also showed the </a:t>
+            </a:r>
+            <a:r>
+              <a:rPr lang="en-US" altLang="zh-CN" baseline="0" dirty="0" err="1" smtClean="0"/>
+              <a:t>toroidal</a:t>
+            </a:r>
+            <a:r>
+              <a:rPr lang="en-US" altLang="zh-CN" baseline="0" dirty="0" smtClean="0"/>
+              <a:t> eddies generated by ICEO when membrane surface is not charged.</a:t>
+            </a:r>
+          </a:p>
+          <a:p>
+            <a:endParaRPr lang="en-US" altLang="zh-CN" baseline="0" dirty="0" smtClean="0"/>
+          </a:p>
+          <a:p>
+            <a:r>
+              <a:rPr lang="en-US" altLang="zh-CN" baseline="0" dirty="0" smtClean="0"/>
+              <a:t>This completes my presentation. Thank you </a:t>
+            </a:r>
+            <a:r>
+              <a:rPr lang="en-US" altLang="zh-CN" baseline="0" dirty="0" smtClean="0"/>
+              <a:t>for your attention, </a:t>
+            </a:r>
+            <a:r>
+              <a:rPr lang="en-US" altLang="zh-CN" baseline="0" dirty="0" smtClean="0"/>
+              <a:t>and I’ll take questions.</a:t>
+            </a:r>
+            <a:endParaRPr lang="zh-CN" altLang="en-US" dirty="0"/>
+          </a:p>
+        </p:txBody>
+      </p:sp>
+      <p:sp>
+        <p:nvSpPr>
+          <p:cNvPr id="4" name="Slide Number Placeholder 3"/>
+          <p:cNvSpPr>
+            <a:spLocks noGrp="1"/>
+          </p:cNvSpPr>
+          <p:nvPr>
+            <p:ph type="sldNum" sz="quarter" idx="10"/>
+          </p:nvPr>
+        </p:nvSpPr>
+        <p:spPr/>
+        <p:txBody>
+          <a:bodyPr/>
+          <a:lstStyle/>
+          <a:p>
+            <a:fld id="{F81DA475-9BAE-4013-99E4-867105755C10}" type="slidenum">
+              <a:rPr lang="zh-CN" altLang="en-US" smtClean="0"/>
+              <a:t>11</a:t>
+            </a:fld>
+            <a:endParaRPr lang="zh-CN" altLang="en-US"/>
+          </a:p>
+        </p:txBody>
+      </p:sp>
+    </p:spTree>
+    <p:extLst>
+      <p:ext uri="{BB962C8B-B14F-4D97-AF65-F5344CB8AC3E}">
+        <p14:creationId xmlns:p14="http://schemas.microsoft.com/office/powerpoint/2010/main" val="717031591"/>
+      </p:ext>
+    </p:extLst>
+  </p:cSld>
+  <p:clrMapOvr>
+    <a:masterClrMapping/>
+  </p:clrMapOvr>
+</p:notes>
+</file>
+
+<file path=ppt/notesSlides/notesSlide2.xml><?xml version="1.0" encoding="utf-8"?>
+<p:notes xmlns:a="http://schemas.openxmlformats.org/drawingml/2006/main" xmlns:r="http://schemas.openxmlformats.org/officeDocument/2006/relationships" xmlns:p="http://schemas.openxmlformats.org/presentationml/2006/main">
+  <p:cSld>
+    <p:spTree>
+      <p:nvGrpSpPr>
+        <p:cNvPr id="1" name=""/>
+        <p:cNvGrpSpPr/>
+        <p:nvPr/>
+      </p:nvGrpSpPr>
+      <p:grpSpPr>
+        <a:xfrm>
+          <a:off x="0" y="0"/>
+          <a:ext cx="0" cy="0"/>
+          <a:chOff x="0" y="0"/>
+          <a:chExt cx="0" cy="0"/>
+        </a:xfrm>
+      </p:grpSpPr>
+      <p:sp>
+        <p:nvSpPr>
+          <p:cNvPr id="2" name="Slide Image Placeholder 1"/>
+          <p:cNvSpPr>
+            <a:spLocks noGrp="1" noRot="1" noChangeAspect="1"/>
+          </p:cNvSpPr>
+          <p:nvPr>
+            <p:ph type="sldImg"/>
+          </p:nvPr>
+        </p:nvSpPr>
+        <p:spPr/>
+      </p:sp>
+      <p:sp>
+        <p:nvSpPr>
+          <p:cNvPr id="3" name="Notes Placeholder 2"/>
+          <p:cNvSpPr>
+            <a:spLocks noGrp="1"/>
+          </p:cNvSpPr>
+          <p:nvPr>
+            <p:ph type="body" idx="1"/>
+          </p:nvPr>
+        </p:nvSpPr>
+        <p:spPr/>
+        <p:txBody>
+          <a:bodyPr/>
+          <a:lstStyle/>
+          <a:p>
+            <a:r>
+              <a:rPr lang="en-US" altLang="zh-CN" dirty="0" smtClean="0"/>
+              <a:t>In</a:t>
+            </a:r>
+            <a:r>
+              <a:rPr lang="en-US" altLang="zh-CN" baseline="0" dirty="0" smtClean="0"/>
+              <a:t> the previous talk, we have already presented an analytical solution of electroosmotic flow through a nanopore in a membrane of zero thickness. To recapture, if we apply a voltage difference of delta phi across the nanopore, we get an electric current I and an electroosmotic flow rate Q.</a:t>
+            </a:r>
+          </a:p>
+          <a:p>
+            <a:endParaRPr lang="en-US" altLang="zh-CN" baseline="0" dirty="0" smtClean="0"/>
+          </a:p>
+          <a:p>
+            <a:r>
+              <a:rPr lang="en-US" altLang="zh-CN" baseline="0" dirty="0" smtClean="0"/>
+              <a:t>I is equal to delta phi divided by the resistance </a:t>
+            </a:r>
+            <a:r>
+              <a:rPr lang="en-US" altLang="zh-CN" baseline="0" dirty="0" err="1" smtClean="0"/>
+              <a:t>rm</a:t>
+            </a:r>
+            <a:r>
+              <a:rPr lang="en-US" altLang="zh-CN" baseline="0" dirty="0" smtClean="0"/>
+              <a:t>, which is the classic access resistance. M here represents membrane. Q, on the other hand, is equal to </a:t>
+            </a:r>
+            <a:r>
+              <a:rPr lang="en-US" altLang="zh-CN" baseline="0" dirty="0" err="1" smtClean="0"/>
+              <a:t>Hm</a:t>
+            </a:r>
+            <a:r>
+              <a:rPr lang="en-US" altLang="zh-CN" baseline="0" dirty="0" smtClean="0"/>
+              <a:t> times delta phi, </a:t>
+            </a:r>
+            <a:r>
+              <a:rPr lang="en-US" altLang="zh-CN" baseline="0" dirty="0" err="1" smtClean="0"/>
+              <a:t>Hm</a:t>
+            </a:r>
+            <a:r>
+              <a:rPr lang="en-US" altLang="zh-CN" baseline="0" dirty="0" smtClean="0"/>
+              <a:t> being the electroosmotic conductance, and we have presented the analytical solution for that. Note that volumetric flow rate can also be generated by applying a pressure difference across the pore. In the same fashion, the volumetric flow rate Q is equal to a coefficient, we call it Gm here, times delta p. If both potential and pressure difference are present, the total flow rate is the sum of the two.</a:t>
+            </a:r>
+            <a:endParaRPr lang="zh-CN" altLang="en-US" dirty="0"/>
+          </a:p>
+        </p:txBody>
+      </p:sp>
+      <p:sp>
+        <p:nvSpPr>
+          <p:cNvPr id="4" name="Slide Number Placeholder 3"/>
+          <p:cNvSpPr>
+            <a:spLocks noGrp="1"/>
+          </p:cNvSpPr>
+          <p:nvPr>
+            <p:ph type="sldNum" sz="quarter" idx="10"/>
+          </p:nvPr>
+        </p:nvSpPr>
+        <p:spPr/>
+        <p:txBody>
+          <a:bodyPr/>
+          <a:lstStyle/>
+          <a:p>
+            <a:fld id="{F81DA475-9BAE-4013-99E4-867105755C10}" type="slidenum">
+              <a:rPr lang="zh-CN" altLang="en-US" smtClean="0"/>
+              <a:t>2</a:t>
+            </a:fld>
+            <a:endParaRPr lang="zh-CN" altLang="en-US"/>
+          </a:p>
+        </p:txBody>
+      </p:sp>
+    </p:spTree>
+    <p:extLst>
+      <p:ext uri="{BB962C8B-B14F-4D97-AF65-F5344CB8AC3E}">
+        <p14:creationId xmlns:p14="http://schemas.microsoft.com/office/powerpoint/2010/main" val="1838026208"/>
+      </p:ext>
+    </p:extLst>
+  </p:cSld>
+  <p:clrMapOvr>
+    <a:masterClrMapping/>
+  </p:clrMapOvr>
+</p:notes>
+</file>
+
+<file path=ppt/notesSlides/notesSlide3.xml><?xml version="1.0" encoding="utf-8"?>
+<p:notes xmlns:a="http://schemas.openxmlformats.org/drawingml/2006/main" xmlns:r="http://schemas.openxmlformats.org/officeDocument/2006/relationships" xmlns:p="http://schemas.openxmlformats.org/presentationml/2006/main">
+  <p:cSld>
+    <p:spTree>
+      <p:nvGrpSpPr>
+        <p:cNvPr id="1" name=""/>
+        <p:cNvGrpSpPr/>
+        <p:nvPr/>
+      </p:nvGrpSpPr>
+      <p:grpSpPr>
+        <a:xfrm>
+          <a:off x="0" y="0"/>
+          <a:ext cx="0" cy="0"/>
+          <a:chOff x="0" y="0"/>
+          <a:chExt cx="0" cy="0"/>
+        </a:xfrm>
+      </p:grpSpPr>
+      <p:sp>
+        <p:nvSpPr>
+          <p:cNvPr id="2" name="Slide Image Placeholder 1"/>
+          <p:cNvSpPr>
+            <a:spLocks noGrp="1" noRot="1" noChangeAspect="1"/>
+          </p:cNvSpPr>
+          <p:nvPr>
+            <p:ph type="sldImg"/>
+          </p:nvPr>
+        </p:nvSpPr>
+        <p:spPr/>
+      </p:sp>
+      <p:sp>
+        <p:nvSpPr>
+          <p:cNvPr id="3" name="Notes Placeholder 2"/>
+          <p:cNvSpPr>
+            <a:spLocks noGrp="1"/>
+          </p:cNvSpPr>
+          <p:nvPr>
+            <p:ph type="body" idx="1"/>
+          </p:nvPr>
+        </p:nvSpPr>
+        <p:spPr/>
+        <p:txBody>
+          <a:bodyPr/>
+          <a:lstStyle/>
+          <a:p>
+            <a:r>
+              <a:rPr lang="en-US" altLang="zh-CN" dirty="0" smtClean="0"/>
+              <a:t>Now what happens when the thickness</a:t>
+            </a:r>
+            <a:r>
+              <a:rPr lang="en-US" altLang="zh-CN" baseline="0" dirty="0" smtClean="0"/>
+              <a:t> of the membrane is finite? Here we present a model to calculate the volumetric flow rate Q. We have a nanopore sitting in a finite thickness membrane, and we model this system as 3 things lying in series: half a pore, a cylindrical channel and the other half of a pore. We combine the zero thickness solution with the classic solution of an infinitely long cylindrical channel. For a cylindrical </a:t>
+            </a:r>
+            <a:r>
+              <a:rPr lang="en-US" altLang="zh-CN" baseline="0" dirty="0" smtClean="0"/>
+              <a:t>channel, electric current I is equal to delta phi divided by </a:t>
+            </a:r>
+            <a:r>
+              <a:rPr lang="en-US" altLang="zh-CN" baseline="0" dirty="0" err="1" smtClean="0"/>
+              <a:t>Rc</a:t>
+            </a:r>
+            <a:r>
+              <a:rPr lang="en-US" altLang="zh-CN" baseline="0" dirty="0" smtClean="0"/>
+              <a:t> ,</a:t>
+            </a:r>
+            <a:r>
+              <a:rPr lang="en-US" altLang="zh-CN" baseline="0" dirty="0" err="1" smtClean="0"/>
+              <a:t>Rc</a:t>
+            </a:r>
+            <a:r>
+              <a:rPr lang="en-US" altLang="zh-CN" baseline="0" dirty="0" smtClean="0"/>
+              <a:t> being the resistance of a cylinder. Classic solution exists for electroosmotic flow in a cylindrical channel, we can write it in the form </a:t>
+            </a:r>
+            <a:r>
+              <a:rPr lang="en-US" altLang="zh-CN" baseline="0" dirty="0" err="1" smtClean="0"/>
+              <a:t>Hc</a:t>
+            </a:r>
+            <a:r>
+              <a:rPr lang="en-US" altLang="zh-CN" baseline="0" dirty="0" smtClean="0"/>
+              <a:t> times \delta phi, and of </a:t>
+            </a:r>
+            <a:r>
+              <a:rPr lang="en-US" altLang="zh-CN" baseline="0" dirty="0" err="1" smtClean="0"/>
+              <a:t>cource</a:t>
+            </a:r>
+            <a:r>
+              <a:rPr lang="en-US" altLang="zh-CN" baseline="0" dirty="0" smtClean="0"/>
+              <a:t> pressure driven flow in a cylinder is the </a:t>
+            </a:r>
+            <a:r>
+              <a:rPr lang="en-US" altLang="zh-CN" baseline="0" dirty="0" err="1" smtClean="0"/>
+              <a:t>Poiseulli</a:t>
+            </a:r>
+            <a:r>
+              <a:rPr lang="en-US" altLang="zh-CN" baseline="0" dirty="0" smtClean="0"/>
+              <a:t> flow, we can write it in the same fashion </a:t>
+            </a:r>
+            <a:r>
+              <a:rPr lang="en-US" altLang="zh-CN" baseline="0" dirty="0" err="1" smtClean="0"/>
+              <a:t>Gc</a:t>
+            </a:r>
+            <a:r>
+              <a:rPr lang="en-US" altLang="zh-CN" baseline="0" dirty="0" smtClean="0"/>
+              <a:t> times delta p. c here stands for cylinder.</a:t>
+            </a:r>
+            <a:endParaRPr lang="zh-CN" altLang="en-US" dirty="0"/>
+          </a:p>
+        </p:txBody>
+      </p:sp>
+      <p:sp>
+        <p:nvSpPr>
+          <p:cNvPr id="4" name="Slide Number Placeholder 3"/>
+          <p:cNvSpPr>
+            <a:spLocks noGrp="1"/>
+          </p:cNvSpPr>
+          <p:nvPr>
+            <p:ph type="sldNum" sz="quarter" idx="10"/>
+          </p:nvPr>
+        </p:nvSpPr>
+        <p:spPr/>
+        <p:txBody>
+          <a:bodyPr/>
+          <a:lstStyle/>
+          <a:p>
+            <a:fld id="{F81DA475-9BAE-4013-99E4-867105755C10}" type="slidenum">
+              <a:rPr lang="zh-CN" altLang="en-US" smtClean="0"/>
+              <a:t>3</a:t>
+            </a:fld>
+            <a:endParaRPr lang="zh-CN" altLang="en-US"/>
+          </a:p>
+        </p:txBody>
+      </p:sp>
+    </p:spTree>
+    <p:extLst>
+      <p:ext uri="{BB962C8B-B14F-4D97-AF65-F5344CB8AC3E}">
+        <p14:creationId xmlns:p14="http://schemas.microsoft.com/office/powerpoint/2010/main" val="103011467"/>
+      </p:ext>
+    </p:extLst>
+  </p:cSld>
+  <p:clrMapOvr>
+    <a:masterClrMapping/>
+  </p:clrMapOvr>
+</p:notes>
+</file>
+
+<file path=ppt/notesSlides/notesSlide4.xml><?xml version="1.0" encoding="utf-8"?>
+<p:notes xmlns:a="http://schemas.openxmlformats.org/drawingml/2006/main" xmlns:r="http://schemas.openxmlformats.org/officeDocument/2006/relationships" xmlns:p="http://schemas.openxmlformats.org/presentationml/2006/main">
+  <p:cSld>
+    <p:spTree>
+      <p:nvGrpSpPr>
+        <p:cNvPr id="1" name=""/>
+        <p:cNvGrpSpPr/>
+        <p:nvPr/>
+      </p:nvGrpSpPr>
+      <p:grpSpPr>
+        <a:xfrm>
+          <a:off x="0" y="0"/>
+          <a:ext cx="0" cy="0"/>
+          <a:chOff x="0" y="0"/>
+          <a:chExt cx="0" cy="0"/>
+        </a:xfrm>
+      </p:grpSpPr>
+      <p:sp>
+        <p:nvSpPr>
+          <p:cNvPr id="2" name="Slide Image Placeholder 1"/>
+          <p:cNvSpPr>
+            <a:spLocks noGrp="1" noRot="1" noChangeAspect="1"/>
+          </p:cNvSpPr>
+          <p:nvPr>
+            <p:ph type="sldImg"/>
+          </p:nvPr>
+        </p:nvSpPr>
+        <p:spPr/>
+      </p:sp>
+      <p:sp>
+        <p:nvSpPr>
+          <p:cNvPr id="3" name="Notes Placeholder 2"/>
+          <p:cNvSpPr>
+            <a:spLocks noGrp="1"/>
+          </p:cNvSpPr>
+          <p:nvPr>
+            <p:ph type="body" idx="1"/>
+          </p:nvPr>
+        </p:nvSpPr>
+        <p:spPr/>
+        <p:txBody>
+          <a:bodyPr/>
+          <a:lstStyle/>
+          <a:p>
+            <a:r>
+              <a:rPr lang="en-US" altLang="zh-CN" dirty="0" smtClean="0"/>
+              <a:t>Now</a:t>
+            </a:r>
+            <a:r>
+              <a:rPr lang="en-US" altLang="zh-CN" baseline="0" dirty="0" smtClean="0"/>
+              <a:t> consider the potential difference across the pore to be phi1 and pressure difference p1. We assume that potential and pressure are uniform at the two ends of the cylindrical channel, being plus minus phi2 and p2. The 3 regions connecting in series gives us the continuity of electric current, which leads to this equation, and continuity of volumetric flow rate Q, which leads to this equation. The first term is pressure driven flow through a pore, the second term is voltage driven flow through a pore; likewise the 3</a:t>
+            </a:r>
+            <a:r>
+              <a:rPr lang="en-US" altLang="zh-CN" baseline="30000" dirty="0" smtClean="0"/>
+              <a:t>rd</a:t>
+            </a:r>
+            <a:r>
+              <a:rPr lang="en-US" altLang="zh-CN" baseline="0" dirty="0" smtClean="0"/>
+              <a:t> term is pressure driven flow through a cylinder, the 4</a:t>
+            </a:r>
+            <a:r>
+              <a:rPr lang="en-US" altLang="zh-CN" baseline="30000" dirty="0" smtClean="0"/>
+              <a:t>th</a:t>
+            </a:r>
+            <a:r>
+              <a:rPr lang="en-US" altLang="zh-CN" baseline="0" dirty="0" smtClean="0"/>
+              <a:t> term is voltage driven flow through a cylinder.</a:t>
+            </a:r>
+            <a:endParaRPr lang="zh-CN" altLang="en-US" dirty="0"/>
+          </a:p>
+        </p:txBody>
+      </p:sp>
+      <p:sp>
+        <p:nvSpPr>
+          <p:cNvPr id="4" name="Slide Number Placeholder 3"/>
+          <p:cNvSpPr>
+            <a:spLocks noGrp="1"/>
+          </p:cNvSpPr>
+          <p:nvPr>
+            <p:ph type="sldNum" sz="quarter" idx="10"/>
+          </p:nvPr>
+        </p:nvSpPr>
+        <p:spPr/>
+        <p:txBody>
+          <a:bodyPr/>
+          <a:lstStyle/>
+          <a:p>
+            <a:fld id="{F81DA475-9BAE-4013-99E4-867105755C10}" type="slidenum">
+              <a:rPr lang="zh-CN" altLang="en-US" smtClean="0"/>
+              <a:t>4</a:t>
+            </a:fld>
+            <a:endParaRPr lang="zh-CN" altLang="en-US"/>
+          </a:p>
+        </p:txBody>
+      </p:sp>
+    </p:spTree>
+    <p:extLst>
+      <p:ext uri="{BB962C8B-B14F-4D97-AF65-F5344CB8AC3E}">
+        <p14:creationId xmlns:p14="http://schemas.microsoft.com/office/powerpoint/2010/main" val="735718919"/>
+      </p:ext>
+    </p:extLst>
+  </p:cSld>
+  <p:clrMapOvr>
+    <a:masterClrMapping/>
+  </p:clrMapOvr>
+</p:notes>
+</file>
+
+<file path=ppt/notesSlides/notesSlide5.xml><?xml version="1.0" encoding="utf-8"?>
+<p:notes xmlns:a="http://schemas.openxmlformats.org/drawingml/2006/main" xmlns:r="http://schemas.openxmlformats.org/officeDocument/2006/relationships" xmlns:p="http://schemas.openxmlformats.org/presentationml/2006/main">
+  <p:cSld>
+    <p:spTree>
+      <p:nvGrpSpPr>
+        <p:cNvPr id="1" name=""/>
+        <p:cNvGrpSpPr/>
+        <p:nvPr/>
+      </p:nvGrpSpPr>
+      <p:grpSpPr>
+        <a:xfrm>
+          <a:off x="0" y="0"/>
+          <a:ext cx="0" cy="0"/>
+          <a:chOff x="0" y="0"/>
+          <a:chExt cx="0" cy="0"/>
+        </a:xfrm>
+      </p:grpSpPr>
+      <p:sp>
+        <p:nvSpPr>
+          <p:cNvPr id="2" name="Slide Image Placeholder 1"/>
+          <p:cNvSpPr>
+            <a:spLocks noGrp="1" noRot="1" noChangeAspect="1"/>
+          </p:cNvSpPr>
+          <p:nvPr>
+            <p:ph type="sldImg"/>
+          </p:nvPr>
+        </p:nvSpPr>
+        <p:spPr/>
+      </p:sp>
+      <p:sp>
+        <p:nvSpPr>
+          <p:cNvPr id="3" name="Notes Placeholder 2"/>
+          <p:cNvSpPr>
+            <a:spLocks noGrp="1"/>
+          </p:cNvSpPr>
+          <p:nvPr>
+            <p:ph type="body" idx="1"/>
+          </p:nvPr>
+        </p:nvSpPr>
+        <p:spPr/>
+        <p:txBody>
+          <a:bodyPr/>
+          <a:lstStyle/>
+          <a:p>
+            <a:r>
+              <a:rPr lang="en-US" altLang="zh-CN" dirty="0" smtClean="0"/>
+              <a:t>The</a:t>
+            </a:r>
+            <a:r>
+              <a:rPr lang="en-US" altLang="zh-CN" baseline="0" dirty="0" smtClean="0"/>
+              <a:t> two </a:t>
+            </a:r>
+            <a:r>
+              <a:rPr lang="en-US" altLang="zh-CN" baseline="0" dirty="0" smtClean="0"/>
+              <a:t>continuity equations </a:t>
+            </a:r>
+            <a:r>
+              <a:rPr lang="en-US" altLang="zh-CN" baseline="0" dirty="0" smtClean="0"/>
+              <a:t>are shown </a:t>
+            </a:r>
+            <a:r>
+              <a:rPr lang="en-US" altLang="zh-CN" baseline="0" dirty="0" smtClean="0"/>
+              <a:t>here again, </a:t>
+            </a:r>
+            <a:r>
+              <a:rPr lang="en-US" altLang="zh-CN" baseline="0" dirty="0" smtClean="0"/>
+              <a:t>if we set p1 equal to 0, and phi1 to delta phi, we recover the situation we are interested in, </a:t>
+            </a:r>
+            <a:r>
+              <a:rPr lang="en-US" altLang="zh-CN" baseline="0" dirty="0" smtClean="0"/>
+              <a:t>that is voltage </a:t>
+            </a:r>
+            <a:r>
+              <a:rPr lang="en-US" altLang="zh-CN" baseline="0" dirty="0" smtClean="0"/>
+              <a:t>driven flow through a nanopore in a finite thickness membrane. We can present ratio of the volumetric flow rate Q and the potential difference delta phi as the composite electroosmotic conductance, which is the equation here, if you plug in formulas for Gm, </a:t>
+            </a:r>
+            <a:r>
+              <a:rPr lang="en-US" altLang="zh-CN" baseline="0" dirty="0" err="1" smtClean="0"/>
+              <a:t>Gc</a:t>
+            </a:r>
+            <a:r>
+              <a:rPr lang="en-US" altLang="zh-CN" baseline="0" dirty="0" smtClean="0"/>
+              <a:t>, Rm, </a:t>
+            </a:r>
+            <a:r>
+              <a:rPr lang="en-US" altLang="zh-CN" baseline="0" dirty="0" err="1" smtClean="0"/>
+              <a:t>Rc</a:t>
+            </a:r>
+            <a:r>
+              <a:rPr lang="en-US" altLang="zh-CN" baseline="0" dirty="0" smtClean="0"/>
+              <a:t>, you will get the equation on the right hand side. Note that the dependence of H composite on the Debye length is implicit in </a:t>
+            </a:r>
+            <a:r>
+              <a:rPr lang="en-US" altLang="zh-CN" baseline="0" dirty="0" err="1" smtClean="0"/>
+              <a:t>Hm</a:t>
+            </a:r>
+            <a:r>
+              <a:rPr lang="en-US" altLang="zh-CN" baseline="0" dirty="0" smtClean="0"/>
+              <a:t> and </a:t>
+            </a:r>
+            <a:r>
+              <a:rPr lang="en-US" altLang="zh-CN" baseline="0" dirty="0" err="1" smtClean="0"/>
+              <a:t>Hc</a:t>
+            </a:r>
+            <a:r>
+              <a:rPr lang="en-US" altLang="zh-CN" baseline="0" dirty="0" smtClean="0"/>
+              <a:t>.</a:t>
+            </a:r>
+            <a:endParaRPr lang="zh-CN" altLang="en-US" dirty="0"/>
+          </a:p>
+        </p:txBody>
+      </p:sp>
+      <p:sp>
+        <p:nvSpPr>
+          <p:cNvPr id="4" name="Slide Number Placeholder 3"/>
+          <p:cNvSpPr>
+            <a:spLocks noGrp="1"/>
+          </p:cNvSpPr>
+          <p:nvPr>
+            <p:ph type="sldNum" sz="quarter" idx="10"/>
+          </p:nvPr>
+        </p:nvSpPr>
+        <p:spPr/>
+        <p:txBody>
+          <a:bodyPr/>
+          <a:lstStyle/>
+          <a:p>
+            <a:fld id="{F81DA475-9BAE-4013-99E4-867105755C10}" type="slidenum">
+              <a:rPr lang="zh-CN" altLang="en-US" smtClean="0"/>
+              <a:t>5</a:t>
+            </a:fld>
+            <a:endParaRPr lang="zh-CN" altLang="en-US"/>
+          </a:p>
+        </p:txBody>
+      </p:sp>
+    </p:spTree>
+    <p:extLst>
+      <p:ext uri="{BB962C8B-B14F-4D97-AF65-F5344CB8AC3E}">
+        <p14:creationId xmlns:p14="http://schemas.microsoft.com/office/powerpoint/2010/main" val="1236643447"/>
+      </p:ext>
+    </p:extLst>
+  </p:cSld>
+  <p:clrMapOvr>
+    <a:masterClrMapping/>
+  </p:clrMapOvr>
+</p:notes>
+</file>
+
+<file path=ppt/notesSlides/notesSlide6.xml><?xml version="1.0" encoding="utf-8"?>
+<p:notes xmlns:a="http://schemas.openxmlformats.org/drawingml/2006/main" xmlns:r="http://schemas.openxmlformats.org/officeDocument/2006/relationships" xmlns:p="http://schemas.openxmlformats.org/presentationml/2006/main">
+  <p:cSld>
+    <p:spTree>
+      <p:nvGrpSpPr>
+        <p:cNvPr id="1" name=""/>
+        <p:cNvGrpSpPr/>
+        <p:nvPr/>
+      </p:nvGrpSpPr>
+      <p:grpSpPr>
+        <a:xfrm>
+          <a:off x="0" y="0"/>
+          <a:ext cx="0" cy="0"/>
+          <a:chOff x="0" y="0"/>
+          <a:chExt cx="0" cy="0"/>
+        </a:xfrm>
+      </p:grpSpPr>
+      <p:sp>
+        <p:nvSpPr>
+          <p:cNvPr id="2" name="Slide Image Placeholder 1"/>
+          <p:cNvSpPr>
+            <a:spLocks noGrp="1" noRot="1" noChangeAspect="1"/>
+          </p:cNvSpPr>
+          <p:nvPr>
+            <p:ph type="sldImg"/>
+          </p:nvPr>
+        </p:nvSpPr>
+        <p:spPr/>
+      </p:sp>
+      <p:sp>
+        <p:nvSpPr>
+          <p:cNvPr id="3" name="Notes Placeholder 2"/>
+          <p:cNvSpPr>
+            <a:spLocks noGrp="1"/>
+          </p:cNvSpPr>
+          <p:nvPr>
+            <p:ph type="body" idx="1"/>
+          </p:nvPr>
+        </p:nvSpPr>
+        <p:spPr/>
+        <p:txBody>
+          <a:bodyPr/>
+          <a:lstStyle/>
+          <a:p>
+            <a:r>
+              <a:rPr lang="en-US" altLang="zh-CN" dirty="0" smtClean="0"/>
+              <a:t>We compare our composite</a:t>
+            </a:r>
+            <a:r>
+              <a:rPr lang="en-US" altLang="zh-CN" baseline="0" dirty="0" smtClean="0"/>
+              <a:t> electroosmotic conductance H with the full simulation of PNP-Stokes equation at different cylinder thickness h. The solid lines are the model, and the points are from numerical simulation. From these two figures we see that our model agrees with numerical simulations quite well when Debye length is small. Especially when the thickness h is large, or when the end effects are less </a:t>
+            </a:r>
+            <a:r>
+              <a:rPr lang="en-US" altLang="zh-CN" baseline="0" dirty="0" smtClean="0"/>
+              <a:t>important. </a:t>
+            </a:r>
+            <a:endParaRPr lang="en-US" altLang="zh-CN" baseline="0" dirty="0" smtClean="0"/>
+          </a:p>
+        </p:txBody>
+      </p:sp>
+      <p:sp>
+        <p:nvSpPr>
+          <p:cNvPr id="4" name="Slide Number Placeholder 3"/>
+          <p:cNvSpPr>
+            <a:spLocks noGrp="1"/>
+          </p:cNvSpPr>
+          <p:nvPr>
+            <p:ph type="sldNum" sz="quarter" idx="10"/>
+          </p:nvPr>
+        </p:nvSpPr>
+        <p:spPr/>
+        <p:txBody>
+          <a:bodyPr/>
+          <a:lstStyle/>
+          <a:p>
+            <a:fld id="{F81DA475-9BAE-4013-99E4-867105755C10}" type="slidenum">
+              <a:rPr lang="zh-CN" altLang="en-US" smtClean="0"/>
+              <a:t>6</a:t>
+            </a:fld>
+            <a:endParaRPr lang="zh-CN" altLang="en-US"/>
+          </a:p>
+        </p:txBody>
+      </p:sp>
+    </p:spTree>
+    <p:extLst>
+      <p:ext uri="{BB962C8B-B14F-4D97-AF65-F5344CB8AC3E}">
+        <p14:creationId xmlns:p14="http://schemas.microsoft.com/office/powerpoint/2010/main" val="2849623539"/>
+      </p:ext>
+    </p:extLst>
+  </p:cSld>
+  <p:clrMapOvr>
+    <a:masterClrMapping/>
+  </p:clrMapOvr>
+</p:notes>
+</file>
+
+<file path=ppt/notesSlides/notesSlide7.xml><?xml version="1.0" encoding="utf-8"?>
+<p:notes xmlns:a="http://schemas.openxmlformats.org/drawingml/2006/main" xmlns:r="http://schemas.openxmlformats.org/officeDocument/2006/relationships" xmlns:p="http://schemas.openxmlformats.org/presentationml/2006/main">
+  <p:cSld>
+    <p:spTree>
+      <p:nvGrpSpPr>
+        <p:cNvPr id="1" name=""/>
+        <p:cNvGrpSpPr/>
+        <p:nvPr/>
+      </p:nvGrpSpPr>
+      <p:grpSpPr>
+        <a:xfrm>
+          <a:off x="0" y="0"/>
+          <a:ext cx="0" cy="0"/>
+          <a:chOff x="0" y="0"/>
+          <a:chExt cx="0" cy="0"/>
+        </a:xfrm>
+      </p:grpSpPr>
+      <p:sp>
+        <p:nvSpPr>
+          <p:cNvPr id="2" name="Slide Image Placeholder 1"/>
+          <p:cNvSpPr>
+            <a:spLocks noGrp="1" noRot="1" noChangeAspect="1"/>
+          </p:cNvSpPr>
+          <p:nvPr>
+            <p:ph type="sldImg"/>
+          </p:nvPr>
+        </p:nvSpPr>
+        <p:spPr/>
+      </p:sp>
+      <p:sp>
+        <p:nvSpPr>
+          <p:cNvPr id="3" name="Notes Placeholder 2"/>
+          <p:cNvSpPr>
+            <a:spLocks noGrp="1"/>
+          </p:cNvSpPr>
+          <p:nvPr>
+            <p:ph type="body" idx="1"/>
+          </p:nvPr>
+        </p:nvSpPr>
+        <p:spPr/>
+        <p:txBody>
+          <a:bodyPr/>
+          <a:lstStyle/>
+          <a:p>
+            <a:r>
+              <a:rPr lang="en-US" altLang="zh-CN" dirty="0" smtClean="0"/>
+              <a:t>Unfortunately,</a:t>
+            </a:r>
+            <a:r>
+              <a:rPr lang="en-US" altLang="zh-CN" baseline="0" dirty="0" smtClean="0"/>
+              <a:t> our model does not agree with simulation at all when Debye length is large. We can see </a:t>
+            </a:r>
+            <a:r>
+              <a:rPr lang="en-US" altLang="zh-CN" baseline="0" dirty="0" smtClean="0"/>
+              <a:t>clearly </a:t>
+            </a:r>
+            <a:r>
+              <a:rPr lang="en-US" altLang="zh-CN" baseline="0" dirty="0" smtClean="0"/>
+              <a:t>from the right figure here, when Debye length is 10 times the radius of the pore, our model does not even predict the trend correctly.</a:t>
+            </a:r>
+            <a:endParaRPr lang="zh-CN" altLang="en-US" dirty="0"/>
+          </a:p>
+        </p:txBody>
+      </p:sp>
+      <p:sp>
+        <p:nvSpPr>
+          <p:cNvPr id="4" name="Slide Number Placeholder 3"/>
+          <p:cNvSpPr>
+            <a:spLocks noGrp="1"/>
+          </p:cNvSpPr>
+          <p:nvPr>
+            <p:ph type="sldNum" sz="quarter" idx="10"/>
+          </p:nvPr>
+        </p:nvSpPr>
+        <p:spPr/>
+        <p:txBody>
+          <a:bodyPr/>
+          <a:lstStyle/>
+          <a:p>
+            <a:fld id="{F81DA475-9BAE-4013-99E4-867105755C10}" type="slidenum">
+              <a:rPr lang="zh-CN" altLang="en-US" smtClean="0"/>
+              <a:t>7</a:t>
+            </a:fld>
+            <a:endParaRPr lang="zh-CN" altLang="en-US"/>
+          </a:p>
+        </p:txBody>
+      </p:sp>
+    </p:spTree>
+    <p:extLst>
+      <p:ext uri="{BB962C8B-B14F-4D97-AF65-F5344CB8AC3E}">
+        <p14:creationId xmlns:p14="http://schemas.microsoft.com/office/powerpoint/2010/main" val="1020551489"/>
+      </p:ext>
+    </p:extLst>
+  </p:cSld>
+  <p:clrMapOvr>
+    <a:masterClrMapping/>
+  </p:clrMapOvr>
+</p:notes>
+</file>
+
+<file path=ppt/notesSlides/notesSlide8.xml><?xml version="1.0" encoding="utf-8"?>
+<p:notes xmlns:a="http://schemas.openxmlformats.org/drawingml/2006/main" xmlns:r="http://schemas.openxmlformats.org/officeDocument/2006/relationships" xmlns:p="http://schemas.openxmlformats.org/presentationml/2006/main">
+  <p:cSld>
+    <p:spTree>
+      <p:nvGrpSpPr>
+        <p:cNvPr id="1" name=""/>
+        <p:cNvGrpSpPr/>
+        <p:nvPr/>
+      </p:nvGrpSpPr>
+      <p:grpSpPr>
+        <a:xfrm>
+          <a:off x="0" y="0"/>
+          <a:ext cx="0" cy="0"/>
+          <a:chOff x="0" y="0"/>
+          <a:chExt cx="0" cy="0"/>
+        </a:xfrm>
+      </p:grpSpPr>
+      <p:sp>
+        <p:nvSpPr>
+          <p:cNvPr id="2" name="Slide Image Placeholder 1"/>
+          <p:cNvSpPr>
+            <a:spLocks noGrp="1" noRot="1" noChangeAspect="1"/>
+          </p:cNvSpPr>
+          <p:nvPr>
+            <p:ph type="sldImg"/>
+          </p:nvPr>
+        </p:nvSpPr>
+        <p:spPr/>
+      </p:sp>
+      <p:sp>
+        <p:nvSpPr>
+          <p:cNvPr id="3" name="Notes Placeholder 2"/>
+          <p:cNvSpPr>
+            <a:spLocks noGrp="1"/>
+          </p:cNvSpPr>
+          <p:nvPr>
+            <p:ph type="body" idx="1"/>
+          </p:nvPr>
+        </p:nvSpPr>
+        <p:spPr/>
+        <p:txBody>
+          <a:bodyPr/>
+          <a:lstStyle/>
+          <a:p>
+            <a:r>
+              <a:rPr lang="en-US" altLang="zh-CN" dirty="0" smtClean="0"/>
+              <a:t>So what could be wrong.</a:t>
+            </a:r>
+            <a:r>
+              <a:rPr lang="en-US" altLang="zh-CN" baseline="0" dirty="0" smtClean="0"/>
+              <a:t> Let’s get back to our model. The idea behind this composite theory is that the system can be divided very well into 3 regions, 2 half pores and one cylinder. Especially, the cylinder is simply radius a and length h. Unfortunately this treatment is too good to be true in certain cases. Let’s look at when Debye length is large compare to a. The cylinder is basically filled with the </a:t>
+            </a:r>
+            <a:r>
+              <a:rPr lang="en-US" altLang="zh-CN" baseline="0" dirty="0" smtClean="0"/>
+              <a:t>thick, overlapping double </a:t>
+            </a:r>
+            <a:r>
+              <a:rPr lang="en-US" altLang="zh-CN" baseline="0" dirty="0" smtClean="0"/>
+              <a:t>layer, and at the </a:t>
+            </a:r>
+            <a:r>
+              <a:rPr lang="en-US" altLang="zh-CN" baseline="0" dirty="0" smtClean="0"/>
+              <a:t>two ends</a:t>
+            </a:r>
+            <a:r>
+              <a:rPr lang="en-US" altLang="zh-CN" baseline="0" dirty="0" smtClean="0"/>
+              <a:t>, we do not have a well-defined border between the half pore and the cylinder any more. The charge cloud within the pore will spill out into the half pores. In other words, if we look at our composite model again, the electroosmotic conductance of a pore is not what it was any more. Due to charge spill effects more charges are outside the pore than before, and the </a:t>
+            </a:r>
+            <a:r>
+              <a:rPr lang="en-US" altLang="zh-CN" baseline="0" dirty="0" smtClean="0"/>
+              <a:t>electroosmotic conductance </a:t>
+            </a:r>
+            <a:r>
+              <a:rPr lang="en-US" altLang="zh-CN" baseline="0" dirty="0" smtClean="0"/>
+              <a:t>should be increased. On the other hand, the cylindrical channel lost a part of its charge cloud due to the charge spill effect, the electroosmotic conductance will decrease. We did some modeling of this charge spill effects. Without boring you with details, I’ll just give the results here, </a:t>
+            </a:r>
+            <a:r>
+              <a:rPr lang="en-US" altLang="zh-CN" baseline="0" dirty="0" err="1" smtClean="0"/>
+              <a:t>Hc</a:t>
+            </a:r>
+            <a:r>
+              <a:rPr lang="en-US" altLang="zh-CN" baseline="0" dirty="0" smtClean="0"/>
+              <a:t> is decreased, quantified by a equivalent length we call </a:t>
+            </a:r>
+            <a:r>
+              <a:rPr lang="en-US" altLang="zh-CN" baseline="0" dirty="0" err="1" smtClean="0"/>
+              <a:t>hlost</a:t>
+            </a:r>
+            <a:r>
+              <a:rPr lang="en-US" altLang="zh-CN" baseline="0" dirty="0" smtClean="0"/>
+              <a:t>, and </a:t>
+            </a:r>
+            <a:r>
+              <a:rPr lang="en-US" altLang="zh-CN" baseline="0" dirty="0" err="1" smtClean="0"/>
+              <a:t>Hm</a:t>
+            </a:r>
+            <a:r>
+              <a:rPr lang="en-US" altLang="zh-CN" baseline="0" dirty="0" smtClean="0"/>
+              <a:t> is increased due to gaining charge </a:t>
+            </a:r>
+            <a:r>
+              <a:rPr lang="en-US" altLang="zh-CN" baseline="0" dirty="0" smtClean="0"/>
+              <a:t>from inside </a:t>
+            </a:r>
+            <a:r>
+              <a:rPr lang="en-US" altLang="zh-CN" baseline="0" dirty="0" smtClean="0"/>
+              <a:t>the cylinder. Here sigma is the surface charge density of the membrane surfaces, c means the surface of the part inside the cylinder, m means the surface of the part outside the cylinder.</a:t>
+            </a:r>
+          </a:p>
+          <a:p>
+            <a:endParaRPr lang="en-US" altLang="zh-CN" baseline="0" dirty="0" smtClean="0"/>
+          </a:p>
+          <a:p>
+            <a:r>
+              <a:rPr lang="en-US" altLang="zh-CN" baseline="0" dirty="0" smtClean="0"/>
+              <a:t>We plug in these modified </a:t>
+            </a:r>
+            <a:r>
+              <a:rPr lang="en-US" altLang="zh-CN" baseline="0" dirty="0" err="1" smtClean="0"/>
+              <a:t>Hc</a:t>
+            </a:r>
+            <a:r>
+              <a:rPr lang="en-US" altLang="zh-CN" baseline="0" dirty="0" smtClean="0"/>
+              <a:t> and </a:t>
+            </a:r>
+            <a:r>
+              <a:rPr lang="en-US" altLang="zh-CN" baseline="0" dirty="0" err="1" smtClean="0"/>
+              <a:t>Hm</a:t>
+            </a:r>
+            <a:r>
+              <a:rPr lang="en-US" altLang="zh-CN" baseline="0" dirty="0" smtClean="0"/>
+              <a:t> into the composite model</a:t>
+            </a:r>
+            <a:endParaRPr lang="zh-CN" altLang="en-US" dirty="0"/>
+          </a:p>
+        </p:txBody>
+      </p:sp>
+      <p:sp>
+        <p:nvSpPr>
+          <p:cNvPr id="4" name="Slide Number Placeholder 3"/>
+          <p:cNvSpPr>
+            <a:spLocks noGrp="1"/>
+          </p:cNvSpPr>
+          <p:nvPr>
+            <p:ph type="sldNum" sz="quarter" idx="10"/>
+          </p:nvPr>
+        </p:nvSpPr>
+        <p:spPr/>
+        <p:txBody>
+          <a:bodyPr/>
+          <a:lstStyle/>
+          <a:p>
+            <a:fld id="{F81DA475-9BAE-4013-99E4-867105755C10}" type="slidenum">
+              <a:rPr lang="zh-CN" altLang="en-US" smtClean="0"/>
+              <a:t>8</a:t>
+            </a:fld>
+            <a:endParaRPr lang="zh-CN" altLang="en-US"/>
+          </a:p>
+        </p:txBody>
+      </p:sp>
+    </p:spTree>
+    <p:extLst>
+      <p:ext uri="{BB962C8B-B14F-4D97-AF65-F5344CB8AC3E}">
+        <p14:creationId xmlns:p14="http://schemas.microsoft.com/office/powerpoint/2010/main" val="309993378"/>
+      </p:ext>
+    </p:extLst>
+  </p:cSld>
+  <p:clrMapOvr>
+    <a:masterClrMapping/>
+  </p:clrMapOvr>
+</p:notes>
+</file>
+
+<file path=ppt/notesSlides/notesSlide9.xml><?xml version="1.0" encoding="utf-8"?>
+<p:notes xmlns:a="http://schemas.openxmlformats.org/drawingml/2006/main" xmlns:r="http://schemas.openxmlformats.org/officeDocument/2006/relationships" xmlns:p="http://schemas.openxmlformats.org/presentationml/2006/main">
+  <p:cSld>
+    <p:spTree>
+      <p:nvGrpSpPr>
+        <p:cNvPr id="1" name=""/>
+        <p:cNvGrpSpPr/>
+        <p:nvPr/>
+      </p:nvGrpSpPr>
+      <p:grpSpPr>
+        <a:xfrm>
+          <a:off x="0" y="0"/>
+          <a:ext cx="0" cy="0"/>
+          <a:chOff x="0" y="0"/>
+          <a:chExt cx="0" cy="0"/>
+        </a:xfrm>
+      </p:grpSpPr>
+      <p:sp>
+        <p:nvSpPr>
+          <p:cNvPr id="2" name="Slide Image Placeholder 1"/>
+          <p:cNvSpPr>
+            <a:spLocks noGrp="1" noRot="1" noChangeAspect="1"/>
+          </p:cNvSpPr>
+          <p:nvPr>
+            <p:ph type="sldImg"/>
+          </p:nvPr>
+        </p:nvSpPr>
+        <p:spPr/>
+      </p:sp>
+      <p:sp>
+        <p:nvSpPr>
+          <p:cNvPr id="3" name="Notes Placeholder 2"/>
+          <p:cNvSpPr>
+            <a:spLocks noGrp="1"/>
+          </p:cNvSpPr>
+          <p:nvPr>
+            <p:ph type="body" idx="1"/>
+          </p:nvPr>
+        </p:nvSpPr>
+        <p:spPr/>
+        <p:txBody>
+          <a:bodyPr/>
+          <a:lstStyle/>
+          <a:p>
+            <a:r>
+              <a:rPr lang="en-US" altLang="zh-CN" dirty="0" smtClean="0"/>
+              <a:t>After</a:t>
+            </a:r>
+            <a:r>
+              <a:rPr lang="en-US" altLang="zh-CN" baseline="0" dirty="0" smtClean="0"/>
+              <a:t> this modification, we compare the model with numerical simulations again. The left figure is the one before the modification, where we have failed miserably. After the modification, the agreement with numerical simulation becomes much better, as you can see from the right figure.</a:t>
+            </a:r>
+            <a:endParaRPr lang="zh-CN" altLang="en-US" dirty="0"/>
+          </a:p>
+        </p:txBody>
+      </p:sp>
+      <p:sp>
+        <p:nvSpPr>
+          <p:cNvPr id="4" name="Slide Number Placeholder 3"/>
+          <p:cNvSpPr>
+            <a:spLocks noGrp="1"/>
+          </p:cNvSpPr>
+          <p:nvPr>
+            <p:ph type="sldNum" sz="quarter" idx="10"/>
+          </p:nvPr>
+        </p:nvSpPr>
+        <p:spPr/>
+        <p:txBody>
+          <a:bodyPr/>
+          <a:lstStyle/>
+          <a:p>
+            <a:fld id="{F81DA475-9BAE-4013-99E4-867105755C10}" type="slidenum">
+              <a:rPr lang="zh-CN" altLang="en-US" smtClean="0"/>
+              <a:t>9</a:t>
+            </a:fld>
+            <a:endParaRPr lang="zh-CN" altLang="en-US"/>
+          </a:p>
+        </p:txBody>
+      </p:sp>
+    </p:spTree>
+    <p:extLst>
+      <p:ext uri="{BB962C8B-B14F-4D97-AF65-F5344CB8AC3E}">
+        <p14:creationId xmlns:p14="http://schemas.microsoft.com/office/powerpoint/2010/main" val="1348140282"/>
+      </p:ext>
+    </p:extLst>
+  </p:cSld>
+  <p:clrMapOvr>
+    <a:masterClrMapping/>
+  </p:clrMapOvr>
+</p:notes>
+</file>
+
 <file path=ppt/slideLayouts/slideLayout1.xml><?xml version="1.0" encoding="utf-8"?>
 <p:sldLayout xmlns:a="http://schemas.openxmlformats.org/drawingml/2006/main" xmlns:r="http://schemas.openxmlformats.org/officeDocument/2006/relationships" xmlns:p="http://schemas.openxmlformats.org/presentationml/2006/main" type="title" preserve="1">
   <p:cSld name="Title Slide">
@@ -253,7 +1909,7 @@
           <a:p>
             <a:fld id="{182EB101-A227-4975-ABFF-0D09162D1D37}" type="datetimeFigureOut">
               <a:rPr lang="zh-CN" altLang="en-US" smtClean="0"/>
-              <a:t>2014/11/12</a:t>
+              <a:t>2014/11/13</a:t>
             </a:fld>
             <a:endParaRPr lang="zh-CN" altLang="en-US"/>
           </a:p>
@@ -423,7 +2079,7 @@
           <a:p>
             <a:fld id="{182EB101-A227-4975-ABFF-0D09162D1D37}" type="datetimeFigureOut">
               <a:rPr lang="zh-CN" altLang="en-US" smtClean="0"/>
-              <a:t>2014/11/12</a:t>
+              <a:t>2014/11/13</a:t>
             </a:fld>
             <a:endParaRPr lang="zh-CN" altLang="en-US"/>
           </a:p>
@@ -603,7 +2259,7 @@
           <a:p>
             <a:fld id="{182EB101-A227-4975-ABFF-0D09162D1D37}" type="datetimeFigureOut">
               <a:rPr lang="zh-CN" altLang="en-US" smtClean="0"/>
-              <a:t>2014/11/12</a:t>
+              <a:t>2014/11/13</a:t>
             </a:fld>
             <a:endParaRPr lang="zh-CN" altLang="en-US"/>
           </a:p>
@@ -773,7 +2429,7 @@
           <a:p>
             <a:fld id="{182EB101-A227-4975-ABFF-0D09162D1D37}" type="datetimeFigureOut">
               <a:rPr lang="zh-CN" altLang="en-US" smtClean="0"/>
-              <a:t>2014/11/12</a:t>
+              <a:t>2014/11/13</a:t>
             </a:fld>
             <a:endParaRPr lang="zh-CN" altLang="en-US"/>
           </a:p>
@@ -1019,7 +2675,7 @@
           <a:p>
             <a:fld id="{182EB101-A227-4975-ABFF-0D09162D1D37}" type="datetimeFigureOut">
               <a:rPr lang="zh-CN" altLang="en-US" smtClean="0"/>
-              <a:t>2014/11/12</a:t>
+              <a:t>2014/11/13</a:t>
             </a:fld>
             <a:endParaRPr lang="zh-CN" altLang="en-US"/>
           </a:p>
@@ -1251,7 +2907,7 @@
           <a:p>
             <a:fld id="{182EB101-A227-4975-ABFF-0D09162D1D37}" type="datetimeFigureOut">
               <a:rPr lang="zh-CN" altLang="en-US" smtClean="0"/>
-              <a:t>2014/11/12</a:t>
+              <a:t>2014/11/13</a:t>
             </a:fld>
             <a:endParaRPr lang="zh-CN" altLang="en-US"/>
           </a:p>
@@ -1618,7 +3274,7 @@
           <a:p>
             <a:fld id="{182EB101-A227-4975-ABFF-0D09162D1D37}" type="datetimeFigureOut">
               <a:rPr lang="zh-CN" altLang="en-US" smtClean="0"/>
-              <a:t>2014/11/12</a:t>
+              <a:t>2014/11/13</a:t>
             </a:fld>
             <a:endParaRPr lang="zh-CN" altLang="en-US"/>
           </a:p>
@@ -1736,7 +3392,7 @@
           <a:p>
             <a:fld id="{182EB101-A227-4975-ABFF-0D09162D1D37}" type="datetimeFigureOut">
               <a:rPr lang="zh-CN" altLang="en-US" smtClean="0"/>
-              <a:t>2014/11/12</a:t>
+              <a:t>2014/11/13</a:t>
             </a:fld>
             <a:endParaRPr lang="zh-CN" altLang="en-US"/>
           </a:p>
@@ -1831,7 +3487,7 @@
           <a:p>
             <a:fld id="{182EB101-A227-4975-ABFF-0D09162D1D37}" type="datetimeFigureOut">
               <a:rPr lang="zh-CN" altLang="en-US" smtClean="0"/>
-              <a:t>2014/11/12</a:t>
+              <a:t>2014/11/13</a:t>
             </a:fld>
             <a:endParaRPr lang="zh-CN" altLang="en-US"/>
           </a:p>
@@ -2108,7 +3764,7 @@
           <a:p>
             <a:fld id="{182EB101-A227-4975-ABFF-0D09162D1D37}" type="datetimeFigureOut">
               <a:rPr lang="zh-CN" altLang="en-US" smtClean="0"/>
-              <a:t>2014/11/12</a:t>
+              <a:t>2014/11/13</a:t>
             </a:fld>
             <a:endParaRPr lang="zh-CN" altLang="en-US"/>
           </a:p>
@@ -2361,7 +4017,7 @@
           <a:p>
             <a:fld id="{182EB101-A227-4975-ABFF-0D09162D1D37}" type="datetimeFigureOut">
               <a:rPr lang="zh-CN" altLang="en-US" smtClean="0"/>
-              <a:t>2014/11/12</a:t>
+              <a:t>2014/11/13</a:t>
             </a:fld>
             <a:endParaRPr lang="zh-CN" altLang="en-US"/>
           </a:p>
@@ -2574,7 +4230,7 @@
           <a:p>
             <a:fld id="{182EB101-A227-4975-ABFF-0D09162D1D37}" type="datetimeFigureOut">
               <a:rPr lang="zh-CN" altLang="en-US" smtClean="0"/>
-              <a:t>2014/11/12</a:t>
+              <a:t>2014/11/13</a:t>
             </a:fld>
             <a:endParaRPr lang="zh-CN" altLang="en-US"/>
           </a:p>
@@ -3093,7 +4749,7 @@
         </p:nvSpPr>
         <p:spPr>
           <a:xfrm>
-            <a:off x="1524000" y="5315712"/>
+            <a:off x="1524000" y="5864352"/>
             <a:ext cx="9144000" cy="769441"/>
           </a:xfrm>
           <a:prstGeom prst="rect">
@@ -3211,7 +4867,7 @@
           </p:nvPr>
         </p:nvPicPr>
         <p:blipFill rotWithShape="1">
-          <a:blip r:embed="rId2" cstate="print">
+          <a:blip r:embed="rId3" cstate="print">
             <a:extLst>
               <a:ext uri="{28A0092B-C50C-407E-A947-70E740481C1C}">
                 <a14:useLocalDpi xmlns:a14="http://schemas.microsoft.com/office/drawing/2010/main" val="0"/>
@@ -3237,7 +4893,7 @@
           <p:nvPr/>
         </p:nvPicPr>
         <p:blipFill rotWithShape="1">
-          <a:blip r:embed="rId3" cstate="print">
+          <a:blip r:embed="rId4" cstate="print">
             <a:extLst>
               <a:ext uri="{28A0092B-C50C-407E-A947-70E740481C1C}">
                 <a14:useLocalDpi xmlns:a14="http://schemas.microsoft.com/office/drawing/2010/main" val="0"/>
@@ -3266,7 +4922,7 @@
           <p:nvPr/>
         </p:nvPicPr>
         <p:blipFill rotWithShape="1">
-          <a:blip r:embed="rId4" cstate="print">
+          <a:blip r:embed="rId5" cstate="print">
             <a:extLst>
               <a:ext uri="{28A0092B-C50C-407E-A947-70E740481C1C}">
                 <a14:useLocalDpi xmlns:a14="http://schemas.microsoft.com/office/drawing/2010/main" val="0"/>
@@ -3295,7 +4951,7 @@
           <p:nvPr/>
         </p:nvPicPr>
         <p:blipFill rotWithShape="1">
-          <a:blip r:embed="rId5" cstate="print">
+          <a:blip r:embed="rId6" cstate="print">
             <a:extLst>
               <a:ext uri="{28A0092B-C50C-407E-A947-70E740481C1C}">
                 <a14:useLocalDpi xmlns:a14="http://schemas.microsoft.com/office/drawing/2010/main" val="0"/>
@@ -3315,8 +4971,8 @@
           </a:prstGeom>
         </p:spPr>
       </p:pic>
-      <mc:AlternateContent xmlns:mc="http://schemas.openxmlformats.org/markup-compatibility/2006">
-        <mc:Choice xmlns:a14="http://schemas.microsoft.com/office/drawing/2010/main" Requires="a14">
+      <mc:AlternateContent xmlns:mc="http://schemas.openxmlformats.org/markup-compatibility/2006" xmlns:a14="http://schemas.microsoft.com/office/drawing/2010/main">
+        <mc:Choice Requires="a14">
           <p:sp>
             <p:nvSpPr>
               <p:cNvPr id="8" name="TextBox 7"/>
@@ -3339,6 +4995,7 @@
               </a:bodyPr>
               <a:lstStyle/>
               <a:p>
+                <a:pPr/>
                 <a14:m>
                   <m:oMathPara xmlns:m="http://schemas.openxmlformats.org/officeDocument/2006/math">
                     <m:oMathParaPr>
@@ -3384,7 +5041,7 @@
             </p:txBody>
           </p:sp>
         </mc:Choice>
-        <mc:Fallback>
+        <mc:Fallback xmlns="">
           <p:sp>
             <p:nvSpPr>
               <p:cNvPr id="8" name="TextBox 7"/>
@@ -3396,114 +5053,6 @@
             <p:spPr>
               <a:xfrm>
                 <a:off x="243840" y="1105472"/>
-                <a:ext cx="1353312" cy="618246"/>
-              </a:xfrm>
-              <a:prstGeom prst="rect">
-                <a:avLst/>
-              </a:prstGeom>
-              <a:blipFill rotWithShape="0">
-                <a:blip r:embed="rId6"/>
-                <a:stretch>
-                  <a:fillRect/>
-                </a:stretch>
-              </a:blipFill>
-            </p:spPr>
-            <p:txBody>
-              <a:bodyPr/>
-              <a:lstStyle/>
-              <a:p>
-                <a:r>
-                  <a:rPr lang="zh-CN" altLang="en-US">
-                    <a:noFill/>
-                  </a:rPr>
-                  <a:t> </a:t>
-                </a:r>
-              </a:p>
-            </p:txBody>
-          </p:sp>
-        </mc:Fallback>
-      </mc:AlternateContent>
-      <mc:AlternateContent xmlns:mc="http://schemas.openxmlformats.org/markup-compatibility/2006">
-        <mc:Choice xmlns:a14="http://schemas.microsoft.com/office/drawing/2010/main" Requires="a14">
-          <p:sp>
-            <p:nvSpPr>
-              <p:cNvPr id="9" name="TextBox 8"/>
-              <p:cNvSpPr txBox="1"/>
-              <p:nvPr/>
-            </p:nvSpPr>
-            <p:spPr>
-              <a:xfrm>
-                <a:off x="326628" y="4170784"/>
-                <a:ext cx="1353312" cy="618246"/>
-              </a:xfrm>
-              <a:prstGeom prst="rect">
-                <a:avLst/>
-              </a:prstGeom>
-              <a:noFill/>
-            </p:spPr>
-            <p:txBody>
-              <a:bodyPr wrap="square" rtlCol="0">
-                <a:spAutoFit/>
-              </a:bodyPr>
-              <a:lstStyle/>
-              <a:p>
-                <a14:m>
-                  <m:oMathPara xmlns:m="http://schemas.openxmlformats.org/officeDocument/2006/math">
-                    <m:oMathParaPr>
-                      <m:jc m:val="centerGroup"/>
-                    </m:oMathParaPr>
-                    <m:oMath xmlns:m="http://schemas.openxmlformats.org/officeDocument/2006/math">
-                      <m:f>
-                        <m:fPr>
-                          <m:ctrlPr>
-                            <a:rPr lang="en-US" altLang="zh-CN" b="0" i="1" smtClean="0">
-                              <a:latin typeface="Cambria Math" panose="02040503050406030204" pitchFamily="18" charset="0"/>
-                            </a:rPr>
-                          </m:ctrlPr>
-                        </m:fPr>
-                        <m:num>
-                          <m:r>
-                            <a:rPr lang="en-US" altLang="zh-CN" b="0" i="1" smtClean="0">
-                              <a:latin typeface="Cambria Math" panose="02040503050406030204" pitchFamily="18" charset="0"/>
-                            </a:rPr>
-                            <m:t>h</m:t>
-                          </m:r>
-                        </m:num>
-                        <m:den>
-                          <m:r>
-                            <a:rPr lang="en-US" altLang="zh-CN" b="0" i="1" smtClean="0">
-                              <a:latin typeface="Cambria Math" panose="02040503050406030204" pitchFamily="18" charset="0"/>
-                            </a:rPr>
-                            <m:t>𝑎</m:t>
-                          </m:r>
-                        </m:den>
-                      </m:f>
-                      <m:r>
-                        <a:rPr lang="en-US" altLang="zh-CN" b="0" i="1" smtClean="0">
-                          <a:latin typeface="Cambria Math" panose="02040503050406030204" pitchFamily="18" charset="0"/>
-                        </a:rPr>
-                        <m:t>=0.84</m:t>
-                      </m:r>
-                    </m:oMath>
-                  </m:oMathPara>
-                </a14:m>
-                <a:endParaRPr lang="zh-CN" altLang="en-US" dirty="0"/>
-              </a:p>
-            </p:txBody>
-          </p:sp>
-        </mc:Choice>
-        <mc:Fallback>
-          <p:sp>
-            <p:nvSpPr>
-              <p:cNvPr id="9" name="TextBox 8"/>
-              <p:cNvSpPr txBox="1">
-                <a:spLocks noRot="1" noChangeAspect="1" noMove="1" noResize="1" noEditPoints="1" noAdjustHandles="1" noChangeArrowheads="1" noChangeShapeType="1" noTextEdit="1"/>
-              </p:cNvSpPr>
-              <p:nvPr/>
-            </p:nvSpPr>
-            <p:spPr>
-              <a:xfrm>
-                <a:off x="326628" y="4170784"/>
                 <a:ext cx="1353312" cy="618246"/>
               </a:xfrm>
               <a:prstGeom prst="rect">
@@ -3531,17 +5080,17 @@
           </p:sp>
         </mc:Fallback>
       </mc:AlternateContent>
-      <mc:AlternateContent xmlns:mc="http://schemas.openxmlformats.org/markup-compatibility/2006">
-        <mc:Choice xmlns:a14="http://schemas.microsoft.com/office/drawing/2010/main" Requires="a14">
+      <mc:AlternateContent xmlns:mc="http://schemas.openxmlformats.org/markup-compatibility/2006" xmlns:a14="http://schemas.microsoft.com/office/drawing/2010/main">
+        <mc:Choice Requires="a14">
           <p:sp>
             <p:nvSpPr>
-              <p:cNvPr id="10" name="TextBox 9"/>
+              <p:cNvPr id="9" name="TextBox 8"/>
               <p:cNvSpPr txBox="1"/>
               <p:nvPr/>
             </p:nvSpPr>
             <p:spPr>
               <a:xfrm>
-                <a:off x="5584920" y="1105472"/>
+                <a:off x="326628" y="4170784"/>
                 <a:ext cx="1353312" cy="618246"/>
               </a:xfrm>
               <a:prstGeom prst="rect">
@@ -3555,6 +5104,7 @@
               </a:bodyPr>
               <a:lstStyle/>
               <a:p>
+                <a:pPr/>
                 <a14:m>
                   <m:oMathPara xmlns:m="http://schemas.openxmlformats.org/officeDocument/2006/math">
                     <m:oMathParaPr>
@@ -3590,7 +5140,7 @@
                         <a:rPr lang="en-US" altLang="zh-CN" b="0" i="1" smtClean="0">
                           <a:latin typeface="Cambria Math" panose="02040503050406030204" pitchFamily="18" charset="0"/>
                         </a:rPr>
-                        <m:t>=0.8</m:t>
+                        <m:t>=0.84</m:t>
                       </m:r>
                     </m:oMath>
                   </m:oMathPara>
@@ -3600,10 +5150,10 @@
             </p:txBody>
           </p:sp>
         </mc:Choice>
-        <mc:Fallback>
+        <mc:Fallback xmlns="">
           <p:sp>
             <p:nvSpPr>
-              <p:cNvPr id="10" name="TextBox 9"/>
+              <p:cNvPr id="9" name="TextBox 8"/>
               <p:cNvSpPr txBox="1">
                 <a:spLocks noRot="1" noChangeAspect="1" noMove="1" noResize="1" noEditPoints="1" noAdjustHandles="1" noChangeArrowheads="1" noChangeShapeType="1" noTextEdit="1"/>
               </p:cNvSpPr>
@@ -3611,7 +5161,7 @@
             </p:nvSpPr>
             <p:spPr>
               <a:xfrm>
-                <a:off x="5584920" y="1105472"/>
+                <a:off x="326628" y="4170784"/>
                 <a:ext cx="1353312" cy="618246"/>
               </a:xfrm>
               <a:prstGeom prst="rect">
@@ -3639,8 +5189,117 @@
           </p:sp>
         </mc:Fallback>
       </mc:AlternateContent>
-      <mc:AlternateContent xmlns:mc="http://schemas.openxmlformats.org/markup-compatibility/2006">
-        <mc:Choice xmlns:a14="http://schemas.microsoft.com/office/drawing/2010/main" Requires="a14">
+      <mc:AlternateContent xmlns:mc="http://schemas.openxmlformats.org/markup-compatibility/2006" xmlns:a14="http://schemas.microsoft.com/office/drawing/2010/main">
+        <mc:Choice Requires="a14">
+          <p:sp>
+            <p:nvSpPr>
+              <p:cNvPr id="10" name="TextBox 9"/>
+              <p:cNvSpPr txBox="1"/>
+              <p:nvPr/>
+            </p:nvSpPr>
+            <p:spPr>
+              <a:xfrm>
+                <a:off x="5584920" y="1105472"/>
+                <a:ext cx="1353312" cy="618246"/>
+              </a:xfrm>
+              <a:prstGeom prst="rect">
+                <a:avLst/>
+              </a:prstGeom>
+              <a:noFill/>
+            </p:spPr>
+            <p:txBody>
+              <a:bodyPr wrap="square" rtlCol="0">
+                <a:spAutoFit/>
+              </a:bodyPr>
+              <a:lstStyle/>
+              <a:p>
+                <a:pPr/>
+                <a14:m>
+                  <m:oMathPara xmlns:m="http://schemas.openxmlformats.org/officeDocument/2006/math">
+                    <m:oMathParaPr>
+                      <m:jc m:val="centerGroup"/>
+                    </m:oMathParaPr>
+                    <m:oMath xmlns:m="http://schemas.openxmlformats.org/officeDocument/2006/math">
+                      <m:f>
+                        <m:fPr>
+                          <m:ctrlPr>
+                            <a:rPr lang="en-US" altLang="zh-CN" b="0" i="1" smtClean="0">
+                              <a:latin typeface="Cambria Math" panose="02040503050406030204" pitchFamily="18" charset="0"/>
+                            </a:rPr>
+                          </m:ctrlPr>
+                        </m:fPr>
+                        <m:num>
+                          <m:r>
+                            <a:rPr lang="en-US" altLang="zh-CN" b="0" i="1" smtClean="0">
+                              <a:latin typeface="Cambria Math" panose="02040503050406030204" pitchFamily="18" charset="0"/>
+                            </a:rPr>
+                            <m:t>h</m:t>
+                          </m:r>
+                        </m:num>
+                        <m:den>
+                          <m:r>
+                            <a:rPr lang="en-US" altLang="zh-CN" b="0" i="1" smtClean="0">
+                              <a:latin typeface="Cambria Math" panose="02040503050406030204" pitchFamily="18" charset="0"/>
+                            </a:rPr>
+                            <m:t>𝑎</m:t>
+                          </m:r>
+                        </m:den>
+                      </m:f>
+                      <m:r>
+                        <a:rPr lang="en-US" altLang="zh-CN" b="0" i="1" smtClean="0">
+                          <a:latin typeface="Cambria Math" panose="02040503050406030204" pitchFamily="18" charset="0"/>
+                        </a:rPr>
+                        <m:t>=0.8</m:t>
+                      </m:r>
+                    </m:oMath>
+                  </m:oMathPara>
+                </a14:m>
+                <a:endParaRPr lang="zh-CN" altLang="en-US" dirty="0"/>
+              </a:p>
+            </p:txBody>
+          </p:sp>
+        </mc:Choice>
+        <mc:Fallback xmlns="">
+          <p:sp>
+            <p:nvSpPr>
+              <p:cNvPr id="10" name="TextBox 9"/>
+              <p:cNvSpPr txBox="1">
+                <a:spLocks noRot="1" noChangeAspect="1" noMove="1" noResize="1" noEditPoints="1" noAdjustHandles="1" noChangeArrowheads="1" noChangeShapeType="1" noTextEdit="1"/>
+              </p:cNvSpPr>
+              <p:nvPr/>
+            </p:nvSpPr>
+            <p:spPr>
+              <a:xfrm>
+                <a:off x="5584920" y="1105472"/>
+                <a:ext cx="1353312" cy="618246"/>
+              </a:xfrm>
+              <a:prstGeom prst="rect">
+                <a:avLst/>
+              </a:prstGeom>
+              <a:blipFill rotWithShape="0">
+                <a:blip r:embed="rId9"/>
+                <a:stretch>
+                  <a:fillRect/>
+                </a:stretch>
+              </a:blipFill>
+            </p:spPr>
+            <p:txBody>
+              <a:bodyPr/>
+              <a:lstStyle/>
+              <a:p>
+                <a:r>
+                  <a:rPr lang="zh-CN" altLang="en-US">
+                    <a:noFill/>
+                  </a:rPr>
+                  <a:t> </a:t>
+                </a:r>
+              </a:p>
+            </p:txBody>
+          </p:sp>
+        </mc:Fallback>
+      </mc:AlternateContent>
+      <mc:AlternateContent xmlns:mc="http://schemas.openxmlformats.org/markup-compatibility/2006" xmlns:a14="http://schemas.microsoft.com/office/drawing/2010/main">
+        <mc:Choice Requires="a14">
           <p:sp>
             <p:nvSpPr>
               <p:cNvPr id="11" name="TextBox 10"/>
@@ -3663,6 +5322,7 @@
               </a:bodyPr>
               <a:lstStyle/>
               <a:p>
+                <a:pPr/>
                 <a14:m>
                   <m:oMathPara xmlns:m="http://schemas.openxmlformats.org/officeDocument/2006/math">
                     <m:oMathParaPr>
@@ -3708,7 +5368,7 @@
             </p:txBody>
           </p:sp>
         </mc:Choice>
-        <mc:Fallback>
+        <mc:Fallback xmlns="">
           <p:sp>
             <p:nvSpPr>
               <p:cNvPr id="11" name="TextBox 10"/>
@@ -3726,7 +5386,7 @@
                 <a:avLst/>
               </a:prstGeom>
               <a:blipFill rotWithShape="0">
-                <a:blip r:embed="rId9"/>
+                <a:blip r:embed="rId10"/>
                 <a:stretch>
                   <a:fillRect/>
                 </a:stretch>
@@ -3948,7 +5608,7 @@
             </p:nvSpPr>
             <p:spPr>
               <a:blipFill rotWithShape="0">
-                <a:blip r:embed="rId2"/>
+                <a:blip r:embed="rId3"/>
                 <a:stretch>
                   <a:fillRect l="-1043" t="-2241" r="-464"/>
                 </a:stretch>
@@ -3977,7 +5637,7 @@
         </p:nvSpPr>
         <p:spPr>
           <a:xfrm>
-            <a:off x="838200" y="5425440"/>
+            <a:off x="838200" y="4976634"/>
             <a:ext cx="10515600" cy="1200329"/>
           </a:xfrm>
           <a:prstGeom prst="rect">
@@ -3991,14 +5651,12 @@
           </a:bodyPr>
           <a:lstStyle/>
           <a:p>
-            <a:pPr algn="r"/>
             <a:r>
               <a:rPr lang="en-US" altLang="zh-CN" dirty="0" smtClean="0"/>
               <a:t>References</a:t>
             </a:r>
           </a:p>
           <a:p>
-            <a:pPr algn="r"/>
             <a:r>
               <a:rPr lang="en-US" altLang="zh-CN" dirty="0"/>
               <a:t>Journal of Fluid Mechanics </a:t>
@@ -4017,7 +5675,6 @@
             </a:r>
           </a:p>
           <a:p>
-            <a:pPr algn="r"/>
             <a:r>
               <a:rPr lang="en-US" altLang="zh-CN" dirty="0"/>
               <a:t>Langmuir </a:t>
@@ -4036,7 +5693,6 @@
             </a:r>
           </a:p>
           <a:p>
-            <a:pPr algn="r"/>
             <a:r>
               <a:rPr lang="en-US" altLang="zh-CN" dirty="0" smtClean="0"/>
               <a:t>Physics of Fluids (in press).</a:t>
@@ -4093,7 +5749,7 @@
           </p:nvPr>
         </p:nvPicPr>
         <p:blipFill>
-          <a:blip r:embed="rId2">
+          <a:blip r:embed="rId3">
             <a:extLst>
               <a:ext uri="{28A0092B-C50C-407E-A947-70E740481C1C}">
                 <a14:useLocalDpi xmlns:a14="http://schemas.microsoft.com/office/drawing/2010/main" val="0"/>
@@ -4128,7 +5784,7 @@
           <a:p>
             <a:r>
               <a:rPr lang="en-US" altLang="zh-CN" dirty="0" smtClean="0"/>
-              <a:t>Nanopore of zero thickness</a:t>
+              <a:t>Nanopore in a membrane of zero thickness</a:t>
             </a:r>
             <a:endParaRPr lang="zh-CN" altLang="en-US" dirty="0"/>
           </a:p>
@@ -4267,7 +5923,7 @@
                 <a:avLst/>
               </a:prstGeom>
               <a:blipFill rotWithShape="0">
-                <a:blip r:embed="rId3"/>
+                <a:blip r:embed="rId4"/>
                 <a:stretch>
                   <a:fillRect t="-2490"/>
                 </a:stretch>
@@ -4724,7 +6380,7 @@
                 <a:avLst/>
               </a:prstGeom>
               <a:blipFill rotWithShape="0">
-                <a:blip r:embed="rId4"/>
+                <a:blip r:embed="rId5"/>
                 <a:stretch>
                   <a:fillRect t="-1435" b="-1914"/>
                 </a:stretch>
@@ -4797,35 +6453,25 @@
                 </a14:m>
                 <a:r>
                   <a:rPr lang="en-US" altLang="zh-CN" sz="2200" dirty="0" smtClean="0"/>
-                  <a:t>, </a:t>
+                  <a:t>,</a:t>
                 </a:r>
                 <a14:m>
                   <m:oMath xmlns:m="http://schemas.openxmlformats.org/officeDocument/2006/math">
-                    <m:sSub>
-                      <m:sSubPr>
-                        <m:ctrlPr>
-                          <a:rPr lang="en-US" altLang="zh-CN" sz="2200" b="0" i="1" smtClean="0">
-                            <a:latin typeface="Cambria Math" panose="02040503050406030204" pitchFamily="18" charset="0"/>
-                          </a:rPr>
-                        </m:ctrlPr>
-                      </m:sSubPr>
-                      <m:e>
-                        <m:r>
-                          <a:rPr lang="en-US" altLang="zh-CN" sz="2200" b="0" i="1" smtClean="0">
-                            <a:latin typeface="Cambria Math" panose="02040503050406030204" pitchFamily="18" charset="0"/>
-                          </a:rPr>
-                          <m:t>𝑝</m:t>
-                        </m:r>
-                      </m:e>
-                      <m:sub>
-                        <m:r>
-                          <a:rPr lang="en-US" altLang="zh-CN" sz="2200" b="0" i="1" smtClean="0">
-                            <a:latin typeface="Cambria Math" panose="02040503050406030204" pitchFamily="18" charset="0"/>
-                          </a:rPr>
-                          <m:t>1</m:t>
-                        </m:r>
-                      </m:sub>
-                    </m:sSub>
+                    <m:r>
+                      <m:rPr>
+                        <m:sty m:val="p"/>
+                      </m:rPr>
+                      <a:rPr lang="en-US" altLang="zh-CN" sz="2200" i="0" smtClean="0">
+                        <a:latin typeface="Cambria Math" panose="02040503050406030204" pitchFamily="18" charset="0"/>
+                      </a:rPr>
+                      <m:t>Δ</m:t>
+                    </m:r>
+                    <m:r>
+                      <a:rPr lang="en-US" altLang="zh-CN" sz="2200" b="0" i="1" smtClean="0">
+                        <a:latin typeface="Cambria Math" panose="02040503050406030204" pitchFamily="18" charset="0"/>
+                      </a:rPr>
+                      <m:t>𝑝</m:t>
+                    </m:r>
                     <m:r>
                       <a:rPr lang="en-US" altLang="zh-CN" sz="2200" b="0" i="1" smtClean="0">
                         <a:latin typeface="Cambria Math" panose="02040503050406030204" pitchFamily="18" charset="0"/>
@@ -4857,7 +6503,7 @@
                 <a:avLst/>
               </a:prstGeom>
               <a:blipFill rotWithShape="0">
-                <a:blip r:embed="rId5"/>
+                <a:blip r:embed="rId6"/>
                 <a:stretch>
                   <a:fillRect t="-10000" b="-28571"/>
                 </a:stretch>
@@ -4946,31 +6592,21 @@
                       </a:rPr>
                       <m:t>−</m:t>
                     </m:r>
-                    <m:sSub>
-                      <m:sSubPr>
-                        <m:ctrlPr>
-                          <a:rPr lang="en-US" altLang="zh-CN" sz="2200" b="0" i="1" smtClean="0">
-                            <a:latin typeface="Cambria Math" panose="02040503050406030204" pitchFamily="18" charset="0"/>
-                          </a:rPr>
-                        </m:ctrlPr>
-                      </m:sSubPr>
-                      <m:e>
-                        <m:r>
-                          <a:rPr lang="en-US" altLang="zh-CN" sz="2200" b="0" i="1" smtClean="0">
-                            <a:latin typeface="Cambria Math" panose="02040503050406030204" pitchFamily="18" charset="0"/>
-                          </a:rPr>
-                          <m:t>𝑝</m:t>
-                        </m:r>
-                      </m:e>
-                      <m:sub>
-                        <m:r>
-                          <a:rPr lang="en-US" altLang="zh-CN" sz="2200" b="0" i="1" smtClean="0">
-                            <a:latin typeface="Cambria Math" panose="02040503050406030204" pitchFamily="18" charset="0"/>
-                          </a:rPr>
-                          <m:t>1</m:t>
-                        </m:r>
-                      </m:sub>
-                    </m:sSub>
+                    <m:r>
+                      <m:rPr>
+                        <m:sty m:val="p"/>
+                      </m:rPr>
+                      <a:rPr lang="en-US" altLang="zh-CN" sz="2200" b="0" i="0" smtClean="0">
+                        <a:latin typeface="Cambria Math" panose="02040503050406030204" pitchFamily="18" charset="0"/>
+                      </a:rPr>
+                      <m:t>Δ</m:t>
+                    </m:r>
+                    <m:r>
+                      <a:rPr lang="en-US" altLang="zh-CN" sz="2200" b="0" i="1" smtClean="0">
+                        <a:latin typeface="Cambria Math" panose="02040503050406030204" pitchFamily="18" charset="0"/>
+                      </a:rPr>
+                      <m:t>𝑝</m:t>
+                    </m:r>
                     <m:r>
                       <a:rPr lang="en-US" altLang="zh-CN" sz="2200" b="0" i="1" smtClean="0">
                         <a:latin typeface="Cambria Math" panose="02040503050406030204" pitchFamily="18" charset="0"/>
@@ -5002,7 +6638,7 @@
                 <a:avLst/>
               </a:prstGeom>
               <a:blipFill rotWithShape="0">
-                <a:blip r:embed="rId6"/>
+                <a:blip r:embed="rId7"/>
                 <a:stretch>
                   <a:fillRect t="-8451" b="-28169"/>
                 </a:stretch>
@@ -5095,7 +6731,7 @@
                 <a:avLst/>
               </a:prstGeom>
               <a:blipFill rotWithShape="0">
-                <a:blip r:embed="rId7"/>
+                <a:blip r:embed="rId8"/>
                 <a:stretch>
                   <a:fillRect t="-9859" b="-28169"/>
                 </a:stretch>
@@ -5416,550 +7052,6 @@
           </a:fontRef>
         </p:style>
       </p:cxnSp>
-      <mc:AlternateContent xmlns:mc="http://schemas.openxmlformats.org/markup-compatibility/2006" xmlns:a14="http://schemas.microsoft.com/office/drawing/2010/main">
-        <mc:Choice Requires="a14">
-          <p:sp>
-            <p:nvSpPr>
-              <p:cNvPr id="29" name="TextBox 28"/>
-              <p:cNvSpPr txBox="1"/>
-              <p:nvPr/>
-            </p:nvSpPr>
-            <p:spPr>
-              <a:xfrm>
-                <a:off x="8619744" y="1962912"/>
-                <a:ext cx="2889504" cy="4598823"/>
-              </a:xfrm>
-              <a:prstGeom prst="rect">
-                <a:avLst/>
-              </a:prstGeom>
-              <a:noFill/>
-            </p:spPr>
-            <p:txBody>
-              <a:bodyPr wrap="square" rtlCol="0">
-                <a:spAutoFit/>
-              </a:bodyPr>
-              <a:lstStyle/>
-              <a:p>
-                <a:r>
-                  <a:rPr lang="en-US" altLang="zh-CN" sz="2200" dirty="0" smtClean="0"/>
-                  <a:t>Cylindrical channel:</a:t>
-                </a:r>
-              </a:p>
-              <a:p>
-                <a:endParaRPr lang="en-US" altLang="zh-CN" sz="2200" dirty="0"/>
-              </a:p>
-              <a:p>
-                <a:pPr/>
-                <a14:m>
-                  <m:oMathPara xmlns:m="http://schemas.openxmlformats.org/officeDocument/2006/math">
-                    <m:oMathParaPr>
-                      <m:jc m:val="centerGroup"/>
-                    </m:oMathParaPr>
-                    <m:oMath xmlns:m="http://schemas.openxmlformats.org/officeDocument/2006/math">
-                      <m:r>
-                        <a:rPr lang="en-US" altLang="zh-CN" sz="2200" b="0" i="1" smtClean="0">
-                          <a:latin typeface="Cambria Math" panose="02040503050406030204" pitchFamily="18" charset="0"/>
-                        </a:rPr>
-                        <m:t>𝐼</m:t>
-                      </m:r>
-                      <m:r>
-                        <a:rPr lang="en-US" altLang="zh-CN" sz="2200" b="0" i="1" smtClean="0">
-                          <a:latin typeface="Cambria Math" panose="02040503050406030204" pitchFamily="18" charset="0"/>
-                        </a:rPr>
-                        <m:t>=</m:t>
-                      </m:r>
-                      <m:f>
-                        <m:fPr>
-                          <m:ctrlPr>
-                            <a:rPr lang="en-US" altLang="zh-CN" sz="2200" b="0" i="1" smtClean="0">
-                              <a:latin typeface="Cambria Math" panose="02040503050406030204" pitchFamily="18" charset="0"/>
-                            </a:rPr>
-                          </m:ctrlPr>
-                        </m:fPr>
-                        <m:num>
-                          <m:r>
-                            <m:rPr>
-                              <m:sty m:val="p"/>
-                            </m:rPr>
-                            <a:rPr lang="en-US" altLang="zh-CN" sz="2200" b="0" i="0" smtClean="0">
-                              <a:latin typeface="Cambria Math" panose="02040503050406030204" pitchFamily="18" charset="0"/>
-                            </a:rPr>
-                            <m:t>Δ</m:t>
-                          </m:r>
-                          <m:r>
-                            <a:rPr lang="en-US" altLang="zh-CN" sz="2200" b="0" i="1" smtClean="0">
-                              <a:latin typeface="Cambria Math" panose="02040503050406030204" pitchFamily="18" charset="0"/>
-                            </a:rPr>
-                            <m:t>𝜙</m:t>
-                          </m:r>
-                        </m:num>
-                        <m:den>
-                          <m:sSub>
-                            <m:sSubPr>
-                              <m:ctrlPr>
-                                <a:rPr lang="en-US" altLang="zh-CN" sz="2200" b="0" i="1" smtClean="0">
-                                  <a:latin typeface="Cambria Math" panose="02040503050406030204" pitchFamily="18" charset="0"/>
-                                </a:rPr>
-                              </m:ctrlPr>
-                            </m:sSubPr>
-                            <m:e>
-                              <m:r>
-                                <a:rPr lang="en-US" altLang="zh-CN" sz="2200" b="0" i="1" smtClean="0">
-                                  <a:latin typeface="Cambria Math" panose="02040503050406030204" pitchFamily="18" charset="0"/>
-                                </a:rPr>
-                                <m:t>𝑅</m:t>
-                              </m:r>
-                            </m:e>
-                            <m:sub>
-                              <m:r>
-                                <a:rPr lang="en-US" altLang="zh-CN" sz="2200" b="0" i="1" smtClean="0">
-                                  <a:latin typeface="Cambria Math" panose="02040503050406030204" pitchFamily="18" charset="0"/>
-                                </a:rPr>
-                                <m:t>𝑐</m:t>
-                              </m:r>
-                            </m:sub>
-                          </m:sSub>
-                        </m:den>
-                      </m:f>
-                    </m:oMath>
-                  </m:oMathPara>
-                </a14:m>
-                <a:endParaRPr lang="en-US" altLang="zh-CN" sz="2200" dirty="0" smtClean="0"/>
-              </a:p>
-              <a:p>
-                <a:endParaRPr lang="en-US" altLang="zh-CN" sz="2200" dirty="0"/>
-              </a:p>
-              <a:p>
-                <a:pPr/>
-                <a14:m>
-                  <m:oMathPara xmlns:m="http://schemas.openxmlformats.org/officeDocument/2006/math">
-                    <m:oMathParaPr>
-                      <m:jc m:val="centerGroup"/>
-                    </m:oMathParaPr>
-                    <m:oMath xmlns:m="http://schemas.openxmlformats.org/officeDocument/2006/math">
-                      <m:sSub>
-                        <m:sSubPr>
-                          <m:ctrlPr>
-                            <a:rPr lang="en-US" altLang="zh-CN" sz="2200" b="0" i="1" smtClean="0">
-                              <a:latin typeface="Cambria Math" panose="02040503050406030204" pitchFamily="18" charset="0"/>
-                            </a:rPr>
-                          </m:ctrlPr>
-                        </m:sSubPr>
-                        <m:e>
-                          <m:r>
-                            <a:rPr lang="en-US" altLang="zh-CN" sz="2200" b="0" i="1" smtClean="0">
-                              <a:latin typeface="Cambria Math" panose="02040503050406030204" pitchFamily="18" charset="0"/>
-                            </a:rPr>
-                            <m:t>𝑄</m:t>
-                          </m:r>
-                        </m:e>
-                        <m:sub>
-                          <m:r>
-                            <m:rPr>
-                              <m:sty m:val="p"/>
-                            </m:rPr>
-                            <a:rPr lang="en-US" altLang="zh-CN" sz="2200" b="0" i="0" smtClean="0">
-                              <a:latin typeface="Cambria Math" panose="02040503050406030204" pitchFamily="18" charset="0"/>
-                            </a:rPr>
-                            <m:t>Δ</m:t>
-                          </m:r>
-                          <m:r>
-                            <a:rPr lang="en-US" altLang="zh-CN" sz="2200" b="0" i="1" smtClean="0">
-                              <a:latin typeface="Cambria Math" panose="02040503050406030204" pitchFamily="18" charset="0"/>
-                            </a:rPr>
-                            <m:t>𝑝</m:t>
-                          </m:r>
-                        </m:sub>
-                      </m:sSub>
-                      <m:r>
-                        <a:rPr lang="en-US" altLang="zh-CN" sz="2200" b="0" i="1" smtClean="0">
-                          <a:latin typeface="Cambria Math" panose="02040503050406030204" pitchFamily="18" charset="0"/>
-                        </a:rPr>
-                        <m:t>=</m:t>
-                      </m:r>
-                      <m:sSub>
-                        <m:sSubPr>
-                          <m:ctrlPr>
-                            <a:rPr lang="en-US" altLang="zh-CN" sz="2200" b="0" i="1" smtClean="0">
-                              <a:latin typeface="Cambria Math" panose="02040503050406030204" pitchFamily="18" charset="0"/>
-                            </a:rPr>
-                          </m:ctrlPr>
-                        </m:sSubPr>
-                        <m:e>
-                          <m:r>
-                            <a:rPr lang="en-US" altLang="zh-CN" sz="2200" b="0" i="1" smtClean="0">
-                              <a:latin typeface="Cambria Math" panose="02040503050406030204" pitchFamily="18" charset="0"/>
-                            </a:rPr>
-                            <m:t>𝐺</m:t>
-                          </m:r>
-                        </m:e>
-                        <m:sub>
-                          <m:r>
-                            <a:rPr lang="en-US" altLang="zh-CN" sz="2200" b="0" i="1" smtClean="0">
-                              <a:latin typeface="Cambria Math" panose="02040503050406030204" pitchFamily="18" charset="0"/>
-                            </a:rPr>
-                            <m:t>𝑐</m:t>
-                          </m:r>
-                        </m:sub>
-                      </m:sSub>
-                      <m:r>
-                        <m:rPr>
-                          <m:sty m:val="p"/>
-                        </m:rPr>
-                        <a:rPr lang="en-US" altLang="zh-CN" sz="2200" b="0" i="0" smtClean="0">
-                          <a:latin typeface="Cambria Math" panose="02040503050406030204" pitchFamily="18" charset="0"/>
-                        </a:rPr>
-                        <m:t>Δ</m:t>
-                      </m:r>
-                      <m:r>
-                        <a:rPr lang="en-US" altLang="zh-CN" sz="2200" b="0" i="1" smtClean="0">
-                          <a:latin typeface="Cambria Math" panose="02040503050406030204" pitchFamily="18" charset="0"/>
-                        </a:rPr>
-                        <m:t>𝑝</m:t>
-                      </m:r>
-                    </m:oMath>
-                  </m:oMathPara>
-                </a14:m>
-                <a:endParaRPr lang="en-US" altLang="zh-CN" sz="2200" dirty="0" smtClean="0"/>
-              </a:p>
-              <a:p>
-                <a:pPr/>
-                <a14:m>
-                  <m:oMathPara xmlns:m="http://schemas.openxmlformats.org/officeDocument/2006/math">
-                    <m:oMathParaPr>
-                      <m:jc m:val="centerGroup"/>
-                    </m:oMathParaPr>
-                    <m:oMath xmlns:m="http://schemas.openxmlformats.org/officeDocument/2006/math">
-                      <m:sSub>
-                        <m:sSubPr>
-                          <m:ctrlPr>
-                            <a:rPr lang="en-US" altLang="zh-CN" sz="2200" b="0" i="1" smtClean="0">
-                              <a:latin typeface="Cambria Math" panose="02040503050406030204" pitchFamily="18" charset="0"/>
-                            </a:rPr>
-                          </m:ctrlPr>
-                        </m:sSubPr>
-                        <m:e>
-                          <m:r>
-                            <a:rPr lang="en-US" altLang="zh-CN" sz="2200" b="0" i="1" smtClean="0">
-                              <a:latin typeface="Cambria Math" panose="02040503050406030204" pitchFamily="18" charset="0"/>
-                            </a:rPr>
-                            <m:t>𝑄</m:t>
-                          </m:r>
-                        </m:e>
-                        <m:sub>
-                          <m:r>
-                            <m:rPr>
-                              <m:sty m:val="p"/>
-                            </m:rPr>
-                            <a:rPr lang="en-US" altLang="zh-CN" sz="2200" b="0" i="0" smtClean="0">
-                              <a:latin typeface="Cambria Math" panose="02040503050406030204" pitchFamily="18" charset="0"/>
-                            </a:rPr>
-                            <m:t>Δ</m:t>
-                          </m:r>
-                          <m:r>
-                            <a:rPr lang="en-US" altLang="zh-CN" sz="2200" b="0" i="1" smtClean="0">
-                              <a:latin typeface="Cambria Math" panose="02040503050406030204" pitchFamily="18" charset="0"/>
-                            </a:rPr>
-                            <m:t>𝜙</m:t>
-                          </m:r>
-                        </m:sub>
-                      </m:sSub>
-                      <m:r>
-                        <a:rPr lang="en-US" altLang="zh-CN" sz="2200" b="0" i="1" smtClean="0">
-                          <a:latin typeface="Cambria Math" panose="02040503050406030204" pitchFamily="18" charset="0"/>
-                        </a:rPr>
-                        <m:t>=</m:t>
-                      </m:r>
-                      <m:sSub>
-                        <m:sSubPr>
-                          <m:ctrlPr>
-                            <a:rPr lang="en-US" altLang="zh-CN" sz="2200" b="0" i="1" smtClean="0">
-                              <a:latin typeface="Cambria Math" panose="02040503050406030204" pitchFamily="18" charset="0"/>
-                            </a:rPr>
-                          </m:ctrlPr>
-                        </m:sSubPr>
-                        <m:e>
-                          <m:r>
-                            <a:rPr lang="en-US" altLang="zh-CN" sz="2200" b="0" i="1" smtClean="0">
-                              <a:latin typeface="Cambria Math" panose="02040503050406030204" pitchFamily="18" charset="0"/>
-                            </a:rPr>
-                            <m:t>𝐻</m:t>
-                          </m:r>
-                        </m:e>
-                        <m:sub>
-                          <m:r>
-                            <a:rPr lang="en-US" altLang="zh-CN" sz="2200" b="0" i="1" smtClean="0">
-                              <a:latin typeface="Cambria Math" panose="02040503050406030204" pitchFamily="18" charset="0"/>
-                            </a:rPr>
-                            <m:t>𝑐</m:t>
-                          </m:r>
-                        </m:sub>
-                      </m:sSub>
-                      <m:r>
-                        <m:rPr>
-                          <m:sty m:val="p"/>
-                        </m:rPr>
-                        <a:rPr lang="en-US" altLang="zh-CN" sz="2200" b="0" i="0" smtClean="0">
-                          <a:latin typeface="Cambria Math" panose="02040503050406030204" pitchFamily="18" charset="0"/>
-                        </a:rPr>
-                        <m:t>Δ</m:t>
-                      </m:r>
-                      <m:r>
-                        <a:rPr lang="en-US" altLang="zh-CN" sz="2200" b="0" i="1" smtClean="0">
-                          <a:latin typeface="Cambria Math" panose="02040503050406030204" pitchFamily="18" charset="0"/>
-                        </a:rPr>
-                        <m:t>𝜙</m:t>
-                      </m:r>
-                    </m:oMath>
-                  </m:oMathPara>
-                </a14:m>
-                <a:endParaRPr lang="en-US" altLang="zh-CN" sz="2200" dirty="0" smtClean="0"/>
-              </a:p>
-              <a:p>
-                <a:endParaRPr lang="en-US" altLang="zh-CN" sz="2200" dirty="0" smtClean="0"/>
-              </a:p>
-              <a:p>
-                <a:pPr/>
-                <a14:m>
-                  <m:oMathPara xmlns:m="http://schemas.openxmlformats.org/officeDocument/2006/math">
-                    <m:oMathParaPr>
-                      <m:jc m:val="centerGroup"/>
-                    </m:oMathParaPr>
-                    <m:oMath xmlns:m="http://schemas.openxmlformats.org/officeDocument/2006/math">
-                      <m:r>
-                        <a:rPr lang="en-US" altLang="zh-CN" sz="2200" b="0" i="1" smtClean="0">
-                          <a:latin typeface="Cambria Math" panose="02040503050406030204" pitchFamily="18" charset="0"/>
-                        </a:rPr>
-                        <m:t>𝑄</m:t>
-                      </m:r>
-                      <m:r>
-                        <a:rPr lang="en-US" altLang="zh-CN" sz="2200" b="0" i="1" smtClean="0">
-                          <a:latin typeface="Cambria Math" panose="02040503050406030204" pitchFamily="18" charset="0"/>
-                        </a:rPr>
-                        <m:t>=</m:t>
-                      </m:r>
-                      <m:sSub>
-                        <m:sSubPr>
-                          <m:ctrlPr>
-                            <a:rPr lang="en-US" altLang="zh-CN" sz="2200" b="0" i="1" smtClean="0">
-                              <a:latin typeface="Cambria Math" panose="02040503050406030204" pitchFamily="18" charset="0"/>
-                            </a:rPr>
-                          </m:ctrlPr>
-                        </m:sSubPr>
-                        <m:e>
-                          <m:r>
-                            <a:rPr lang="en-US" altLang="zh-CN" sz="2200" b="0" i="1" smtClean="0">
-                              <a:latin typeface="Cambria Math" panose="02040503050406030204" pitchFamily="18" charset="0"/>
-                            </a:rPr>
-                            <m:t>𝑄</m:t>
-                          </m:r>
-                        </m:e>
-                        <m:sub>
-                          <m:r>
-                            <m:rPr>
-                              <m:sty m:val="p"/>
-                            </m:rPr>
-                            <a:rPr lang="en-US" altLang="zh-CN" sz="2200" b="0" i="0" smtClean="0">
-                              <a:latin typeface="Cambria Math" panose="02040503050406030204" pitchFamily="18" charset="0"/>
-                            </a:rPr>
-                            <m:t>Δ</m:t>
-                          </m:r>
-                          <m:r>
-                            <a:rPr lang="en-US" altLang="zh-CN" sz="2200" b="0" i="1" smtClean="0">
-                              <a:latin typeface="Cambria Math" panose="02040503050406030204" pitchFamily="18" charset="0"/>
-                            </a:rPr>
-                            <m:t>𝑝</m:t>
-                          </m:r>
-                        </m:sub>
-                      </m:sSub>
-                      <m:r>
-                        <a:rPr lang="en-US" altLang="zh-CN" sz="2200" b="0" i="1" smtClean="0">
-                          <a:latin typeface="Cambria Math" panose="02040503050406030204" pitchFamily="18" charset="0"/>
-                        </a:rPr>
-                        <m:t>+</m:t>
-                      </m:r>
-                      <m:sSub>
-                        <m:sSubPr>
-                          <m:ctrlPr>
-                            <a:rPr lang="en-US" altLang="zh-CN" sz="2200" b="0" i="1" smtClean="0">
-                              <a:latin typeface="Cambria Math" panose="02040503050406030204" pitchFamily="18" charset="0"/>
-                            </a:rPr>
-                          </m:ctrlPr>
-                        </m:sSubPr>
-                        <m:e>
-                          <m:r>
-                            <a:rPr lang="en-US" altLang="zh-CN" sz="2200" b="0" i="1" smtClean="0">
-                              <a:latin typeface="Cambria Math" panose="02040503050406030204" pitchFamily="18" charset="0"/>
-                            </a:rPr>
-                            <m:t>𝑄</m:t>
-                          </m:r>
-                        </m:e>
-                        <m:sub>
-                          <m:r>
-                            <m:rPr>
-                              <m:sty m:val="p"/>
-                            </m:rPr>
-                            <a:rPr lang="en-US" altLang="zh-CN" sz="2200" b="0" i="0" smtClean="0">
-                              <a:latin typeface="Cambria Math" panose="02040503050406030204" pitchFamily="18" charset="0"/>
-                            </a:rPr>
-                            <m:t>Δ</m:t>
-                          </m:r>
-                          <m:r>
-                            <a:rPr lang="en-US" altLang="zh-CN" sz="2200" b="0" i="1" smtClean="0">
-                              <a:latin typeface="Cambria Math" panose="02040503050406030204" pitchFamily="18" charset="0"/>
-                            </a:rPr>
-                            <m:t>𝜙</m:t>
-                          </m:r>
-                        </m:sub>
-                      </m:sSub>
-                      <m:r>
-                        <a:rPr lang="en-US" altLang="zh-CN" sz="2200" b="0" i="1" smtClean="0">
-                          <a:latin typeface="Cambria Math" panose="02040503050406030204" pitchFamily="18" charset="0"/>
-                        </a:rPr>
-                        <m:t>=</m:t>
-                      </m:r>
-                      <m:sSub>
-                        <m:sSubPr>
-                          <m:ctrlPr>
-                            <a:rPr lang="en-US" altLang="zh-CN" sz="2200" b="0" i="1" smtClean="0">
-                              <a:latin typeface="Cambria Math" panose="02040503050406030204" pitchFamily="18" charset="0"/>
-                            </a:rPr>
-                          </m:ctrlPr>
-                        </m:sSubPr>
-                        <m:e>
-                          <m:r>
-                            <a:rPr lang="en-US" altLang="zh-CN" sz="2200" b="0" i="1" smtClean="0">
-                              <a:latin typeface="Cambria Math" panose="02040503050406030204" pitchFamily="18" charset="0"/>
-                            </a:rPr>
-                            <m:t>𝐺</m:t>
-                          </m:r>
-                        </m:e>
-                        <m:sub>
-                          <m:r>
-                            <a:rPr lang="en-US" altLang="zh-CN" sz="2200" b="0" i="1" smtClean="0">
-                              <a:latin typeface="Cambria Math" panose="02040503050406030204" pitchFamily="18" charset="0"/>
-                            </a:rPr>
-                            <m:t>𝑐</m:t>
-                          </m:r>
-                        </m:sub>
-                      </m:sSub>
-                      <m:r>
-                        <m:rPr>
-                          <m:sty m:val="p"/>
-                        </m:rPr>
-                        <a:rPr lang="en-US" altLang="zh-CN" sz="2200" b="0" i="0" smtClean="0">
-                          <a:latin typeface="Cambria Math" panose="02040503050406030204" pitchFamily="18" charset="0"/>
-                        </a:rPr>
-                        <m:t>Δ</m:t>
-                      </m:r>
-                      <m:r>
-                        <a:rPr lang="en-US" altLang="zh-CN" sz="2200" b="0" i="1" smtClean="0">
-                          <a:latin typeface="Cambria Math" panose="02040503050406030204" pitchFamily="18" charset="0"/>
-                        </a:rPr>
-                        <m:t>𝑝</m:t>
-                      </m:r>
-                      <m:r>
-                        <a:rPr lang="en-US" altLang="zh-CN" sz="2200" b="0" i="1" smtClean="0">
-                          <a:latin typeface="Cambria Math" panose="02040503050406030204" pitchFamily="18" charset="0"/>
-                        </a:rPr>
-                        <m:t>+</m:t>
-                      </m:r>
-                      <m:sSub>
-                        <m:sSubPr>
-                          <m:ctrlPr>
-                            <a:rPr lang="en-US" altLang="zh-CN" sz="2200" b="0" i="1" smtClean="0">
-                              <a:latin typeface="Cambria Math" panose="02040503050406030204" pitchFamily="18" charset="0"/>
-                            </a:rPr>
-                          </m:ctrlPr>
-                        </m:sSubPr>
-                        <m:e>
-                          <m:r>
-                            <a:rPr lang="en-US" altLang="zh-CN" sz="2200" b="0" i="1" smtClean="0">
-                              <a:latin typeface="Cambria Math" panose="02040503050406030204" pitchFamily="18" charset="0"/>
-                            </a:rPr>
-                            <m:t>𝐻</m:t>
-                          </m:r>
-                        </m:e>
-                        <m:sub>
-                          <m:r>
-                            <a:rPr lang="en-US" altLang="zh-CN" sz="2200" b="0" i="1" smtClean="0">
-                              <a:latin typeface="Cambria Math" panose="02040503050406030204" pitchFamily="18" charset="0"/>
-                            </a:rPr>
-                            <m:t>𝑐</m:t>
-                          </m:r>
-                        </m:sub>
-                      </m:sSub>
-                      <m:r>
-                        <m:rPr>
-                          <m:sty m:val="p"/>
-                        </m:rPr>
-                        <a:rPr lang="en-US" altLang="zh-CN" sz="2200" b="0" i="0" smtClean="0">
-                          <a:latin typeface="Cambria Math" panose="02040503050406030204" pitchFamily="18" charset="0"/>
-                        </a:rPr>
-                        <m:t>Δ</m:t>
-                      </m:r>
-                      <m:r>
-                        <a:rPr lang="en-US" altLang="zh-CN" sz="2200" b="0" i="1" smtClean="0">
-                          <a:latin typeface="Cambria Math" panose="02040503050406030204" pitchFamily="18" charset="0"/>
-                        </a:rPr>
-                        <m:t>𝜙</m:t>
-                      </m:r>
-                    </m:oMath>
-                  </m:oMathPara>
-                </a14:m>
-                <a:endParaRPr lang="en-US" altLang="zh-CN" sz="2200" dirty="0"/>
-              </a:p>
-              <a:p>
-                <a:endParaRPr lang="en-US" altLang="zh-CN" sz="2200" dirty="0" smtClean="0"/>
-              </a:p>
-              <a:p>
-                <a:endParaRPr lang="en-US" altLang="zh-CN" sz="2200" dirty="0"/>
-              </a:p>
-              <a:p>
-                <a:endParaRPr lang="zh-CN" altLang="en-US" sz="2200" dirty="0"/>
-              </a:p>
-            </p:txBody>
-          </p:sp>
-        </mc:Choice>
-        <mc:Fallback xmlns="">
-          <p:sp>
-            <p:nvSpPr>
-              <p:cNvPr id="29" name="TextBox 28"/>
-              <p:cNvSpPr txBox="1">
-                <a:spLocks noRot="1" noChangeAspect="1" noMove="1" noResize="1" noEditPoints="1" noAdjustHandles="1" noChangeArrowheads="1" noChangeShapeType="1" noTextEdit="1"/>
-              </p:cNvSpPr>
-              <p:nvPr/>
-            </p:nvSpPr>
-            <p:spPr>
-              <a:xfrm>
-                <a:off x="8619744" y="1962912"/>
-                <a:ext cx="2889504" cy="4598823"/>
-              </a:xfrm>
-              <a:prstGeom prst="rect">
-                <a:avLst/>
-              </a:prstGeom>
-              <a:blipFill rotWithShape="0">
-                <a:blip r:embed="rId2"/>
-                <a:stretch>
-                  <a:fillRect l="-2743" t="-928"/>
-                </a:stretch>
-              </a:blipFill>
-            </p:spPr>
-            <p:txBody>
-              <a:bodyPr/>
-              <a:lstStyle/>
-              <a:p>
-                <a:r>
-                  <a:rPr lang="zh-CN" altLang="en-US">
-                    <a:noFill/>
-                  </a:rPr>
-                  <a:t> </a:t>
-                </a:r>
-              </a:p>
-            </p:txBody>
-          </p:sp>
-        </mc:Fallback>
-      </mc:AlternateContent>
       <p:pic>
         <p:nvPicPr>
           <p:cNvPr id="33" name="Picture 32"/>
@@ -6119,307 +7211,9 @@
                 <a:avLst/>
               </a:prstGeom>
               <a:blipFill rotWithShape="0">
-                <a:blip r:embed="rId5"/>
+                <a:blip r:embed="rId6"/>
                 <a:stretch>
                   <a:fillRect t="-9859" b="-28169"/>
-                </a:stretch>
-              </a:blipFill>
-            </p:spPr>
-            <p:txBody>
-              <a:bodyPr/>
-              <a:lstStyle/>
-              <a:p>
-                <a:r>
-                  <a:rPr lang="zh-CN" altLang="en-US">
-                    <a:noFill/>
-                  </a:rPr>
-                  <a:t> </a:t>
-                </a:r>
-              </a:p>
-            </p:txBody>
-          </p:sp>
-        </mc:Fallback>
-      </mc:AlternateContent>
-      <mc:AlternateContent xmlns:mc="http://schemas.openxmlformats.org/markup-compatibility/2006" xmlns:a14="http://schemas.microsoft.com/office/drawing/2010/main">
-        <mc:Choice Requires="a14">
-          <p:sp>
-            <p:nvSpPr>
-              <p:cNvPr id="38" name="TextBox 37"/>
-              <p:cNvSpPr txBox="1"/>
-              <p:nvPr/>
-            </p:nvSpPr>
-            <p:spPr>
-              <a:xfrm>
-                <a:off x="4499863" y="1081766"/>
-                <a:ext cx="2387600" cy="430887"/>
-              </a:xfrm>
-              <a:prstGeom prst="rect">
-                <a:avLst/>
-              </a:prstGeom>
-              <a:noFill/>
-            </p:spPr>
-            <p:txBody>
-              <a:bodyPr wrap="square" rtlCol="0">
-                <a:spAutoFit/>
-              </a:bodyPr>
-              <a:lstStyle/>
-              <a:p>
-                <a:pPr algn="ctr"/>
-                <a14:m>
-                  <m:oMath xmlns:m="http://schemas.openxmlformats.org/officeDocument/2006/math">
-                    <m:sSub>
-                      <m:sSubPr>
-                        <m:ctrlPr>
-                          <a:rPr lang="en-US" altLang="zh-CN" sz="2200" b="0" i="1" smtClean="0">
-                            <a:latin typeface="Cambria Math" panose="02040503050406030204" pitchFamily="18" charset="0"/>
-                          </a:rPr>
-                        </m:ctrlPr>
-                      </m:sSubPr>
-                      <m:e>
-                        <m:r>
-                          <a:rPr lang="en-US" altLang="zh-CN" sz="2200" b="0" i="1" smtClean="0">
-                            <a:latin typeface="Cambria Math" panose="02040503050406030204" pitchFamily="18" charset="0"/>
-                          </a:rPr>
-                          <m:t>𝜙</m:t>
-                        </m:r>
-                      </m:e>
-                      <m:sub>
-                        <m:r>
-                          <a:rPr lang="en-US" altLang="zh-CN" sz="2200" b="0" i="1" smtClean="0">
-                            <a:latin typeface="Cambria Math" panose="02040503050406030204" pitchFamily="18" charset="0"/>
-                          </a:rPr>
-                          <m:t>1</m:t>
-                        </m:r>
-                      </m:sub>
-                    </m:sSub>
-                    <m:r>
-                      <a:rPr lang="en-US" altLang="zh-CN" sz="2200" b="0" i="1" smtClean="0">
-                        <a:latin typeface="Cambria Math" panose="02040503050406030204" pitchFamily="18" charset="0"/>
-                      </a:rPr>
-                      <m:t>/2</m:t>
-                    </m:r>
-                  </m:oMath>
-                </a14:m>
-                <a:r>
-                  <a:rPr lang="en-US" altLang="zh-CN" sz="2200" dirty="0" smtClean="0"/>
-                  <a:t>, </a:t>
-                </a:r>
-                <a14:m>
-                  <m:oMath xmlns:m="http://schemas.openxmlformats.org/officeDocument/2006/math">
-                    <m:sSub>
-                      <m:sSubPr>
-                        <m:ctrlPr>
-                          <a:rPr lang="en-US" altLang="zh-CN" sz="2200" b="0" i="1" smtClean="0">
-                            <a:latin typeface="Cambria Math" panose="02040503050406030204" pitchFamily="18" charset="0"/>
-                          </a:rPr>
-                        </m:ctrlPr>
-                      </m:sSubPr>
-                      <m:e>
-                        <m:r>
-                          <a:rPr lang="en-US" altLang="zh-CN" sz="2200" b="0" i="1" smtClean="0">
-                            <a:latin typeface="Cambria Math" panose="02040503050406030204" pitchFamily="18" charset="0"/>
-                          </a:rPr>
-                          <m:t>𝑝</m:t>
-                        </m:r>
-                      </m:e>
-                      <m:sub>
-                        <m:r>
-                          <a:rPr lang="en-US" altLang="zh-CN" sz="2200" b="0" i="1" smtClean="0">
-                            <a:latin typeface="Cambria Math" panose="02040503050406030204" pitchFamily="18" charset="0"/>
-                          </a:rPr>
-                          <m:t>1</m:t>
-                        </m:r>
-                      </m:sub>
-                    </m:sSub>
-                    <m:r>
-                      <a:rPr lang="en-US" altLang="zh-CN" sz="2200" b="0" i="1" smtClean="0">
-                        <a:latin typeface="Cambria Math" panose="02040503050406030204" pitchFamily="18" charset="0"/>
-                      </a:rPr>
-                      <m:t>/2</m:t>
-                    </m:r>
-                  </m:oMath>
-                </a14:m>
-                <a:endParaRPr lang="zh-CN" altLang="en-US" sz="2200" dirty="0"/>
-              </a:p>
-            </p:txBody>
-          </p:sp>
-        </mc:Choice>
-        <mc:Fallback xmlns="">
-          <p:sp>
-            <p:nvSpPr>
-              <p:cNvPr id="38" name="TextBox 37"/>
-              <p:cNvSpPr txBox="1">
-                <a:spLocks noRot="1" noChangeAspect="1" noMove="1" noResize="1" noEditPoints="1" noAdjustHandles="1" noChangeArrowheads="1" noChangeShapeType="1" noTextEdit="1"/>
-              </p:cNvSpPr>
-              <p:nvPr/>
-            </p:nvSpPr>
-            <p:spPr>
-              <a:xfrm>
-                <a:off x="4499863" y="1081766"/>
-                <a:ext cx="2387600" cy="430887"/>
-              </a:xfrm>
-              <a:prstGeom prst="rect">
-                <a:avLst/>
-              </a:prstGeom>
-              <a:blipFill rotWithShape="0">
-                <a:blip r:embed="rId6"/>
-                <a:stretch>
-                  <a:fillRect t="-8451" b="-28169"/>
-                </a:stretch>
-              </a:blipFill>
-            </p:spPr>
-            <p:txBody>
-              <a:bodyPr/>
-              <a:lstStyle/>
-              <a:p>
-                <a:r>
-                  <a:rPr lang="zh-CN" altLang="en-US">
-                    <a:noFill/>
-                  </a:rPr>
-                  <a:t> </a:t>
-                </a:r>
-              </a:p>
-            </p:txBody>
-          </p:sp>
-        </mc:Fallback>
-      </mc:AlternateContent>
-      <mc:AlternateContent xmlns:mc="http://schemas.openxmlformats.org/markup-compatibility/2006" xmlns:a14="http://schemas.microsoft.com/office/drawing/2010/main">
-        <mc:Choice Requires="a14">
-          <p:sp>
-            <p:nvSpPr>
-              <p:cNvPr id="39" name="TextBox 38"/>
-              <p:cNvSpPr txBox="1"/>
-              <p:nvPr/>
-            </p:nvSpPr>
-            <p:spPr>
-              <a:xfrm>
-                <a:off x="4499863" y="6371892"/>
-                <a:ext cx="2387600" cy="430887"/>
-              </a:xfrm>
-              <a:prstGeom prst="rect">
-                <a:avLst/>
-              </a:prstGeom>
-              <a:noFill/>
-            </p:spPr>
-            <p:txBody>
-              <a:bodyPr wrap="square" rtlCol="0">
-                <a:spAutoFit/>
-              </a:bodyPr>
-              <a:lstStyle/>
-              <a:p>
-                <a:pPr algn="ctr"/>
-                <a14:m>
-                  <m:oMath xmlns:m="http://schemas.openxmlformats.org/officeDocument/2006/math">
-                    <m:r>
-                      <a:rPr lang="en-US" altLang="zh-CN" sz="2200" b="0" i="0" smtClean="0">
-                        <a:latin typeface="Cambria Math" panose="02040503050406030204" pitchFamily="18" charset="0"/>
-                      </a:rPr>
-                      <m:t>−</m:t>
-                    </m:r>
-                    <m:sSub>
-                      <m:sSubPr>
-                        <m:ctrlPr>
-                          <a:rPr lang="en-US" altLang="zh-CN" sz="2200" b="0" i="1" smtClean="0">
-                            <a:latin typeface="Cambria Math" panose="02040503050406030204" pitchFamily="18" charset="0"/>
-                          </a:rPr>
-                        </m:ctrlPr>
-                      </m:sSubPr>
-                      <m:e>
-                        <m:r>
-                          <a:rPr lang="en-US" altLang="zh-CN" sz="2200" b="0" i="1" smtClean="0">
-                            <a:latin typeface="Cambria Math" panose="02040503050406030204" pitchFamily="18" charset="0"/>
-                          </a:rPr>
-                          <m:t>𝜙</m:t>
-                        </m:r>
-                      </m:e>
-                      <m:sub>
-                        <m:r>
-                          <a:rPr lang="en-US" altLang="zh-CN" sz="2200" b="0" i="1" smtClean="0">
-                            <a:latin typeface="Cambria Math" panose="02040503050406030204" pitchFamily="18" charset="0"/>
-                          </a:rPr>
-                          <m:t>1</m:t>
-                        </m:r>
-                      </m:sub>
-                    </m:sSub>
-                    <m:r>
-                      <a:rPr lang="en-US" altLang="zh-CN" sz="2200" b="0" i="1" smtClean="0">
-                        <a:latin typeface="Cambria Math" panose="02040503050406030204" pitchFamily="18" charset="0"/>
-                      </a:rPr>
-                      <m:t>/2</m:t>
-                    </m:r>
-                  </m:oMath>
-                </a14:m>
-                <a:r>
-                  <a:rPr lang="en-US" altLang="zh-CN" sz="2200" dirty="0" smtClean="0"/>
-                  <a:t>, </a:t>
-                </a:r>
-                <a14:m>
-                  <m:oMath xmlns:m="http://schemas.openxmlformats.org/officeDocument/2006/math">
-                    <m:r>
-                      <a:rPr lang="en-US" altLang="zh-CN" sz="2200" b="0" i="0" smtClean="0">
-                        <a:latin typeface="Cambria Math" panose="02040503050406030204" pitchFamily="18" charset="0"/>
-                      </a:rPr>
-                      <m:t>−</m:t>
-                    </m:r>
-                    <m:sSub>
-                      <m:sSubPr>
-                        <m:ctrlPr>
-                          <a:rPr lang="en-US" altLang="zh-CN" sz="2200" b="0" i="1" smtClean="0">
-                            <a:latin typeface="Cambria Math" panose="02040503050406030204" pitchFamily="18" charset="0"/>
-                          </a:rPr>
-                        </m:ctrlPr>
-                      </m:sSubPr>
-                      <m:e>
-                        <m:r>
-                          <a:rPr lang="en-US" altLang="zh-CN" sz="2200" b="0" i="1" smtClean="0">
-                            <a:latin typeface="Cambria Math" panose="02040503050406030204" pitchFamily="18" charset="0"/>
-                          </a:rPr>
-                          <m:t>𝑝</m:t>
-                        </m:r>
-                      </m:e>
-                      <m:sub>
-                        <m:r>
-                          <a:rPr lang="en-US" altLang="zh-CN" sz="2200" b="0" i="1" smtClean="0">
-                            <a:latin typeface="Cambria Math" panose="02040503050406030204" pitchFamily="18" charset="0"/>
-                          </a:rPr>
-                          <m:t>1</m:t>
-                        </m:r>
-                      </m:sub>
-                    </m:sSub>
-                    <m:r>
-                      <a:rPr lang="en-US" altLang="zh-CN" sz="2200" b="0" i="1" smtClean="0">
-                        <a:latin typeface="Cambria Math" panose="02040503050406030204" pitchFamily="18" charset="0"/>
-                      </a:rPr>
-                      <m:t>/2</m:t>
-                    </m:r>
-                  </m:oMath>
-                </a14:m>
-                <a:endParaRPr lang="zh-CN" altLang="en-US" sz="2200" dirty="0"/>
-              </a:p>
-            </p:txBody>
-          </p:sp>
-        </mc:Choice>
-        <mc:Fallback xmlns="">
-          <p:sp>
-            <p:nvSpPr>
-              <p:cNvPr id="39" name="TextBox 38"/>
-              <p:cNvSpPr txBox="1">
-                <a:spLocks noRot="1" noChangeAspect="1" noMove="1" noResize="1" noEditPoints="1" noAdjustHandles="1" noChangeArrowheads="1" noChangeShapeType="1" noTextEdit="1"/>
-              </p:cNvSpPr>
-              <p:nvPr/>
-            </p:nvSpPr>
-            <p:spPr>
-              <a:xfrm>
-                <a:off x="4499863" y="6371892"/>
-                <a:ext cx="2387600" cy="430887"/>
-              </a:xfrm>
-              <a:prstGeom prst="rect">
-                <a:avLst/>
-              </a:prstGeom>
-              <a:blipFill rotWithShape="0">
-                <a:blip r:embed="rId7"/>
-                <a:stretch>
-                  <a:fillRect t="-8451" b="-28169"/>
                 </a:stretch>
               </a:blipFill>
             </p:spPr>
@@ -6501,7 +7295,7 @@
                 <a:avLst/>
               </a:prstGeom>
               <a:blipFill rotWithShape="0">
-                <a:blip r:embed="rId8"/>
+                <a:blip r:embed="rId9"/>
                 <a:stretch>
                   <a:fillRect/>
                 </a:stretch>
@@ -6559,6 +7353,830 @@
           </a:fontRef>
         </p:style>
       </p:cxnSp>
+      <p:sp>
+        <p:nvSpPr>
+          <p:cNvPr id="3" name="Can 2"/>
+          <p:cNvSpPr/>
+          <p:nvPr/>
+        </p:nvSpPr>
+        <p:spPr>
+          <a:xfrm>
+            <a:off x="8372937" y="2093735"/>
+            <a:ext cx="768096" cy="3398794"/>
+          </a:xfrm>
+          <a:prstGeom prst="can">
+            <a:avLst/>
+          </a:prstGeom>
+        </p:spPr>
+        <p:style>
+          <a:lnRef idx="2">
+            <a:schemeClr val="accent1">
+              <a:shade val="50000"/>
+            </a:schemeClr>
+          </a:lnRef>
+          <a:fillRef idx="1">
+            <a:schemeClr val="accent1"/>
+          </a:fillRef>
+          <a:effectRef idx="0">
+            <a:schemeClr val="accent1"/>
+          </a:effectRef>
+          <a:fontRef idx="minor">
+            <a:schemeClr val="lt1"/>
+          </a:fontRef>
+        </p:style>
+        <p:txBody>
+          <a:bodyPr rtlCol="0" anchor="ctr"/>
+          <a:lstStyle/>
+          <a:p>
+            <a:pPr algn="ctr"/>
+            <a:endParaRPr lang="zh-CN" altLang="en-US"/>
+          </a:p>
+        </p:txBody>
+      </p:sp>
+      <mc:AlternateContent xmlns:mc="http://schemas.openxmlformats.org/markup-compatibility/2006" xmlns:a14="http://schemas.microsoft.com/office/drawing/2010/main">
+        <mc:Choice Requires="a14">
+          <p:sp>
+            <p:nvSpPr>
+              <p:cNvPr id="4" name="TextBox 3"/>
+              <p:cNvSpPr txBox="1"/>
+              <p:nvPr/>
+            </p:nvSpPr>
+            <p:spPr>
+              <a:xfrm>
+                <a:off x="7796481" y="1607062"/>
+                <a:ext cx="1883664" cy="430887"/>
+              </a:xfrm>
+              <a:prstGeom prst="rect">
+                <a:avLst/>
+              </a:prstGeom>
+              <a:noFill/>
+            </p:spPr>
+            <p:txBody>
+              <a:bodyPr wrap="square" rtlCol="0">
+                <a:spAutoFit/>
+              </a:bodyPr>
+              <a:lstStyle/>
+              <a:p>
+                <a:pPr algn="ctr"/>
+                <a14:m>
+                  <m:oMath xmlns:m="http://schemas.openxmlformats.org/officeDocument/2006/math">
+                    <m:r>
+                      <m:rPr>
+                        <m:sty m:val="p"/>
+                      </m:rPr>
+                      <a:rPr lang="en-US" altLang="zh-CN" sz="2200" b="0" i="0" smtClean="0">
+                        <a:latin typeface="Cambria Math" panose="02040503050406030204" pitchFamily="18" charset="0"/>
+                      </a:rPr>
+                      <m:t>Δ</m:t>
+                    </m:r>
+                    <m:r>
+                      <a:rPr lang="en-US" altLang="zh-CN" sz="2200" b="0" i="1" smtClean="0">
+                        <a:latin typeface="Cambria Math" panose="02040503050406030204" pitchFamily="18" charset="0"/>
+                      </a:rPr>
+                      <m:t>𝜙</m:t>
+                    </m:r>
+                    <m:r>
+                      <a:rPr lang="en-US" altLang="zh-CN" sz="2200" b="0" i="1" smtClean="0">
+                        <a:latin typeface="Cambria Math" panose="02040503050406030204" pitchFamily="18" charset="0"/>
+                      </a:rPr>
+                      <m:t>/2</m:t>
+                    </m:r>
+                  </m:oMath>
+                </a14:m>
+                <a:r>
+                  <a:rPr lang="en-US" altLang="zh-CN" sz="2200" dirty="0" smtClean="0"/>
+                  <a:t>, </a:t>
+                </a:r>
+                <a14:m>
+                  <m:oMath xmlns:m="http://schemas.openxmlformats.org/officeDocument/2006/math">
+                    <m:r>
+                      <m:rPr>
+                        <m:sty m:val="p"/>
+                      </m:rPr>
+                      <a:rPr lang="en-US" altLang="zh-CN" sz="2200" b="0" i="0" smtClean="0">
+                        <a:latin typeface="Cambria Math" panose="02040503050406030204" pitchFamily="18" charset="0"/>
+                      </a:rPr>
+                      <m:t>Δ</m:t>
+                    </m:r>
+                    <m:r>
+                      <a:rPr lang="en-US" altLang="zh-CN" sz="2200" b="0" i="1" smtClean="0">
+                        <a:latin typeface="Cambria Math" panose="02040503050406030204" pitchFamily="18" charset="0"/>
+                      </a:rPr>
+                      <m:t>𝑝</m:t>
+                    </m:r>
+                    <m:r>
+                      <a:rPr lang="en-US" altLang="zh-CN" sz="2200" b="0" i="1" smtClean="0">
+                        <a:latin typeface="Cambria Math" panose="02040503050406030204" pitchFamily="18" charset="0"/>
+                      </a:rPr>
+                      <m:t>/2</m:t>
+                    </m:r>
+                  </m:oMath>
+                </a14:m>
+                <a:endParaRPr lang="zh-CN" altLang="en-US" sz="2200" dirty="0"/>
+              </a:p>
+            </p:txBody>
+          </p:sp>
+        </mc:Choice>
+        <mc:Fallback xmlns="">
+          <p:sp>
+            <p:nvSpPr>
+              <p:cNvPr id="4" name="TextBox 3"/>
+              <p:cNvSpPr txBox="1">
+                <a:spLocks noRot="1" noChangeAspect="1" noMove="1" noResize="1" noEditPoints="1" noAdjustHandles="1" noChangeArrowheads="1" noChangeShapeType="1" noTextEdit="1"/>
+              </p:cNvSpPr>
+              <p:nvPr/>
+            </p:nvSpPr>
+            <p:spPr>
+              <a:xfrm>
+                <a:off x="7796481" y="1607062"/>
+                <a:ext cx="1883664" cy="430887"/>
+              </a:xfrm>
+              <a:prstGeom prst="rect">
+                <a:avLst/>
+              </a:prstGeom>
+              <a:blipFill rotWithShape="0">
+                <a:blip r:embed="rId10"/>
+                <a:stretch>
+                  <a:fillRect t="-10000" b="-28571"/>
+                </a:stretch>
+              </a:blipFill>
+            </p:spPr>
+            <p:txBody>
+              <a:bodyPr/>
+              <a:lstStyle/>
+              <a:p>
+                <a:r>
+                  <a:rPr lang="zh-CN" altLang="en-US">
+                    <a:noFill/>
+                  </a:rPr>
+                  <a:t> </a:t>
+                </a:r>
+              </a:p>
+            </p:txBody>
+          </p:sp>
+        </mc:Fallback>
+      </mc:AlternateContent>
+      <mc:AlternateContent xmlns:mc="http://schemas.openxmlformats.org/markup-compatibility/2006" xmlns:a14="http://schemas.microsoft.com/office/drawing/2010/main">
+        <mc:Choice Requires="a14">
+          <p:sp>
+            <p:nvSpPr>
+              <p:cNvPr id="26" name="TextBox 25"/>
+              <p:cNvSpPr txBox="1"/>
+              <p:nvPr/>
+            </p:nvSpPr>
+            <p:spPr>
+              <a:xfrm>
+                <a:off x="7680889" y="5548315"/>
+                <a:ext cx="2152191" cy="430887"/>
+              </a:xfrm>
+              <a:prstGeom prst="rect">
+                <a:avLst/>
+              </a:prstGeom>
+              <a:noFill/>
+            </p:spPr>
+            <p:txBody>
+              <a:bodyPr wrap="square" rtlCol="0">
+                <a:spAutoFit/>
+              </a:bodyPr>
+              <a:lstStyle/>
+              <a:p>
+                <a:pPr algn="ctr"/>
+                <a14:m>
+                  <m:oMath xmlns:m="http://schemas.openxmlformats.org/officeDocument/2006/math">
+                    <m:r>
+                      <a:rPr lang="en-US" altLang="zh-CN" sz="2200" b="0" i="0" smtClean="0">
+                        <a:latin typeface="Cambria Math" panose="02040503050406030204" pitchFamily="18" charset="0"/>
+                      </a:rPr>
+                      <m:t>−</m:t>
+                    </m:r>
+                    <m:r>
+                      <m:rPr>
+                        <m:sty m:val="p"/>
+                      </m:rPr>
+                      <a:rPr lang="en-US" altLang="zh-CN" sz="2200" b="0" i="0" smtClean="0">
+                        <a:latin typeface="Cambria Math" panose="02040503050406030204" pitchFamily="18" charset="0"/>
+                      </a:rPr>
+                      <m:t>Δ</m:t>
+                    </m:r>
+                    <m:r>
+                      <a:rPr lang="en-US" altLang="zh-CN" sz="2200" b="0" i="1" smtClean="0">
+                        <a:latin typeface="Cambria Math" panose="02040503050406030204" pitchFamily="18" charset="0"/>
+                      </a:rPr>
+                      <m:t>𝜙</m:t>
+                    </m:r>
+                    <m:r>
+                      <a:rPr lang="en-US" altLang="zh-CN" sz="2200" b="0" i="1" smtClean="0">
+                        <a:latin typeface="Cambria Math" panose="02040503050406030204" pitchFamily="18" charset="0"/>
+                      </a:rPr>
+                      <m:t>/2</m:t>
+                    </m:r>
+                  </m:oMath>
+                </a14:m>
+                <a:r>
+                  <a:rPr lang="en-US" altLang="zh-CN" sz="2200" dirty="0" smtClean="0"/>
+                  <a:t>, </a:t>
+                </a:r>
+                <a14:m>
+                  <m:oMath xmlns:m="http://schemas.openxmlformats.org/officeDocument/2006/math">
+                    <m:r>
+                      <a:rPr lang="en-US" altLang="zh-CN" sz="2200" b="0" i="0" smtClean="0">
+                        <a:latin typeface="Cambria Math" panose="02040503050406030204" pitchFamily="18" charset="0"/>
+                      </a:rPr>
+                      <m:t>−</m:t>
+                    </m:r>
+                    <m:r>
+                      <m:rPr>
+                        <m:sty m:val="p"/>
+                      </m:rPr>
+                      <a:rPr lang="en-US" altLang="zh-CN" sz="2200" b="0" i="0" smtClean="0">
+                        <a:latin typeface="Cambria Math" panose="02040503050406030204" pitchFamily="18" charset="0"/>
+                      </a:rPr>
+                      <m:t>Δ</m:t>
+                    </m:r>
+                    <m:r>
+                      <a:rPr lang="en-US" altLang="zh-CN" sz="2200" b="0" i="1" smtClean="0">
+                        <a:latin typeface="Cambria Math" panose="02040503050406030204" pitchFamily="18" charset="0"/>
+                      </a:rPr>
+                      <m:t>𝑝</m:t>
+                    </m:r>
+                    <m:r>
+                      <a:rPr lang="en-US" altLang="zh-CN" sz="2200" b="0" i="1" smtClean="0">
+                        <a:latin typeface="Cambria Math" panose="02040503050406030204" pitchFamily="18" charset="0"/>
+                      </a:rPr>
+                      <m:t>/2</m:t>
+                    </m:r>
+                  </m:oMath>
+                </a14:m>
+                <a:endParaRPr lang="zh-CN" altLang="en-US" sz="2200" dirty="0"/>
+              </a:p>
+            </p:txBody>
+          </p:sp>
+        </mc:Choice>
+        <mc:Fallback xmlns="">
+          <p:sp>
+            <p:nvSpPr>
+              <p:cNvPr id="26" name="TextBox 25"/>
+              <p:cNvSpPr txBox="1">
+                <a:spLocks noRot="1" noChangeAspect="1" noMove="1" noResize="1" noEditPoints="1" noAdjustHandles="1" noChangeArrowheads="1" noChangeShapeType="1" noTextEdit="1"/>
+              </p:cNvSpPr>
+              <p:nvPr/>
+            </p:nvSpPr>
+            <p:spPr>
+              <a:xfrm>
+                <a:off x="7680889" y="5548315"/>
+                <a:ext cx="2152191" cy="430887"/>
+              </a:xfrm>
+              <a:prstGeom prst="rect">
+                <a:avLst/>
+              </a:prstGeom>
+              <a:blipFill rotWithShape="0">
+                <a:blip r:embed="rId11"/>
+                <a:stretch>
+                  <a:fillRect t="-9859" b="-28169"/>
+                </a:stretch>
+              </a:blipFill>
+            </p:spPr>
+            <p:txBody>
+              <a:bodyPr/>
+              <a:lstStyle/>
+              <a:p>
+                <a:r>
+                  <a:rPr lang="zh-CN" altLang="en-US">
+                    <a:noFill/>
+                  </a:rPr>
+                  <a:t> </a:t>
+                </a:r>
+              </a:p>
+            </p:txBody>
+          </p:sp>
+        </mc:Fallback>
+      </mc:AlternateContent>
+      <mc:AlternateContent xmlns:mc="http://schemas.openxmlformats.org/markup-compatibility/2006" xmlns:a14="http://schemas.microsoft.com/office/drawing/2010/main">
+        <mc:Choice Requires="a14">
+          <p:sp>
+            <p:nvSpPr>
+              <p:cNvPr id="5" name="TextBox 4"/>
+              <p:cNvSpPr txBox="1"/>
+              <p:nvPr/>
+            </p:nvSpPr>
+            <p:spPr>
+              <a:xfrm>
+                <a:off x="9533841" y="2130181"/>
+                <a:ext cx="2249424" cy="2906052"/>
+              </a:xfrm>
+              <a:prstGeom prst="rect">
+                <a:avLst/>
+              </a:prstGeom>
+              <a:noFill/>
+            </p:spPr>
+            <p:txBody>
+              <a:bodyPr wrap="square" rtlCol="0">
+                <a:spAutoFit/>
+              </a:bodyPr>
+              <a:lstStyle/>
+              <a:p>
+                <a:pPr/>
+                <a14:m>
+                  <m:oMathPara xmlns:m="http://schemas.openxmlformats.org/officeDocument/2006/math">
+                    <m:oMathParaPr>
+                      <m:jc m:val="centerGroup"/>
+                    </m:oMathParaPr>
+                    <m:oMath xmlns:m="http://schemas.openxmlformats.org/officeDocument/2006/math">
+                      <m:r>
+                        <a:rPr lang="en-US" altLang="zh-CN" sz="2200" b="0" i="1" smtClean="0">
+                          <a:latin typeface="Cambria Math" panose="02040503050406030204" pitchFamily="18" charset="0"/>
+                        </a:rPr>
+                        <m:t>𝐼</m:t>
+                      </m:r>
+                      <m:r>
+                        <a:rPr lang="en-US" altLang="zh-CN" sz="2200" b="0" i="1" smtClean="0">
+                          <a:latin typeface="Cambria Math" panose="02040503050406030204" pitchFamily="18" charset="0"/>
+                        </a:rPr>
+                        <m:t>=</m:t>
+                      </m:r>
+                      <m:f>
+                        <m:fPr>
+                          <m:ctrlPr>
+                            <a:rPr lang="en-US" altLang="zh-CN" sz="2200" b="0" i="1" smtClean="0">
+                              <a:latin typeface="Cambria Math" panose="02040503050406030204" pitchFamily="18" charset="0"/>
+                            </a:rPr>
+                          </m:ctrlPr>
+                        </m:fPr>
+                        <m:num>
+                          <m:r>
+                            <m:rPr>
+                              <m:sty m:val="p"/>
+                            </m:rPr>
+                            <a:rPr lang="en-US" altLang="zh-CN" sz="2200" b="0" i="0" smtClean="0">
+                              <a:latin typeface="Cambria Math" panose="02040503050406030204" pitchFamily="18" charset="0"/>
+                            </a:rPr>
+                            <m:t>Δ</m:t>
+                          </m:r>
+                          <m:r>
+                            <a:rPr lang="en-US" altLang="zh-CN" sz="2200" b="0" i="1" smtClean="0">
+                              <a:latin typeface="Cambria Math" panose="02040503050406030204" pitchFamily="18" charset="0"/>
+                            </a:rPr>
+                            <m:t>𝜙</m:t>
+                          </m:r>
+                        </m:num>
+                        <m:den>
+                          <m:sSub>
+                            <m:sSubPr>
+                              <m:ctrlPr>
+                                <a:rPr lang="en-US" altLang="zh-CN" sz="2200" b="0" i="1" smtClean="0">
+                                  <a:latin typeface="Cambria Math" panose="02040503050406030204" pitchFamily="18" charset="0"/>
+                                </a:rPr>
+                              </m:ctrlPr>
+                            </m:sSubPr>
+                            <m:e>
+                              <m:r>
+                                <a:rPr lang="en-US" altLang="zh-CN" sz="2200" b="0" i="1" smtClean="0">
+                                  <a:latin typeface="Cambria Math" panose="02040503050406030204" pitchFamily="18" charset="0"/>
+                                </a:rPr>
+                                <m:t>𝑅</m:t>
+                              </m:r>
+                            </m:e>
+                            <m:sub>
+                              <m:r>
+                                <a:rPr lang="en-US" altLang="zh-CN" sz="2200" b="0" i="1" smtClean="0">
+                                  <a:latin typeface="Cambria Math" panose="02040503050406030204" pitchFamily="18" charset="0"/>
+                                </a:rPr>
+                                <m:t>𝑐</m:t>
+                              </m:r>
+                            </m:sub>
+                          </m:sSub>
+                        </m:den>
+                      </m:f>
+                    </m:oMath>
+                  </m:oMathPara>
+                </a14:m>
+                <a:endParaRPr lang="en-US" altLang="zh-CN" sz="2200" dirty="0" smtClean="0"/>
+              </a:p>
+              <a:p>
+                <a:endParaRPr lang="en-US" altLang="zh-CN" sz="2200" dirty="0"/>
+              </a:p>
+              <a:p>
+                <a:pPr/>
+                <a14:m>
+                  <m:oMathPara xmlns:m="http://schemas.openxmlformats.org/officeDocument/2006/math">
+                    <m:oMathParaPr>
+                      <m:jc m:val="centerGroup"/>
+                    </m:oMathParaPr>
+                    <m:oMath xmlns:m="http://schemas.openxmlformats.org/officeDocument/2006/math">
+                      <m:sSub>
+                        <m:sSubPr>
+                          <m:ctrlPr>
+                            <a:rPr lang="en-US" altLang="zh-CN" sz="2200" b="0" i="1" smtClean="0">
+                              <a:latin typeface="Cambria Math" panose="02040503050406030204" pitchFamily="18" charset="0"/>
+                            </a:rPr>
+                          </m:ctrlPr>
+                        </m:sSubPr>
+                        <m:e>
+                          <m:r>
+                            <a:rPr lang="en-US" altLang="zh-CN" sz="2200" b="0" i="1" smtClean="0">
+                              <a:latin typeface="Cambria Math" panose="02040503050406030204" pitchFamily="18" charset="0"/>
+                            </a:rPr>
+                            <m:t>𝑄</m:t>
+                          </m:r>
+                        </m:e>
+                        <m:sub>
+                          <m:r>
+                            <m:rPr>
+                              <m:sty m:val="p"/>
+                            </m:rPr>
+                            <a:rPr lang="en-US" altLang="zh-CN" sz="2200" b="0" i="0" smtClean="0">
+                              <a:latin typeface="Cambria Math" panose="02040503050406030204" pitchFamily="18" charset="0"/>
+                            </a:rPr>
+                            <m:t>Δ</m:t>
+                          </m:r>
+                          <m:r>
+                            <a:rPr lang="en-US" altLang="zh-CN" sz="2200" b="0" i="1" smtClean="0">
+                              <a:latin typeface="Cambria Math" panose="02040503050406030204" pitchFamily="18" charset="0"/>
+                            </a:rPr>
+                            <m:t>𝑝</m:t>
+                          </m:r>
+                        </m:sub>
+                      </m:sSub>
+                      <m:r>
+                        <a:rPr lang="en-US" altLang="zh-CN" sz="2200" b="0" i="1" smtClean="0">
+                          <a:latin typeface="Cambria Math" panose="02040503050406030204" pitchFamily="18" charset="0"/>
+                        </a:rPr>
+                        <m:t>=</m:t>
+                      </m:r>
+                      <m:sSub>
+                        <m:sSubPr>
+                          <m:ctrlPr>
+                            <a:rPr lang="en-US" altLang="zh-CN" sz="2200" b="0" i="1" smtClean="0">
+                              <a:latin typeface="Cambria Math" panose="02040503050406030204" pitchFamily="18" charset="0"/>
+                            </a:rPr>
+                          </m:ctrlPr>
+                        </m:sSubPr>
+                        <m:e>
+                          <m:r>
+                            <a:rPr lang="en-US" altLang="zh-CN" sz="2200" b="0" i="1" smtClean="0">
+                              <a:latin typeface="Cambria Math" panose="02040503050406030204" pitchFamily="18" charset="0"/>
+                            </a:rPr>
+                            <m:t>𝐺</m:t>
+                          </m:r>
+                        </m:e>
+                        <m:sub>
+                          <m:r>
+                            <a:rPr lang="en-US" altLang="zh-CN" sz="2200" b="0" i="1" smtClean="0">
+                              <a:latin typeface="Cambria Math" panose="02040503050406030204" pitchFamily="18" charset="0"/>
+                            </a:rPr>
+                            <m:t>𝑐</m:t>
+                          </m:r>
+                        </m:sub>
+                      </m:sSub>
+                      <m:r>
+                        <m:rPr>
+                          <m:sty m:val="p"/>
+                        </m:rPr>
+                        <a:rPr lang="en-US" altLang="zh-CN" sz="2200" b="0" i="0" smtClean="0">
+                          <a:latin typeface="Cambria Math" panose="02040503050406030204" pitchFamily="18" charset="0"/>
+                        </a:rPr>
+                        <m:t>Δ</m:t>
+                      </m:r>
+                      <m:r>
+                        <a:rPr lang="en-US" altLang="zh-CN" sz="2200" b="0" i="1" smtClean="0">
+                          <a:latin typeface="Cambria Math" panose="02040503050406030204" pitchFamily="18" charset="0"/>
+                        </a:rPr>
+                        <m:t>𝑝</m:t>
+                      </m:r>
+                    </m:oMath>
+                  </m:oMathPara>
+                </a14:m>
+                <a:endParaRPr lang="en-US" altLang="zh-CN" sz="2200" dirty="0" smtClean="0"/>
+              </a:p>
+              <a:p>
+                <a:pPr/>
+                <a14:m>
+                  <m:oMathPara xmlns:m="http://schemas.openxmlformats.org/officeDocument/2006/math">
+                    <m:oMathParaPr>
+                      <m:jc m:val="centerGroup"/>
+                    </m:oMathParaPr>
+                    <m:oMath xmlns:m="http://schemas.openxmlformats.org/officeDocument/2006/math">
+                      <m:sSub>
+                        <m:sSubPr>
+                          <m:ctrlPr>
+                            <a:rPr lang="en-US" altLang="zh-CN" sz="2200" b="0" i="1" smtClean="0">
+                              <a:latin typeface="Cambria Math" panose="02040503050406030204" pitchFamily="18" charset="0"/>
+                            </a:rPr>
+                          </m:ctrlPr>
+                        </m:sSubPr>
+                        <m:e>
+                          <m:r>
+                            <a:rPr lang="en-US" altLang="zh-CN" sz="2200" b="0" i="1" smtClean="0">
+                              <a:latin typeface="Cambria Math" panose="02040503050406030204" pitchFamily="18" charset="0"/>
+                            </a:rPr>
+                            <m:t>𝑄</m:t>
+                          </m:r>
+                        </m:e>
+                        <m:sub>
+                          <m:r>
+                            <m:rPr>
+                              <m:sty m:val="p"/>
+                            </m:rPr>
+                            <a:rPr lang="en-US" altLang="zh-CN" sz="2200" b="0" i="0" smtClean="0">
+                              <a:latin typeface="Cambria Math" panose="02040503050406030204" pitchFamily="18" charset="0"/>
+                            </a:rPr>
+                            <m:t>Δ</m:t>
+                          </m:r>
+                          <m:r>
+                            <a:rPr lang="en-US" altLang="zh-CN" sz="2200" b="0" i="1" smtClean="0">
+                              <a:latin typeface="Cambria Math" panose="02040503050406030204" pitchFamily="18" charset="0"/>
+                            </a:rPr>
+                            <m:t>𝜙</m:t>
+                          </m:r>
+                        </m:sub>
+                      </m:sSub>
+                      <m:r>
+                        <a:rPr lang="en-US" altLang="zh-CN" sz="2200" b="0" i="1" smtClean="0">
+                          <a:latin typeface="Cambria Math" panose="02040503050406030204" pitchFamily="18" charset="0"/>
+                        </a:rPr>
+                        <m:t>=</m:t>
+                      </m:r>
+                      <m:sSub>
+                        <m:sSubPr>
+                          <m:ctrlPr>
+                            <a:rPr lang="en-US" altLang="zh-CN" sz="2200" b="0" i="1" smtClean="0">
+                              <a:latin typeface="Cambria Math" panose="02040503050406030204" pitchFamily="18" charset="0"/>
+                            </a:rPr>
+                          </m:ctrlPr>
+                        </m:sSubPr>
+                        <m:e>
+                          <m:r>
+                            <a:rPr lang="en-US" altLang="zh-CN" sz="2200" b="0" i="1" smtClean="0">
+                              <a:latin typeface="Cambria Math" panose="02040503050406030204" pitchFamily="18" charset="0"/>
+                            </a:rPr>
+                            <m:t>𝐻</m:t>
+                          </m:r>
+                        </m:e>
+                        <m:sub>
+                          <m:r>
+                            <a:rPr lang="en-US" altLang="zh-CN" sz="2200" b="0" i="1" smtClean="0">
+                              <a:latin typeface="Cambria Math" panose="02040503050406030204" pitchFamily="18" charset="0"/>
+                            </a:rPr>
+                            <m:t>𝑐</m:t>
+                          </m:r>
+                        </m:sub>
+                      </m:sSub>
+                      <m:r>
+                        <m:rPr>
+                          <m:sty m:val="p"/>
+                        </m:rPr>
+                        <a:rPr lang="en-US" altLang="zh-CN" sz="2200" b="0" i="0" smtClean="0">
+                          <a:latin typeface="Cambria Math" panose="02040503050406030204" pitchFamily="18" charset="0"/>
+                        </a:rPr>
+                        <m:t>Δ</m:t>
+                      </m:r>
+                      <m:r>
+                        <a:rPr lang="en-US" altLang="zh-CN" sz="2200" b="0" i="1" smtClean="0">
+                          <a:latin typeface="Cambria Math" panose="02040503050406030204" pitchFamily="18" charset="0"/>
+                        </a:rPr>
+                        <m:t>𝜙</m:t>
+                      </m:r>
+                    </m:oMath>
+                  </m:oMathPara>
+                </a14:m>
+                <a:endParaRPr lang="en-US" altLang="zh-CN" sz="2200" dirty="0" smtClean="0"/>
+              </a:p>
+              <a:p>
+                <a:endParaRPr lang="en-US" altLang="zh-CN" sz="2200" dirty="0"/>
+              </a:p>
+              <a:p>
+                <a:pPr/>
+                <a14:m>
+                  <m:oMathPara xmlns:m="http://schemas.openxmlformats.org/officeDocument/2006/math">
+                    <m:oMathParaPr>
+                      <m:jc m:val="centerGroup"/>
+                    </m:oMathParaPr>
+                    <m:oMath xmlns:m="http://schemas.openxmlformats.org/officeDocument/2006/math">
+                      <m:r>
+                        <a:rPr lang="en-US" altLang="zh-CN" sz="2200" b="0" i="1" smtClean="0">
+                          <a:latin typeface="Cambria Math" panose="02040503050406030204" pitchFamily="18" charset="0"/>
+                        </a:rPr>
+                        <m:t>𝑄</m:t>
+                      </m:r>
+                      <m:r>
+                        <a:rPr lang="en-US" altLang="zh-CN" sz="2200" b="0" i="1" smtClean="0">
+                          <a:latin typeface="Cambria Math" panose="02040503050406030204" pitchFamily="18" charset="0"/>
+                        </a:rPr>
+                        <m:t>=</m:t>
+                      </m:r>
+                      <m:sSub>
+                        <m:sSubPr>
+                          <m:ctrlPr>
+                            <a:rPr lang="en-US" altLang="zh-CN" sz="2200" i="1">
+                              <a:latin typeface="Cambria Math" panose="02040503050406030204" pitchFamily="18" charset="0"/>
+                            </a:rPr>
+                          </m:ctrlPr>
+                        </m:sSubPr>
+                        <m:e>
+                          <m:r>
+                            <a:rPr lang="en-US" altLang="zh-CN" sz="2200" i="1">
+                              <a:latin typeface="Cambria Math" panose="02040503050406030204" pitchFamily="18" charset="0"/>
+                            </a:rPr>
+                            <m:t>𝑄</m:t>
+                          </m:r>
+                        </m:e>
+                        <m:sub>
+                          <m:r>
+                            <m:rPr>
+                              <m:sty m:val="p"/>
+                            </m:rPr>
+                            <a:rPr lang="en-US" altLang="zh-CN" sz="2200">
+                              <a:latin typeface="Cambria Math" panose="02040503050406030204" pitchFamily="18" charset="0"/>
+                            </a:rPr>
+                            <m:t>Δ</m:t>
+                          </m:r>
+                          <m:r>
+                            <a:rPr lang="en-US" altLang="zh-CN" sz="2200" i="1">
+                              <a:latin typeface="Cambria Math" panose="02040503050406030204" pitchFamily="18" charset="0"/>
+                            </a:rPr>
+                            <m:t>𝑝</m:t>
+                          </m:r>
+                        </m:sub>
+                      </m:sSub>
+                      <m:r>
+                        <a:rPr lang="en-US" altLang="zh-CN" sz="2200" b="0" i="1" smtClean="0">
+                          <a:latin typeface="Cambria Math" panose="02040503050406030204" pitchFamily="18" charset="0"/>
+                        </a:rPr>
+                        <m:t>+</m:t>
+                      </m:r>
+                      <m:sSub>
+                        <m:sSubPr>
+                          <m:ctrlPr>
+                            <a:rPr lang="en-US" altLang="zh-CN" sz="2200" i="1">
+                              <a:latin typeface="Cambria Math" panose="02040503050406030204" pitchFamily="18" charset="0"/>
+                            </a:rPr>
+                          </m:ctrlPr>
+                        </m:sSubPr>
+                        <m:e>
+                          <m:r>
+                            <a:rPr lang="en-US" altLang="zh-CN" sz="2200" i="1">
+                              <a:latin typeface="Cambria Math" panose="02040503050406030204" pitchFamily="18" charset="0"/>
+                            </a:rPr>
+                            <m:t>𝑄</m:t>
+                          </m:r>
+                        </m:e>
+                        <m:sub>
+                          <m:r>
+                            <m:rPr>
+                              <m:sty m:val="p"/>
+                            </m:rPr>
+                            <a:rPr lang="en-US" altLang="zh-CN" sz="2200">
+                              <a:latin typeface="Cambria Math" panose="02040503050406030204" pitchFamily="18" charset="0"/>
+                            </a:rPr>
+                            <m:t>Δ</m:t>
+                          </m:r>
+                          <m:r>
+                            <a:rPr lang="en-US" altLang="zh-CN" sz="2200" i="1">
+                              <a:latin typeface="Cambria Math" panose="02040503050406030204" pitchFamily="18" charset="0"/>
+                            </a:rPr>
+                            <m:t>𝜙</m:t>
+                          </m:r>
+                        </m:sub>
+                      </m:sSub>
+                      <m:r>
+                        <a:rPr lang="en-US" altLang="zh-CN" sz="2200" b="0" i="1" smtClean="0">
+                          <a:latin typeface="Cambria Math" panose="02040503050406030204" pitchFamily="18" charset="0"/>
+                        </a:rPr>
+                        <m:t>=</m:t>
+                      </m:r>
+                      <m:sSub>
+                        <m:sSubPr>
+                          <m:ctrlPr>
+                            <a:rPr lang="en-US" altLang="zh-CN" sz="2200" i="1">
+                              <a:latin typeface="Cambria Math" panose="02040503050406030204" pitchFamily="18" charset="0"/>
+                            </a:rPr>
+                          </m:ctrlPr>
+                        </m:sSubPr>
+                        <m:e>
+                          <m:r>
+                            <a:rPr lang="en-US" altLang="zh-CN" sz="2200" i="1">
+                              <a:latin typeface="Cambria Math" panose="02040503050406030204" pitchFamily="18" charset="0"/>
+                            </a:rPr>
+                            <m:t>𝐺</m:t>
+                          </m:r>
+                        </m:e>
+                        <m:sub>
+                          <m:r>
+                            <a:rPr lang="en-US" altLang="zh-CN" sz="2200" i="1">
+                              <a:latin typeface="Cambria Math" panose="02040503050406030204" pitchFamily="18" charset="0"/>
+                            </a:rPr>
+                            <m:t>𝑐</m:t>
+                          </m:r>
+                        </m:sub>
+                      </m:sSub>
+                      <m:r>
+                        <m:rPr>
+                          <m:sty m:val="p"/>
+                        </m:rPr>
+                        <a:rPr lang="en-US" altLang="zh-CN" sz="2200">
+                          <a:latin typeface="Cambria Math" panose="02040503050406030204" pitchFamily="18" charset="0"/>
+                        </a:rPr>
+                        <m:t>Δ</m:t>
+                      </m:r>
+                      <m:r>
+                        <a:rPr lang="en-US" altLang="zh-CN" sz="2200" i="1">
+                          <a:latin typeface="Cambria Math" panose="02040503050406030204" pitchFamily="18" charset="0"/>
+                        </a:rPr>
+                        <m:t>𝑝</m:t>
+                      </m:r>
+                      <m:r>
+                        <a:rPr lang="en-US" altLang="zh-CN" sz="2200" b="0" i="1" smtClean="0">
+                          <a:latin typeface="Cambria Math" panose="02040503050406030204" pitchFamily="18" charset="0"/>
+                        </a:rPr>
+                        <m:t>+</m:t>
+                      </m:r>
+                      <m:sSub>
+                        <m:sSubPr>
+                          <m:ctrlPr>
+                            <a:rPr lang="en-US" altLang="zh-CN" sz="2200" i="1">
+                              <a:latin typeface="Cambria Math" panose="02040503050406030204" pitchFamily="18" charset="0"/>
+                            </a:rPr>
+                          </m:ctrlPr>
+                        </m:sSubPr>
+                        <m:e>
+                          <m:r>
+                            <a:rPr lang="en-US" altLang="zh-CN" sz="2200" i="1">
+                              <a:latin typeface="Cambria Math" panose="02040503050406030204" pitchFamily="18" charset="0"/>
+                            </a:rPr>
+                            <m:t>𝐻</m:t>
+                          </m:r>
+                        </m:e>
+                        <m:sub>
+                          <m:r>
+                            <a:rPr lang="en-US" altLang="zh-CN" sz="2200" i="1">
+                              <a:latin typeface="Cambria Math" panose="02040503050406030204" pitchFamily="18" charset="0"/>
+                            </a:rPr>
+                            <m:t>𝑐</m:t>
+                          </m:r>
+                        </m:sub>
+                      </m:sSub>
+                      <m:r>
+                        <m:rPr>
+                          <m:sty m:val="p"/>
+                        </m:rPr>
+                        <a:rPr lang="en-US" altLang="zh-CN" sz="2200">
+                          <a:latin typeface="Cambria Math" panose="02040503050406030204" pitchFamily="18" charset="0"/>
+                        </a:rPr>
+                        <m:t>Δ</m:t>
+                      </m:r>
+                      <m:r>
+                        <a:rPr lang="en-US" altLang="zh-CN" sz="2200" i="1">
+                          <a:latin typeface="Cambria Math" panose="02040503050406030204" pitchFamily="18" charset="0"/>
+                        </a:rPr>
+                        <m:t>𝜙</m:t>
+                      </m:r>
+                    </m:oMath>
+                  </m:oMathPara>
+                </a14:m>
+                <a:endParaRPr lang="en-US" altLang="zh-CN" sz="2200" dirty="0"/>
+              </a:p>
+            </p:txBody>
+          </p:sp>
+        </mc:Choice>
+        <mc:Fallback xmlns="">
+          <p:sp>
+            <p:nvSpPr>
+              <p:cNvPr id="5" name="TextBox 4"/>
+              <p:cNvSpPr txBox="1">
+                <a:spLocks noRot="1" noChangeAspect="1" noMove="1" noResize="1" noEditPoints="1" noAdjustHandles="1" noChangeArrowheads="1" noChangeShapeType="1" noTextEdit="1"/>
+              </p:cNvSpPr>
+              <p:nvPr/>
+            </p:nvSpPr>
+            <p:spPr>
+              <a:xfrm>
+                <a:off x="9533841" y="2130181"/>
+                <a:ext cx="2249424" cy="2906052"/>
+              </a:xfrm>
+              <a:prstGeom prst="rect">
+                <a:avLst/>
+              </a:prstGeom>
+              <a:blipFill rotWithShape="0">
+                <a:blip r:embed="rId12"/>
+                <a:stretch>
+                  <a:fillRect b="-1468"/>
+                </a:stretch>
+              </a:blipFill>
+            </p:spPr>
+            <p:txBody>
+              <a:bodyPr/>
+              <a:lstStyle/>
+              <a:p>
+                <a:r>
+                  <a:rPr lang="zh-CN" altLang="en-US">
+                    <a:noFill/>
+                  </a:rPr>
+                  <a:t> </a:t>
+                </a:r>
+              </a:p>
+            </p:txBody>
+          </p:sp>
+        </mc:Fallback>
+      </mc:AlternateContent>
     </p:spTree>
     <p:extLst>
       <p:ext uri="{BB962C8B-B14F-4D97-AF65-F5344CB8AC3E}">
@@ -6659,7 +8277,7 @@
                 <a:avLst/>
               </a:prstGeom>
               <a:blipFill rotWithShape="0">
-                <a:blip r:embed="rId2"/>
+                <a:blip r:embed="rId3"/>
                 <a:stretch>
                   <a:fillRect/>
                 </a:stretch>
@@ -6756,7 +8374,7 @@
                 <a:ext cx="10515600" cy="1325563"/>
               </a:xfrm>
               <a:blipFill rotWithShape="0">
-                <a:blip r:embed="rId3"/>
+                <a:blip r:embed="rId4"/>
                 <a:stretch>
                   <a:fillRect l="-2377"/>
                 </a:stretch>
@@ -7708,7 +9326,7 @@
                 <a:avLst/>
               </a:prstGeom>
               <a:blipFill rotWithShape="0">
-                <a:blip r:embed="rId4"/>
+                <a:blip r:embed="rId5"/>
                 <a:stretch>
                   <a:fillRect l="-2006"/>
                 </a:stretch>
@@ -7740,7 +9358,7 @@
           </p:nvPr>
         </p:nvPicPr>
         <p:blipFill rotWithShape="1">
-          <a:blip r:embed="rId5">
+          <a:blip r:embed="rId6">
             <a:extLst>
               <a:ext uri="{28A0092B-C50C-407E-A947-70E740481C1C}">
                 <a14:useLocalDpi xmlns:a14="http://schemas.microsoft.com/office/drawing/2010/main" val="0"/>
@@ -7766,7 +9384,7 @@
           <p:nvPr/>
         </p:nvPicPr>
         <p:blipFill rotWithShape="1">
-          <a:blip r:embed="rId5">
+          <a:blip r:embed="rId6">
             <a:extLst>
               <a:ext uri="{28A0092B-C50C-407E-A947-70E740481C1C}">
                 <a14:useLocalDpi xmlns:a14="http://schemas.microsoft.com/office/drawing/2010/main" val="0"/>
@@ -7908,7 +9526,7 @@
                 <a:avLst/>
               </a:prstGeom>
               <a:blipFill rotWithShape="0">
-                <a:blip r:embed="rId6"/>
+                <a:blip r:embed="rId7"/>
                 <a:stretch>
                   <a:fillRect t="-8451" b="-28169"/>
                 </a:stretch>
@@ -8063,7 +9681,7 @@
                 <a:avLst/>
               </a:prstGeom>
               <a:blipFill rotWithShape="0">
-                <a:blip r:embed="rId7"/>
+                <a:blip r:embed="rId8"/>
                 <a:stretch>
                   <a:fillRect t="-8451" b="-28169"/>
                 </a:stretch>
@@ -8206,7 +9824,7 @@
                 <a:avLst/>
               </a:prstGeom>
               <a:blipFill rotWithShape="0">
-                <a:blip r:embed="rId8"/>
+                <a:blip r:embed="rId9"/>
                 <a:stretch>
                   <a:fillRect t="-8451" b="-28169"/>
                 </a:stretch>
@@ -8361,7 +9979,7 @@
                 <a:avLst/>
               </a:prstGeom>
               <a:blipFill rotWithShape="0">
-                <a:blip r:embed="rId9"/>
+                <a:blip r:embed="rId10"/>
                 <a:stretch>
                   <a:fillRect t="-9859" b="-28169"/>
                 </a:stretch>
@@ -8485,7 +10103,7 @@
                 <a:avLst/>
               </a:prstGeom>
               <a:blipFill rotWithShape="0">
-                <a:blip r:embed="rId10"/>
+                <a:blip r:embed="rId11"/>
                 <a:stretch>
                   <a:fillRect/>
                 </a:stretch>
@@ -8597,7 +10215,7 @@
           <a:p>
             <a:r>
               <a:rPr lang="en-US" altLang="zh-CN" dirty="0" smtClean="0"/>
-              <a:t>Conjugate electroosmotic conductance</a:t>
+              <a:t>Composite electroosmotic conductance</a:t>
             </a:r>
             <a:endParaRPr lang="zh-CN" altLang="en-US" dirty="0"/>
           </a:p>
@@ -9942,7 +11560,7 @@
             </p:nvSpPr>
             <p:spPr>
               <a:blipFill rotWithShape="0">
-                <a:blip r:embed="rId2"/>
+                <a:blip r:embed="rId3"/>
                 <a:stretch>
                   <a:fillRect/>
                 </a:stretch>
@@ -10033,22 +11651,21 @@
             <p:ph idx="1"/>
           </p:nvPr>
         </p:nvPicPr>
-        <p:blipFill>
-          <a:blip r:embed="rId2">
+        <p:blipFill rotWithShape="1">
+          <a:blip r:embed="rId3">
             <a:extLst>
               <a:ext uri="{28A0092B-C50C-407E-A947-70E740481C1C}">
                 <a14:useLocalDpi xmlns:a14="http://schemas.microsoft.com/office/drawing/2010/main" val="0"/>
               </a:ext>
             </a:extLst>
           </a:blip>
-          <a:stretch>
-            <a:fillRect/>
-          </a:stretch>
+          <a:srcRect l="7168" b="4473"/>
+          <a:stretch/>
         </p:blipFill>
         <p:spPr>
           <a:xfrm>
-            <a:off x="838200" y="1690688"/>
-            <a:ext cx="5400000" cy="4050000"/>
+            <a:off x="1225296" y="1690688"/>
+            <a:ext cx="5012904" cy="3868864"/>
           </a:xfrm>
         </p:spPr>
       </p:pic>
@@ -10060,22 +11677,21 @@
           </p:cNvPicPr>
           <p:nvPr/>
         </p:nvPicPr>
-        <p:blipFill>
-          <a:blip r:embed="rId3">
+        <p:blipFill rotWithShape="1">
+          <a:blip r:embed="rId4">
             <a:extLst>
               <a:ext uri="{28A0092B-C50C-407E-A947-70E740481C1C}">
                 <a14:useLocalDpi xmlns:a14="http://schemas.microsoft.com/office/drawing/2010/main" val="0"/>
               </a:ext>
             </a:extLst>
           </a:blip>
-          <a:stretch>
-            <a:fillRect/>
-          </a:stretch>
+          <a:srcRect l="7752" b="4473"/>
+          <a:stretch/>
         </p:blipFill>
         <p:spPr>
           <a:xfrm>
-            <a:off x="6238200" y="1690688"/>
-            <a:ext cx="5400000" cy="4050000"/>
+            <a:off x="6656832" y="1690688"/>
+            <a:ext cx="4981368" cy="3868864"/>
           </a:xfrm>
           <a:prstGeom prst="rect">
             <a:avLst/>
@@ -10157,7 +11773,7 @@
                 <a:avLst/>
               </a:prstGeom>
               <a:blipFill rotWithShape="0">
-                <a:blip r:embed="rId4"/>
+                <a:blip r:embed="rId5"/>
                 <a:stretch>
                   <a:fillRect/>
                 </a:stretch>
@@ -10253,7 +11869,425 @@
                 <a:avLst/>
               </a:prstGeom>
               <a:blipFill rotWithShape="0">
-                <a:blip r:embed="rId5"/>
+                <a:blip r:embed="rId6"/>
+                <a:stretch>
+                  <a:fillRect/>
+                </a:stretch>
+              </a:blipFill>
+            </p:spPr>
+            <p:txBody>
+              <a:bodyPr/>
+              <a:lstStyle/>
+              <a:p>
+                <a:r>
+                  <a:rPr lang="zh-CN" altLang="en-US">
+                    <a:noFill/>
+                  </a:rPr>
+                  <a:t> </a:t>
+                </a:r>
+              </a:p>
+            </p:txBody>
+          </p:sp>
+        </mc:Fallback>
+      </mc:AlternateContent>
+      <mc:AlternateContent xmlns:mc="http://schemas.openxmlformats.org/markup-compatibility/2006">
+        <mc:Choice xmlns:a14="http://schemas.microsoft.com/office/drawing/2010/main" Requires="a14">
+          <p:sp>
+            <p:nvSpPr>
+              <p:cNvPr id="3" name="TextBox 2"/>
+              <p:cNvSpPr txBox="1"/>
+              <p:nvPr/>
+            </p:nvSpPr>
+            <p:spPr>
+              <a:xfrm>
+                <a:off x="2579604" y="5559552"/>
+                <a:ext cx="2304288" cy="430887"/>
+              </a:xfrm>
+              <a:prstGeom prst="rect">
+                <a:avLst/>
+              </a:prstGeom>
+              <a:noFill/>
+            </p:spPr>
+            <p:txBody>
+              <a:bodyPr wrap="square" rtlCol="0">
+                <a:spAutoFit/>
+              </a:bodyPr>
+              <a:lstStyle/>
+              <a:p>
+                <a14:m>
+                  <m:oMathPara xmlns:m="http://schemas.openxmlformats.org/officeDocument/2006/math">
+                    <m:oMathParaPr>
+                      <m:jc m:val="centerGroup"/>
+                    </m:oMathParaPr>
+                    <m:oMath xmlns:m="http://schemas.openxmlformats.org/officeDocument/2006/math">
+                      <m:r>
+                        <a:rPr lang="en-US" altLang="zh-CN" sz="2200" b="0" i="1" smtClean="0">
+                          <a:latin typeface="Cambria Math" panose="02040503050406030204" pitchFamily="18" charset="0"/>
+                        </a:rPr>
+                        <m:t>h</m:t>
+                      </m:r>
+                      <m:r>
+                        <a:rPr lang="en-US" altLang="zh-CN" sz="2200" b="0" i="1" smtClean="0">
+                          <a:latin typeface="Cambria Math" panose="02040503050406030204" pitchFamily="18" charset="0"/>
+                        </a:rPr>
+                        <m:t>/</m:t>
+                      </m:r>
+                      <m:r>
+                        <a:rPr lang="en-US" altLang="zh-CN" sz="2200" b="0" i="1" smtClean="0">
+                          <a:latin typeface="Cambria Math" panose="02040503050406030204" pitchFamily="18" charset="0"/>
+                        </a:rPr>
+                        <m:t>𝑎</m:t>
+                      </m:r>
+                    </m:oMath>
+                  </m:oMathPara>
+                </a14:m>
+                <a:endParaRPr lang="zh-CN" altLang="en-US" sz="2200" dirty="0"/>
+              </a:p>
+            </p:txBody>
+          </p:sp>
+        </mc:Choice>
+        <mc:Fallback>
+          <p:sp>
+            <p:nvSpPr>
+              <p:cNvPr id="3" name="TextBox 2"/>
+              <p:cNvSpPr txBox="1">
+                <a:spLocks noRot="1" noChangeAspect="1" noMove="1" noResize="1" noEditPoints="1" noAdjustHandles="1" noChangeArrowheads="1" noChangeShapeType="1" noTextEdit="1"/>
+              </p:cNvSpPr>
+              <p:nvPr/>
+            </p:nvSpPr>
+            <p:spPr>
+              <a:xfrm>
+                <a:off x="2579604" y="5559552"/>
+                <a:ext cx="2304288" cy="430887"/>
+              </a:xfrm>
+              <a:prstGeom prst="rect">
+                <a:avLst/>
+              </a:prstGeom>
+              <a:blipFill rotWithShape="0">
+                <a:blip r:embed="rId7"/>
+                <a:stretch>
+                  <a:fillRect b="-15493"/>
+                </a:stretch>
+              </a:blipFill>
+            </p:spPr>
+            <p:txBody>
+              <a:bodyPr/>
+              <a:lstStyle/>
+              <a:p>
+                <a:r>
+                  <a:rPr lang="zh-CN" altLang="en-US">
+                    <a:noFill/>
+                  </a:rPr>
+                  <a:t> </a:t>
+                </a:r>
+              </a:p>
+            </p:txBody>
+          </p:sp>
+        </mc:Fallback>
+      </mc:AlternateContent>
+      <mc:AlternateContent xmlns:mc="http://schemas.openxmlformats.org/markup-compatibility/2006">
+        <mc:Choice xmlns:a14="http://schemas.microsoft.com/office/drawing/2010/main" Requires="a14">
+          <p:sp>
+            <p:nvSpPr>
+              <p:cNvPr id="8" name="TextBox 7"/>
+              <p:cNvSpPr txBox="1"/>
+              <p:nvPr/>
+            </p:nvSpPr>
+            <p:spPr>
+              <a:xfrm>
+                <a:off x="7995372" y="5559552"/>
+                <a:ext cx="2304288" cy="430887"/>
+              </a:xfrm>
+              <a:prstGeom prst="rect">
+                <a:avLst/>
+              </a:prstGeom>
+              <a:noFill/>
+            </p:spPr>
+            <p:txBody>
+              <a:bodyPr wrap="square" rtlCol="0">
+                <a:spAutoFit/>
+              </a:bodyPr>
+              <a:lstStyle/>
+              <a:p>
+                <a14:m>
+                  <m:oMathPara xmlns:m="http://schemas.openxmlformats.org/officeDocument/2006/math">
+                    <m:oMathParaPr>
+                      <m:jc m:val="centerGroup"/>
+                    </m:oMathParaPr>
+                    <m:oMath xmlns:m="http://schemas.openxmlformats.org/officeDocument/2006/math">
+                      <m:r>
+                        <a:rPr lang="en-US" altLang="zh-CN" sz="2200" b="0" i="1" smtClean="0">
+                          <a:latin typeface="Cambria Math" panose="02040503050406030204" pitchFamily="18" charset="0"/>
+                        </a:rPr>
+                        <m:t>h</m:t>
+                      </m:r>
+                      <m:r>
+                        <a:rPr lang="en-US" altLang="zh-CN" sz="2200" b="0" i="1" smtClean="0">
+                          <a:latin typeface="Cambria Math" panose="02040503050406030204" pitchFamily="18" charset="0"/>
+                        </a:rPr>
+                        <m:t>/</m:t>
+                      </m:r>
+                      <m:r>
+                        <a:rPr lang="en-US" altLang="zh-CN" sz="2200" b="0" i="1" smtClean="0">
+                          <a:latin typeface="Cambria Math" panose="02040503050406030204" pitchFamily="18" charset="0"/>
+                        </a:rPr>
+                        <m:t>𝑎</m:t>
+                      </m:r>
+                    </m:oMath>
+                  </m:oMathPara>
+                </a14:m>
+                <a:endParaRPr lang="zh-CN" altLang="en-US" sz="2200" dirty="0"/>
+              </a:p>
+            </p:txBody>
+          </p:sp>
+        </mc:Choice>
+        <mc:Fallback>
+          <p:sp>
+            <p:nvSpPr>
+              <p:cNvPr id="8" name="TextBox 7"/>
+              <p:cNvSpPr txBox="1">
+                <a:spLocks noRot="1" noChangeAspect="1" noMove="1" noResize="1" noEditPoints="1" noAdjustHandles="1" noChangeArrowheads="1" noChangeShapeType="1" noTextEdit="1"/>
+              </p:cNvSpPr>
+              <p:nvPr/>
+            </p:nvSpPr>
+            <p:spPr>
+              <a:xfrm>
+                <a:off x="7995372" y="5559552"/>
+                <a:ext cx="2304288" cy="430887"/>
+              </a:xfrm>
+              <a:prstGeom prst="rect">
+                <a:avLst/>
+              </a:prstGeom>
+              <a:blipFill rotWithShape="0">
+                <a:blip r:embed="rId8"/>
+                <a:stretch>
+                  <a:fillRect b="-15493"/>
+                </a:stretch>
+              </a:blipFill>
+            </p:spPr>
+            <p:txBody>
+              <a:bodyPr/>
+              <a:lstStyle/>
+              <a:p>
+                <a:r>
+                  <a:rPr lang="zh-CN" altLang="en-US">
+                    <a:noFill/>
+                  </a:rPr>
+                  <a:t> </a:t>
+                </a:r>
+              </a:p>
+            </p:txBody>
+          </p:sp>
+        </mc:Fallback>
+      </mc:AlternateContent>
+      <mc:AlternateContent xmlns:mc="http://schemas.openxmlformats.org/markup-compatibility/2006">
+        <mc:Choice xmlns:a14="http://schemas.microsoft.com/office/drawing/2010/main" Requires="a14">
+          <p:sp>
+            <p:nvSpPr>
+              <p:cNvPr id="4" name="TextBox 3"/>
+              <p:cNvSpPr txBox="1"/>
+              <p:nvPr/>
+            </p:nvSpPr>
+            <p:spPr>
+              <a:xfrm rot="10800000">
+                <a:off x="702076" y="2483906"/>
+                <a:ext cx="523220" cy="2282428"/>
+              </a:xfrm>
+              <a:prstGeom prst="rect">
+                <a:avLst/>
+              </a:prstGeom>
+              <a:noFill/>
+            </p:spPr>
+            <p:txBody>
+              <a:bodyPr vert="eaVert" wrap="square" rtlCol="0">
+                <a:spAutoFit/>
+              </a:bodyPr>
+              <a:lstStyle/>
+              <a:p>
+                <a14:m>
+                  <m:oMathPara xmlns:m="http://schemas.openxmlformats.org/officeDocument/2006/math">
+                    <m:oMathParaPr>
+                      <m:jc m:val="centerGroup"/>
+                    </m:oMathParaPr>
+                    <m:oMath xmlns:m="http://schemas.openxmlformats.org/officeDocument/2006/math">
+                      <m:r>
+                        <a:rPr lang="en-US" altLang="zh-CN" sz="2200" b="0" i="1" smtClean="0">
+                          <a:latin typeface="Cambria Math" panose="02040503050406030204" pitchFamily="18" charset="0"/>
+                        </a:rPr>
+                        <m:t>𝐻</m:t>
+                      </m:r>
+                      <m:r>
+                        <a:rPr lang="en-US" altLang="zh-CN" sz="2200" b="0" i="1" smtClean="0">
+                          <a:latin typeface="Cambria Math" panose="02040503050406030204" pitchFamily="18" charset="0"/>
+                        </a:rPr>
+                        <m:t>/</m:t>
+                      </m:r>
+                      <m:sSub>
+                        <m:sSubPr>
+                          <m:ctrlPr>
+                            <a:rPr lang="en-US" altLang="zh-CN" sz="2200" b="0" i="1" smtClean="0">
+                              <a:latin typeface="Cambria Math" panose="02040503050406030204" pitchFamily="18" charset="0"/>
+                            </a:rPr>
+                          </m:ctrlPr>
+                        </m:sSubPr>
+                        <m:e>
+                          <m:r>
+                            <a:rPr lang="en-US" altLang="zh-CN" sz="2200" b="0" i="1" smtClean="0">
+                              <a:latin typeface="Cambria Math" panose="02040503050406030204" pitchFamily="18" charset="0"/>
+                            </a:rPr>
+                            <m:t>𝐻</m:t>
+                          </m:r>
+                        </m:e>
+                        <m:sub>
+                          <m:r>
+                            <a:rPr lang="en-US" altLang="zh-CN" sz="2200" b="0" i="1" smtClean="0">
+                              <a:latin typeface="Cambria Math" panose="02040503050406030204" pitchFamily="18" charset="0"/>
+                            </a:rPr>
+                            <m:t>0</m:t>
+                          </m:r>
+                        </m:sub>
+                      </m:sSub>
+                    </m:oMath>
+                  </m:oMathPara>
+                </a14:m>
+                <a:endParaRPr lang="zh-CN" altLang="en-US" sz="2200" dirty="0"/>
+              </a:p>
+            </p:txBody>
+          </p:sp>
+        </mc:Choice>
+        <mc:Fallback>
+          <p:sp>
+            <p:nvSpPr>
+              <p:cNvPr id="4" name="TextBox 3"/>
+              <p:cNvSpPr txBox="1">
+                <a:spLocks noRot="1" noChangeAspect="1" noMove="1" noResize="1" noEditPoints="1" noAdjustHandles="1" noChangeArrowheads="1" noChangeShapeType="1" noTextEdit="1"/>
+              </p:cNvSpPr>
+              <p:nvPr/>
+            </p:nvSpPr>
+            <p:spPr>
+              <a:xfrm rot="10800000">
+                <a:off x="702076" y="2483906"/>
+                <a:ext cx="523220" cy="2282428"/>
+              </a:xfrm>
+              <a:prstGeom prst="rect">
+                <a:avLst/>
+              </a:prstGeom>
+              <a:blipFill rotWithShape="0">
+                <a:blip r:embed="rId9"/>
+                <a:stretch>
+                  <a:fillRect/>
+                </a:stretch>
+              </a:blipFill>
+            </p:spPr>
+            <p:txBody>
+              <a:bodyPr/>
+              <a:lstStyle/>
+              <a:p>
+                <a:r>
+                  <a:rPr lang="zh-CN" altLang="en-US">
+                    <a:noFill/>
+                  </a:rPr>
+                  <a:t> </a:t>
+                </a:r>
+              </a:p>
+            </p:txBody>
+          </p:sp>
+        </mc:Fallback>
+      </mc:AlternateContent>
+      <mc:AlternateContent xmlns:mc="http://schemas.openxmlformats.org/markup-compatibility/2006">
+        <mc:Choice xmlns:a14="http://schemas.microsoft.com/office/drawing/2010/main" Requires="a14">
+          <p:sp>
+            <p:nvSpPr>
+              <p:cNvPr id="13" name="TextBox 12"/>
+              <p:cNvSpPr txBox="1"/>
+              <p:nvPr/>
+            </p:nvSpPr>
+            <p:spPr>
+              <a:xfrm rot="10800000">
+                <a:off x="6096000" y="2483906"/>
+                <a:ext cx="523220" cy="2282428"/>
+              </a:xfrm>
+              <a:prstGeom prst="rect">
+                <a:avLst/>
+              </a:prstGeom>
+              <a:noFill/>
+            </p:spPr>
+            <p:txBody>
+              <a:bodyPr vert="eaVert" wrap="square" rtlCol="0">
+                <a:spAutoFit/>
+              </a:bodyPr>
+              <a:lstStyle/>
+              <a:p>
+                <a14:m>
+                  <m:oMathPara xmlns:m="http://schemas.openxmlformats.org/officeDocument/2006/math">
+                    <m:oMathParaPr>
+                      <m:jc m:val="centerGroup"/>
+                    </m:oMathParaPr>
+                    <m:oMath xmlns:m="http://schemas.openxmlformats.org/officeDocument/2006/math">
+                      <m:r>
+                        <a:rPr lang="en-US" altLang="zh-CN" sz="2200" b="0" i="1" smtClean="0">
+                          <a:latin typeface="Cambria Math" panose="02040503050406030204" pitchFamily="18" charset="0"/>
+                        </a:rPr>
+                        <m:t>𝐻</m:t>
+                      </m:r>
+                      <m:r>
+                        <a:rPr lang="en-US" altLang="zh-CN" sz="2200" b="0" i="1" smtClean="0">
+                          <a:latin typeface="Cambria Math" panose="02040503050406030204" pitchFamily="18" charset="0"/>
+                        </a:rPr>
+                        <m:t>/</m:t>
+                      </m:r>
+                      <m:sSub>
+                        <m:sSubPr>
+                          <m:ctrlPr>
+                            <a:rPr lang="en-US" altLang="zh-CN" sz="2200" b="0" i="1" smtClean="0">
+                              <a:latin typeface="Cambria Math" panose="02040503050406030204" pitchFamily="18" charset="0"/>
+                            </a:rPr>
+                          </m:ctrlPr>
+                        </m:sSubPr>
+                        <m:e>
+                          <m:r>
+                            <a:rPr lang="en-US" altLang="zh-CN" sz="2200" b="0" i="1" smtClean="0">
+                              <a:latin typeface="Cambria Math" panose="02040503050406030204" pitchFamily="18" charset="0"/>
+                            </a:rPr>
+                            <m:t>𝐻</m:t>
+                          </m:r>
+                        </m:e>
+                        <m:sub>
+                          <m:r>
+                            <a:rPr lang="en-US" altLang="zh-CN" sz="2200" b="0" i="1" smtClean="0">
+                              <a:latin typeface="Cambria Math" panose="02040503050406030204" pitchFamily="18" charset="0"/>
+                            </a:rPr>
+                            <m:t>0</m:t>
+                          </m:r>
+                        </m:sub>
+                      </m:sSub>
+                    </m:oMath>
+                  </m:oMathPara>
+                </a14:m>
+                <a:endParaRPr lang="zh-CN" altLang="en-US" sz="2200" dirty="0"/>
+              </a:p>
+            </p:txBody>
+          </p:sp>
+        </mc:Choice>
+        <mc:Fallback>
+          <p:sp>
+            <p:nvSpPr>
+              <p:cNvPr id="13" name="TextBox 12"/>
+              <p:cNvSpPr txBox="1">
+                <a:spLocks noRot="1" noChangeAspect="1" noMove="1" noResize="1" noEditPoints="1" noAdjustHandles="1" noChangeArrowheads="1" noChangeShapeType="1" noTextEdit="1"/>
+              </p:cNvSpPr>
+              <p:nvPr/>
+            </p:nvSpPr>
+            <p:spPr>
+              <a:xfrm rot="10800000">
+                <a:off x="6096000" y="2483906"/>
+                <a:ext cx="523220" cy="2282428"/>
+              </a:xfrm>
+              <a:prstGeom prst="rect">
+                <a:avLst/>
+              </a:prstGeom>
+              <a:blipFill rotWithShape="0">
+                <a:blip r:embed="rId10"/>
                 <a:stretch>
                   <a:fillRect/>
                 </a:stretch>
@@ -10344,22 +12378,21 @@
             <p:ph idx="1"/>
           </p:nvPr>
         </p:nvPicPr>
-        <p:blipFill>
-          <a:blip r:embed="rId2">
+        <p:blipFill rotWithShape="1">
+          <a:blip r:embed="rId3">
             <a:extLst>
               <a:ext uri="{28A0092B-C50C-407E-A947-70E740481C1C}">
                 <a14:useLocalDpi xmlns:a14="http://schemas.microsoft.com/office/drawing/2010/main" val="0"/>
               </a:ext>
             </a:extLst>
           </a:blip>
-          <a:stretch>
-            <a:fillRect/>
-          </a:stretch>
+          <a:srcRect l="7507" b="4473"/>
+          <a:stretch/>
         </p:blipFill>
         <p:spPr>
           <a:xfrm>
-            <a:off x="838200" y="1690688"/>
-            <a:ext cx="5400000" cy="4050000"/>
+            <a:off x="1243584" y="1690688"/>
+            <a:ext cx="4994616" cy="3868864"/>
           </a:xfrm>
         </p:spPr>
       </p:pic>
@@ -10371,22 +12404,21 @@
           </p:cNvPicPr>
           <p:nvPr/>
         </p:nvPicPr>
-        <p:blipFill>
-          <a:blip r:embed="rId3">
+        <p:blipFill rotWithShape="1">
+          <a:blip r:embed="rId4">
             <a:extLst>
               <a:ext uri="{28A0092B-C50C-407E-A947-70E740481C1C}">
                 <a14:useLocalDpi xmlns:a14="http://schemas.microsoft.com/office/drawing/2010/main" val="0"/>
               </a:ext>
             </a:extLst>
           </a:blip>
-          <a:stretch>
-            <a:fillRect/>
-          </a:stretch>
+          <a:srcRect l="7752" b="4473"/>
+          <a:stretch/>
         </p:blipFill>
         <p:spPr>
           <a:xfrm>
-            <a:off x="6238200" y="1690688"/>
-            <a:ext cx="5400000" cy="4050000"/>
+            <a:off x="6656832" y="1690688"/>
+            <a:ext cx="4981368" cy="3868864"/>
           </a:xfrm>
           <a:prstGeom prst="rect">
             <a:avLst/>
@@ -10468,7 +12500,7 @@
                 <a:avLst/>
               </a:prstGeom>
               <a:blipFill rotWithShape="0">
-                <a:blip r:embed="rId4"/>
+                <a:blip r:embed="rId5"/>
                 <a:stretch>
                   <a:fillRect/>
                 </a:stretch>
@@ -10564,7 +12596,425 @@
                 <a:avLst/>
               </a:prstGeom>
               <a:blipFill rotWithShape="0">
+                <a:blip r:embed="rId6"/>
+                <a:stretch>
+                  <a:fillRect/>
+                </a:stretch>
+              </a:blipFill>
+            </p:spPr>
+            <p:txBody>
+              <a:bodyPr/>
+              <a:lstStyle/>
+              <a:p>
+                <a:r>
+                  <a:rPr lang="zh-CN" altLang="en-US">
+                    <a:noFill/>
+                  </a:rPr>
+                  <a:t> </a:t>
+                </a:r>
+              </a:p>
+            </p:txBody>
+          </p:sp>
+        </mc:Fallback>
+      </mc:AlternateContent>
+      <mc:AlternateContent xmlns:mc="http://schemas.openxmlformats.org/markup-compatibility/2006">
+        <mc:Choice xmlns:a14="http://schemas.microsoft.com/office/drawing/2010/main" Requires="a14">
+          <p:sp>
+            <p:nvSpPr>
+              <p:cNvPr id="7" name="TextBox 6"/>
+              <p:cNvSpPr txBox="1"/>
+              <p:nvPr/>
+            </p:nvSpPr>
+            <p:spPr>
+              <a:xfrm>
+                <a:off x="2579604" y="5559552"/>
+                <a:ext cx="2304288" cy="430887"/>
+              </a:xfrm>
+              <a:prstGeom prst="rect">
+                <a:avLst/>
+              </a:prstGeom>
+              <a:noFill/>
+            </p:spPr>
+            <p:txBody>
+              <a:bodyPr wrap="square" rtlCol="0">
+                <a:spAutoFit/>
+              </a:bodyPr>
+              <a:lstStyle/>
+              <a:p>
+                <a14:m>
+                  <m:oMathPara xmlns:m="http://schemas.openxmlformats.org/officeDocument/2006/math">
+                    <m:oMathParaPr>
+                      <m:jc m:val="centerGroup"/>
+                    </m:oMathParaPr>
+                    <m:oMath xmlns:m="http://schemas.openxmlformats.org/officeDocument/2006/math">
+                      <m:r>
+                        <a:rPr lang="en-US" altLang="zh-CN" sz="2200" b="0" i="1" smtClean="0">
+                          <a:latin typeface="Cambria Math" panose="02040503050406030204" pitchFamily="18" charset="0"/>
+                        </a:rPr>
+                        <m:t>h</m:t>
+                      </m:r>
+                      <m:r>
+                        <a:rPr lang="en-US" altLang="zh-CN" sz="2200" b="0" i="1" smtClean="0">
+                          <a:latin typeface="Cambria Math" panose="02040503050406030204" pitchFamily="18" charset="0"/>
+                        </a:rPr>
+                        <m:t>/</m:t>
+                      </m:r>
+                      <m:r>
+                        <a:rPr lang="en-US" altLang="zh-CN" sz="2200" b="0" i="1" smtClean="0">
+                          <a:latin typeface="Cambria Math" panose="02040503050406030204" pitchFamily="18" charset="0"/>
+                        </a:rPr>
+                        <m:t>𝑎</m:t>
+                      </m:r>
+                    </m:oMath>
+                  </m:oMathPara>
+                </a14:m>
+                <a:endParaRPr lang="zh-CN" altLang="en-US" sz="2200" dirty="0"/>
+              </a:p>
+            </p:txBody>
+          </p:sp>
+        </mc:Choice>
+        <mc:Fallback>
+          <p:sp>
+            <p:nvSpPr>
+              <p:cNvPr id="7" name="TextBox 6"/>
+              <p:cNvSpPr txBox="1">
+                <a:spLocks noRot="1" noChangeAspect="1" noMove="1" noResize="1" noEditPoints="1" noAdjustHandles="1" noChangeArrowheads="1" noChangeShapeType="1" noTextEdit="1"/>
+              </p:cNvSpPr>
+              <p:nvPr/>
+            </p:nvSpPr>
+            <p:spPr>
+              <a:xfrm>
+                <a:off x="2579604" y="5559552"/>
+                <a:ext cx="2304288" cy="430887"/>
+              </a:xfrm>
+              <a:prstGeom prst="rect">
+                <a:avLst/>
+              </a:prstGeom>
+              <a:blipFill rotWithShape="0">
+                <a:blip r:embed="rId7"/>
+                <a:stretch>
+                  <a:fillRect b="-15493"/>
+                </a:stretch>
+              </a:blipFill>
+            </p:spPr>
+            <p:txBody>
+              <a:bodyPr/>
+              <a:lstStyle/>
+              <a:p>
+                <a:r>
+                  <a:rPr lang="zh-CN" altLang="en-US">
+                    <a:noFill/>
+                  </a:rPr>
+                  <a:t> </a:t>
+                </a:r>
+              </a:p>
+            </p:txBody>
+          </p:sp>
+        </mc:Fallback>
+      </mc:AlternateContent>
+      <mc:AlternateContent xmlns:mc="http://schemas.openxmlformats.org/markup-compatibility/2006">
+        <mc:Choice xmlns:a14="http://schemas.microsoft.com/office/drawing/2010/main" Requires="a14">
+          <p:sp>
+            <p:nvSpPr>
+              <p:cNvPr id="9" name="TextBox 8"/>
+              <p:cNvSpPr txBox="1"/>
+              <p:nvPr/>
+            </p:nvSpPr>
+            <p:spPr>
+              <a:xfrm>
+                <a:off x="7995372" y="5559552"/>
+                <a:ext cx="2304288" cy="430887"/>
+              </a:xfrm>
+              <a:prstGeom prst="rect">
+                <a:avLst/>
+              </a:prstGeom>
+              <a:noFill/>
+            </p:spPr>
+            <p:txBody>
+              <a:bodyPr wrap="square" rtlCol="0">
+                <a:spAutoFit/>
+              </a:bodyPr>
+              <a:lstStyle/>
+              <a:p>
+                <a14:m>
+                  <m:oMathPara xmlns:m="http://schemas.openxmlformats.org/officeDocument/2006/math">
+                    <m:oMathParaPr>
+                      <m:jc m:val="centerGroup"/>
+                    </m:oMathParaPr>
+                    <m:oMath xmlns:m="http://schemas.openxmlformats.org/officeDocument/2006/math">
+                      <m:r>
+                        <a:rPr lang="en-US" altLang="zh-CN" sz="2200" b="0" i="1" smtClean="0">
+                          <a:latin typeface="Cambria Math" panose="02040503050406030204" pitchFamily="18" charset="0"/>
+                        </a:rPr>
+                        <m:t>h</m:t>
+                      </m:r>
+                      <m:r>
+                        <a:rPr lang="en-US" altLang="zh-CN" sz="2200" b="0" i="1" smtClean="0">
+                          <a:latin typeface="Cambria Math" panose="02040503050406030204" pitchFamily="18" charset="0"/>
+                        </a:rPr>
+                        <m:t>/</m:t>
+                      </m:r>
+                      <m:r>
+                        <a:rPr lang="en-US" altLang="zh-CN" sz="2200" b="0" i="1" smtClean="0">
+                          <a:latin typeface="Cambria Math" panose="02040503050406030204" pitchFamily="18" charset="0"/>
+                        </a:rPr>
+                        <m:t>𝑎</m:t>
+                      </m:r>
+                    </m:oMath>
+                  </m:oMathPara>
+                </a14:m>
+                <a:endParaRPr lang="zh-CN" altLang="en-US" sz="2200" dirty="0"/>
+              </a:p>
+            </p:txBody>
+          </p:sp>
+        </mc:Choice>
+        <mc:Fallback>
+          <p:sp>
+            <p:nvSpPr>
+              <p:cNvPr id="9" name="TextBox 8"/>
+              <p:cNvSpPr txBox="1">
+                <a:spLocks noRot="1" noChangeAspect="1" noMove="1" noResize="1" noEditPoints="1" noAdjustHandles="1" noChangeArrowheads="1" noChangeShapeType="1" noTextEdit="1"/>
+              </p:cNvSpPr>
+              <p:nvPr/>
+            </p:nvSpPr>
+            <p:spPr>
+              <a:xfrm>
+                <a:off x="7995372" y="5559552"/>
+                <a:ext cx="2304288" cy="430887"/>
+              </a:xfrm>
+              <a:prstGeom prst="rect">
+                <a:avLst/>
+              </a:prstGeom>
+              <a:blipFill rotWithShape="0">
+                <a:blip r:embed="rId8"/>
+                <a:stretch>
+                  <a:fillRect b="-15493"/>
+                </a:stretch>
+              </a:blipFill>
+            </p:spPr>
+            <p:txBody>
+              <a:bodyPr/>
+              <a:lstStyle/>
+              <a:p>
+                <a:r>
+                  <a:rPr lang="zh-CN" altLang="en-US">
+                    <a:noFill/>
+                  </a:rPr>
+                  <a:t> </a:t>
+                </a:r>
+              </a:p>
+            </p:txBody>
+          </p:sp>
+        </mc:Fallback>
+      </mc:AlternateContent>
+      <mc:AlternateContent xmlns:mc="http://schemas.openxmlformats.org/markup-compatibility/2006">
+        <mc:Choice xmlns:a14="http://schemas.microsoft.com/office/drawing/2010/main" Requires="a14">
+          <p:sp>
+            <p:nvSpPr>
+              <p:cNvPr id="10" name="TextBox 9"/>
+              <p:cNvSpPr txBox="1"/>
+              <p:nvPr/>
+            </p:nvSpPr>
+            <p:spPr>
+              <a:xfrm rot="10800000">
+                <a:off x="702076" y="2483906"/>
+                <a:ext cx="523220" cy="2282428"/>
+              </a:xfrm>
+              <a:prstGeom prst="rect">
+                <a:avLst/>
+              </a:prstGeom>
+              <a:noFill/>
+            </p:spPr>
+            <p:txBody>
+              <a:bodyPr vert="eaVert" wrap="square" rtlCol="0">
+                <a:spAutoFit/>
+              </a:bodyPr>
+              <a:lstStyle/>
+              <a:p>
+                <a14:m>
+                  <m:oMathPara xmlns:m="http://schemas.openxmlformats.org/officeDocument/2006/math">
+                    <m:oMathParaPr>
+                      <m:jc m:val="centerGroup"/>
+                    </m:oMathParaPr>
+                    <m:oMath xmlns:m="http://schemas.openxmlformats.org/officeDocument/2006/math">
+                      <m:r>
+                        <a:rPr lang="en-US" altLang="zh-CN" sz="2200" b="0" i="1" smtClean="0">
+                          <a:latin typeface="Cambria Math" panose="02040503050406030204" pitchFamily="18" charset="0"/>
+                        </a:rPr>
+                        <m:t>𝐻</m:t>
+                      </m:r>
+                      <m:r>
+                        <a:rPr lang="en-US" altLang="zh-CN" sz="2200" b="0" i="1" smtClean="0">
+                          <a:latin typeface="Cambria Math" panose="02040503050406030204" pitchFamily="18" charset="0"/>
+                        </a:rPr>
+                        <m:t>/</m:t>
+                      </m:r>
+                      <m:sSub>
+                        <m:sSubPr>
+                          <m:ctrlPr>
+                            <a:rPr lang="en-US" altLang="zh-CN" sz="2200" b="0" i="1" smtClean="0">
+                              <a:latin typeface="Cambria Math" panose="02040503050406030204" pitchFamily="18" charset="0"/>
+                            </a:rPr>
+                          </m:ctrlPr>
+                        </m:sSubPr>
+                        <m:e>
+                          <m:r>
+                            <a:rPr lang="en-US" altLang="zh-CN" sz="2200" b="0" i="1" smtClean="0">
+                              <a:latin typeface="Cambria Math" panose="02040503050406030204" pitchFamily="18" charset="0"/>
+                            </a:rPr>
+                            <m:t>𝐻</m:t>
+                          </m:r>
+                        </m:e>
+                        <m:sub>
+                          <m:r>
+                            <a:rPr lang="en-US" altLang="zh-CN" sz="2200" b="0" i="1" smtClean="0">
+                              <a:latin typeface="Cambria Math" panose="02040503050406030204" pitchFamily="18" charset="0"/>
+                            </a:rPr>
+                            <m:t>0</m:t>
+                          </m:r>
+                        </m:sub>
+                      </m:sSub>
+                    </m:oMath>
+                  </m:oMathPara>
+                </a14:m>
+                <a:endParaRPr lang="zh-CN" altLang="en-US" sz="2200" dirty="0"/>
+              </a:p>
+            </p:txBody>
+          </p:sp>
+        </mc:Choice>
+        <mc:Fallback>
+          <p:sp>
+            <p:nvSpPr>
+              <p:cNvPr id="10" name="TextBox 9"/>
+              <p:cNvSpPr txBox="1">
+                <a:spLocks noRot="1" noChangeAspect="1" noMove="1" noResize="1" noEditPoints="1" noAdjustHandles="1" noChangeArrowheads="1" noChangeShapeType="1" noTextEdit="1"/>
+              </p:cNvSpPr>
+              <p:nvPr/>
+            </p:nvSpPr>
+            <p:spPr>
+              <a:xfrm rot="10800000">
+                <a:off x="702076" y="2483906"/>
+                <a:ext cx="523220" cy="2282428"/>
+              </a:xfrm>
+              <a:prstGeom prst="rect">
+                <a:avLst/>
+              </a:prstGeom>
+              <a:blipFill rotWithShape="0">
                 <a:blip r:embed="rId5"/>
+                <a:stretch>
+                  <a:fillRect/>
+                </a:stretch>
+              </a:blipFill>
+            </p:spPr>
+            <p:txBody>
+              <a:bodyPr/>
+              <a:lstStyle/>
+              <a:p>
+                <a:r>
+                  <a:rPr lang="zh-CN" altLang="en-US">
+                    <a:noFill/>
+                  </a:rPr>
+                  <a:t> </a:t>
+                </a:r>
+              </a:p>
+            </p:txBody>
+          </p:sp>
+        </mc:Fallback>
+      </mc:AlternateContent>
+      <mc:AlternateContent xmlns:mc="http://schemas.openxmlformats.org/markup-compatibility/2006">
+        <mc:Choice xmlns:a14="http://schemas.microsoft.com/office/drawing/2010/main" Requires="a14">
+          <p:sp>
+            <p:nvSpPr>
+              <p:cNvPr id="12" name="TextBox 11"/>
+              <p:cNvSpPr txBox="1"/>
+              <p:nvPr/>
+            </p:nvSpPr>
+            <p:spPr>
+              <a:xfrm rot="10800000">
+                <a:off x="6096000" y="2483906"/>
+                <a:ext cx="523220" cy="2282428"/>
+              </a:xfrm>
+              <a:prstGeom prst="rect">
+                <a:avLst/>
+              </a:prstGeom>
+              <a:noFill/>
+            </p:spPr>
+            <p:txBody>
+              <a:bodyPr vert="eaVert" wrap="square" rtlCol="0">
+                <a:spAutoFit/>
+              </a:bodyPr>
+              <a:lstStyle/>
+              <a:p>
+                <a14:m>
+                  <m:oMathPara xmlns:m="http://schemas.openxmlformats.org/officeDocument/2006/math">
+                    <m:oMathParaPr>
+                      <m:jc m:val="centerGroup"/>
+                    </m:oMathParaPr>
+                    <m:oMath xmlns:m="http://schemas.openxmlformats.org/officeDocument/2006/math">
+                      <m:r>
+                        <a:rPr lang="en-US" altLang="zh-CN" sz="2200" b="0" i="1" smtClean="0">
+                          <a:latin typeface="Cambria Math" panose="02040503050406030204" pitchFamily="18" charset="0"/>
+                        </a:rPr>
+                        <m:t>𝐻</m:t>
+                      </m:r>
+                      <m:r>
+                        <a:rPr lang="en-US" altLang="zh-CN" sz="2200" b="0" i="1" smtClean="0">
+                          <a:latin typeface="Cambria Math" panose="02040503050406030204" pitchFamily="18" charset="0"/>
+                        </a:rPr>
+                        <m:t>/</m:t>
+                      </m:r>
+                      <m:sSub>
+                        <m:sSubPr>
+                          <m:ctrlPr>
+                            <a:rPr lang="en-US" altLang="zh-CN" sz="2200" b="0" i="1" smtClean="0">
+                              <a:latin typeface="Cambria Math" panose="02040503050406030204" pitchFamily="18" charset="0"/>
+                            </a:rPr>
+                          </m:ctrlPr>
+                        </m:sSubPr>
+                        <m:e>
+                          <m:r>
+                            <a:rPr lang="en-US" altLang="zh-CN" sz="2200" b="0" i="1" smtClean="0">
+                              <a:latin typeface="Cambria Math" panose="02040503050406030204" pitchFamily="18" charset="0"/>
+                            </a:rPr>
+                            <m:t>𝐻</m:t>
+                          </m:r>
+                        </m:e>
+                        <m:sub>
+                          <m:r>
+                            <a:rPr lang="en-US" altLang="zh-CN" sz="2200" b="0" i="1" smtClean="0">
+                              <a:latin typeface="Cambria Math" panose="02040503050406030204" pitchFamily="18" charset="0"/>
+                            </a:rPr>
+                            <m:t>0</m:t>
+                          </m:r>
+                        </m:sub>
+                      </m:sSub>
+                    </m:oMath>
+                  </m:oMathPara>
+                </a14:m>
+                <a:endParaRPr lang="zh-CN" altLang="en-US" sz="2200" dirty="0"/>
+              </a:p>
+            </p:txBody>
+          </p:sp>
+        </mc:Choice>
+        <mc:Fallback>
+          <p:sp>
+            <p:nvSpPr>
+              <p:cNvPr id="12" name="TextBox 11"/>
+              <p:cNvSpPr txBox="1">
+                <a:spLocks noRot="1" noChangeAspect="1" noMove="1" noResize="1" noEditPoints="1" noAdjustHandles="1" noChangeArrowheads="1" noChangeShapeType="1" noTextEdit="1"/>
+              </p:cNvSpPr>
+              <p:nvPr/>
+            </p:nvSpPr>
+            <p:spPr>
+              <a:xfrm rot="10800000">
+                <a:off x="6096000" y="2483906"/>
+                <a:ext cx="523220" cy="2282428"/>
+              </a:xfrm>
+              <a:prstGeom prst="rect">
+                <a:avLst/>
+              </a:prstGeom>
+              <a:blipFill rotWithShape="0">
+                <a:blip r:embed="rId6"/>
                 <a:stretch>
                   <a:fillRect/>
                 </a:stretch>
@@ -10685,7 +13135,7 @@
             </p:nvSpPr>
             <p:spPr>
               <a:blipFill rotWithShape="0">
-                <a:blip r:embed="rId2"/>
+                <a:blip r:embed="rId3"/>
                 <a:stretch>
                   <a:fillRect l="-2377"/>
                 </a:stretch>
@@ -10978,7 +13428,7 @@
                 <a:avLst/>
               </a:prstGeom>
               <a:blipFill rotWithShape="0">
-                <a:blip r:embed="rId3"/>
+                <a:blip r:embed="rId4"/>
                 <a:stretch>
                   <a:fillRect/>
                 </a:stretch>
@@ -11068,7 +13518,7 @@
                 <a:avLst/>
               </a:prstGeom>
               <a:blipFill rotWithShape="0">
-                <a:blip r:embed="rId4"/>
+                <a:blip r:embed="rId5"/>
                 <a:stretch>
                   <a:fillRect/>
                 </a:stretch>
@@ -11798,7 +14248,7 @@
                 <a:avLst/>
               </a:prstGeom>
               <a:blipFill rotWithShape="0">
-                <a:blip r:embed="rId5"/>
+                <a:blip r:embed="rId6"/>
                 <a:stretch>
                   <a:fillRect/>
                 </a:stretch>
@@ -11819,6 +14269,50 @@
           </p:sp>
         </mc:Fallback>
       </mc:AlternateContent>
+      <p:sp>
+        <p:nvSpPr>
+          <p:cNvPr id="18" name="Oval 17"/>
+          <p:cNvSpPr/>
+          <p:nvPr/>
+        </p:nvSpPr>
+        <p:spPr>
+          <a:xfrm>
+            <a:off x="9278112" y="1614888"/>
+            <a:ext cx="585216" cy="673517"/>
+          </a:xfrm>
+          <a:prstGeom prst="ellipse">
+            <a:avLst/>
+          </a:prstGeom>
+          <a:noFill/>
+          <a:ln>
+            <a:solidFill>
+              <a:srgbClr val="FF0000"/>
+            </a:solidFill>
+          </a:ln>
+        </p:spPr>
+        <p:style>
+          <a:lnRef idx="2">
+            <a:schemeClr val="accent6"/>
+          </a:lnRef>
+          <a:fillRef idx="1">
+            <a:schemeClr val="lt1"/>
+          </a:fillRef>
+          <a:effectRef idx="0">
+            <a:schemeClr val="accent6"/>
+          </a:effectRef>
+          <a:fontRef idx="minor">
+            <a:schemeClr val="dk1"/>
+          </a:fontRef>
+        </p:style>
+        <p:txBody>
+          <a:bodyPr rtlCol="0" anchor="ctr"/>
+          <a:lstStyle/>
+          <a:p>
+            <a:pPr algn="ctr"/>
+            <a:endParaRPr lang="zh-CN" altLang="en-US"/>
+          </a:p>
+        </p:txBody>
+      </p:sp>
       <mc:AlternateContent xmlns:mc="http://schemas.openxmlformats.org/markup-compatibility/2006" xmlns:a14="http://schemas.microsoft.com/office/drawing/2010/main">
         <mc:Choice Requires="a14">
           <p:graphicFrame>
@@ -11830,14 +14324,14 @@
               <p:nvPr>
                 <p:extLst>
                   <p:ext uri="{D42A27DB-BD31-4B8C-83A1-F6EECF244321}">
-                    <p14:modId xmlns:p14="http://schemas.microsoft.com/office/powerpoint/2010/main" val="2317742579"/>
+                    <p14:modId xmlns:p14="http://schemas.microsoft.com/office/powerpoint/2010/main" val="628611832"/>
                   </p:ext>
                 </p:extLst>
               </p:nvPr>
             </p:nvGraphicFramePr>
             <p:xfrm>
-              <a:off x="4510274" y="3343012"/>
-              <a:ext cx="7439918" cy="3090363"/>
+              <a:off x="4206240" y="3343012"/>
+              <a:ext cx="7743952" cy="3090363"/>
             </p:xfrm>
             <a:graphic>
               <a:graphicData uri="http://schemas.openxmlformats.org/drawingml/2006/table">
@@ -11846,9 +14340,9 @@
                     <a:tableStyleId>{2D5ABB26-0587-4C30-8999-92F81FD0307C}</a:tableStyleId>
                   </a:tblPr>
                   <a:tblGrid>
-                    <a:gridCol w="1369318"/>
-                    <a:gridCol w="2006600"/>
-                    <a:gridCol w="4064000"/>
+                    <a:gridCol w="1425276"/>
+                    <a:gridCol w="1878756"/>
+                    <a:gridCol w="4439920"/>
                   </a:tblGrid>
                   <a:tr h="608763">
                     <a:tc>
@@ -12781,7 +15275,7 @@
                                       </m:sub>
                                     </m:sSub>
                                     <m:r>
-                                      <a:rPr lang="en-US" altLang="zh-CN" smtClean="0">
+                                      <a:rPr lang="en-US" altLang="zh-CN" b="0" i="1" smtClean="0">
                                         <a:latin typeface="Cambria Math" panose="02040503050406030204" pitchFamily="18" charset="0"/>
                                       </a:rPr>
                                       <m:t>+</m:t>
@@ -13082,14 +15576,14 @@
               <p:nvPr>
                 <p:extLst>
                   <p:ext uri="{D42A27DB-BD31-4B8C-83A1-F6EECF244321}">
-                    <p14:modId xmlns:p14="http://schemas.microsoft.com/office/powerpoint/2010/main" val="2317742579"/>
+                    <p14:modId xmlns:p14="http://schemas.microsoft.com/office/powerpoint/2010/main" val="628611832"/>
                   </p:ext>
                 </p:extLst>
               </p:nvPr>
             </p:nvGraphicFramePr>
             <p:xfrm>
-              <a:off x="4510274" y="3343012"/>
-              <a:ext cx="7439918" cy="3090363"/>
+              <a:off x="4206240" y="3343012"/>
+              <a:ext cx="7743952" cy="3090363"/>
             </p:xfrm>
             <a:graphic>
               <a:graphicData uri="http://schemas.openxmlformats.org/drawingml/2006/table">
@@ -13098,9 +15592,9 @@
                     <a:tableStyleId>{2D5ABB26-0587-4C30-8999-92F81FD0307C}</a:tableStyleId>
                   </a:tblPr>
                   <a:tblGrid>
-                    <a:gridCol w="1369318"/>
-                    <a:gridCol w="2006600"/>
-                    <a:gridCol w="4064000"/>
+                    <a:gridCol w="1425276"/>
+                    <a:gridCol w="1878756"/>
+                    <a:gridCol w="4439920"/>
                   </a:tblGrid>
                   <a:tr h="608763">
                     <a:tc>
@@ -13196,9 +15690,9 @@
                           <a:tailEnd type="none" w="med" len="med"/>
                         </a:lnB>
                         <a:blipFill rotWithShape="0">
-                          <a:blip r:embed="rId6"/>
+                          <a:blip r:embed="rId7"/>
                           <a:stretch>
-                            <a:fillRect l="-68693" t="-1000" r="-203647" b="-410000"/>
+                            <a:fillRect l="-76623" t="-1000" r="-237338" b="-410000"/>
                           </a:stretch>
                         </a:blipFill>
                       </a:tcPr>
@@ -13249,9 +15743,9 @@
                           <a:tailEnd type="none" w="med" len="med"/>
                         </a:lnB>
                         <a:blipFill rotWithShape="0">
-                          <a:blip r:embed="rId6"/>
+                          <a:blip r:embed="rId7"/>
                           <a:stretch>
-                            <a:fillRect l="-83084" t="-1000" r="-299" b="-410000"/>
+                            <a:fillRect l="-74623" t="-1000" r="-274" b="-410000"/>
                           </a:stretch>
                         </a:blipFill>
                       </a:tcPr>
@@ -13356,9 +15850,9 @@
                           <a:tailEnd type="none" w="med" len="med"/>
                         </a:lnB>
                         <a:blipFill rotWithShape="0">
-                          <a:blip r:embed="rId6"/>
+                          <a:blip r:embed="rId7"/>
                           <a:stretch>
-                            <a:fillRect l="-68693" t="-54595" r="-203647" b="-121622"/>
+                            <a:fillRect l="-76623" t="-54595" r="-237338" b="-121622"/>
                           </a:stretch>
                         </a:blipFill>
                       </a:tcPr>
@@ -13409,9 +15903,9 @@
                           <a:tailEnd type="none" w="med" len="med"/>
                         </a:lnB>
                         <a:blipFill rotWithShape="0">
-                          <a:blip r:embed="rId6"/>
+                          <a:blip r:embed="rId7"/>
                           <a:stretch>
-                            <a:fillRect l="-83084" t="-54595" r="-299" b="-121622"/>
+                            <a:fillRect l="-74623" t="-54595" r="-274" b="-121622"/>
                           </a:stretch>
                         </a:blipFill>
                       </a:tcPr>
@@ -13516,9 +16010,9 @@
                           <a:tailEnd type="none" w="med" len="med"/>
                         </a:lnB>
                         <a:blipFill rotWithShape="0">
-                          <a:blip r:embed="rId6"/>
+                          <a:blip r:embed="rId7"/>
                           <a:stretch>
-                            <a:fillRect l="-68693" t="-128251" r="-203647" b="-897"/>
+                            <a:fillRect l="-76623" t="-128251" r="-237338" b="-897"/>
                           </a:stretch>
                         </a:blipFill>
                       </a:tcPr>
@@ -13569,9 +16063,9 @@
                           <a:tailEnd type="none" w="med" len="med"/>
                         </a:lnB>
                         <a:blipFill rotWithShape="0">
-                          <a:blip r:embed="rId6"/>
+                          <a:blip r:embed="rId7"/>
                           <a:stretch>
-                            <a:fillRect l="-83084" t="-128251" r="-299" b="-897"/>
+                            <a:fillRect l="-74623" t="-128251" r="-274" b="-897"/>
                           </a:stretch>
                         </a:blipFill>
                       </a:tcPr>
@@ -13583,50 +16077,6 @@
           </p:graphicFrame>
         </mc:Fallback>
       </mc:AlternateContent>
-      <p:sp>
-        <p:nvSpPr>
-          <p:cNvPr id="18" name="Oval 17"/>
-          <p:cNvSpPr/>
-          <p:nvPr/>
-        </p:nvSpPr>
-        <p:spPr>
-          <a:xfrm>
-            <a:off x="9278112" y="1614888"/>
-            <a:ext cx="585216" cy="673517"/>
-          </a:xfrm>
-          <a:prstGeom prst="ellipse">
-            <a:avLst/>
-          </a:prstGeom>
-          <a:noFill/>
-          <a:ln>
-            <a:solidFill>
-              <a:srgbClr val="FF0000"/>
-            </a:solidFill>
-          </a:ln>
-        </p:spPr>
-        <p:style>
-          <a:lnRef idx="2">
-            <a:schemeClr val="accent6"/>
-          </a:lnRef>
-          <a:fillRef idx="1">
-            <a:schemeClr val="lt1"/>
-          </a:fillRef>
-          <a:effectRef idx="0">
-            <a:schemeClr val="accent6"/>
-          </a:effectRef>
-          <a:fontRef idx="minor">
-            <a:schemeClr val="dk1"/>
-          </a:fontRef>
-        </p:style>
-        <p:txBody>
-          <a:bodyPr rtlCol="0" anchor="ctr"/>
-          <a:lstStyle/>
-          <a:p>
-            <a:pPr algn="ctr"/>
-            <a:endParaRPr lang="zh-CN" altLang="en-US"/>
-          </a:p>
-        </p:txBody>
-      </p:sp>
       <p:sp>
         <p:nvSpPr>
           <p:cNvPr id="19" name="Oval 18"/>
@@ -13671,6 +16121,276 @@
           </a:p>
         </p:txBody>
       </p:sp>
+      <mc:AlternateContent xmlns:mc="http://schemas.openxmlformats.org/markup-compatibility/2006">
+        <mc:Choice xmlns:a14="http://schemas.microsoft.com/office/drawing/2010/main" Requires="a14">
+          <p:sp>
+            <p:nvSpPr>
+              <p:cNvPr id="3" name="TextBox 2"/>
+              <p:cNvSpPr txBox="1"/>
+              <p:nvPr/>
+            </p:nvSpPr>
+            <p:spPr>
+              <a:xfrm>
+                <a:off x="2030726" y="3630924"/>
+                <a:ext cx="749808" cy="430887"/>
+              </a:xfrm>
+              <a:prstGeom prst="rect">
+                <a:avLst/>
+              </a:prstGeom>
+              <a:noFill/>
+            </p:spPr>
+            <p:txBody>
+              <a:bodyPr wrap="square" rtlCol="0">
+                <a:spAutoFit/>
+              </a:bodyPr>
+              <a:lstStyle/>
+              <a:p>
+                <a14:m>
+                  <m:oMathPara xmlns:m="http://schemas.openxmlformats.org/officeDocument/2006/math">
+                    <m:oMathParaPr>
+                      <m:jc m:val="centerGroup"/>
+                    </m:oMathParaPr>
+                    <m:oMath xmlns:m="http://schemas.openxmlformats.org/officeDocument/2006/math">
+                      <m:sSub>
+                        <m:sSubPr>
+                          <m:ctrlPr>
+                            <a:rPr lang="en-US" altLang="zh-CN" sz="2200" b="0" i="1" smtClean="0">
+                              <a:latin typeface="Cambria Math" panose="02040503050406030204" pitchFamily="18" charset="0"/>
+                            </a:rPr>
+                          </m:ctrlPr>
+                        </m:sSubPr>
+                        <m:e>
+                          <m:r>
+                            <a:rPr lang="en-US" altLang="zh-CN" sz="2200" b="0" i="1" smtClean="0">
+                              <a:latin typeface="Cambria Math" panose="02040503050406030204" pitchFamily="18" charset="0"/>
+                            </a:rPr>
+                            <m:t>𝜎</m:t>
+                          </m:r>
+                        </m:e>
+                        <m:sub>
+                          <m:r>
+                            <a:rPr lang="en-US" altLang="zh-CN" sz="2200" b="0" i="1" smtClean="0">
+                              <a:latin typeface="Cambria Math" panose="02040503050406030204" pitchFamily="18" charset="0"/>
+                            </a:rPr>
+                            <m:t>𝑐</m:t>
+                          </m:r>
+                        </m:sub>
+                      </m:sSub>
+                    </m:oMath>
+                  </m:oMathPara>
+                </a14:m>
+                <a:endParaRPr lang="zh-CN" altLang="en-US" sz="2200" dirty="0"/>
+              </a:p>
+            </p:txBody>
+          </p:sp>
+        </mc:Choice>
+        <mc:Fallback>
+          <p:sp>
+            <p:nvSpPr>
+              <p:cNvPr id="3" name="TextBox 2"/>
+              <p:cNvSpPr txBox="1">
+                <a:spLocks noRot="1" noChangeAspect="1" noMove="1" noResize="1" noEditPoints="1" noAdjustHandles="1" noChangeArrowheads="1" noChangeShapeType="1" noTextEdit="1"/>
+              </p:cNvSpPr>
+              <p:nvPr/>
+            </p:nvSpPr>
+            <p:spPr>
+              <a:xfrm>
+                <a:off x="2030726" y="3630924"/>
+                <a:ext cx="749808" cy="430887"/>
+              </a:xfrm>
+              <a:prstGeom prst="rect">
+                <a:avLst/>
+              </a:prstGeom>
+              <a:blipFill rotWithShape="0">
+                <a:blip r:embed="rId8"/>
+                <a:stretch>
+                  <a:fillRect/>
+                </a:stretch>
+              </a:blipFill>
+            </p:spPr>
+            <p:txBody>
+              <a:bodyPr/>
+              <a:lstStyle/>
+              <a:p>
+                <a:r>
+                  <a:rPr lang="zh-CN" altLang="en-US">
+                    <a:noFill/>
+                  </a:rPr>
+                  <a:t> </a:t>
+                </a:r>
+              </a:p>
+            </p:txBody>
+          </p:sp>
+        </mc:Fallback>
+      </mc:AlternateContent>
+      <p:cxnSp>
+        <p:nvCxnSpPr>
+          <p:cNvPr id="5" name="Straight Arrow Connector 4"/>
+          <p:cNvCxnSpPr/>
+          <p:nvPr/>
+        </p:nvCxnSpPr>
+        <p:spPr>
+          <a:xfrm flipH="1">
+            <a:off x="2461260" y="3436524"/>
+            <a:ext cx="220598" cy="388796"/>
+          </a:xfrm>
+          <a:prstGeom prst="straightConnector1">
+            <a:avLst/>
+          </a:prstGeom>
+          <a:ln>
+            <a:tailEnd type="triangle"/>
+          </a:ln>
+        </p:spPr>
+        <p:style>
+          <a:lnRef idx="1">
+            <a:schemeClr val="dk1"/>
+          </a:lnRef>
+          <a:fillRef idx="0">
+            <a:schemeClr val="dk1"/>
+          </a:fillRef>
+          <a:effectRef idx="0">
+            <a:schemeClr val="dk1"/>
+          </a:effectRef>
+          <a:fontRef idx="minor">
+            <a:schemeClr val="tx1"/>
+          </a:fontRef>
+        </p:style>
+      </p:cxnSp>
+      <mc:AlternateContent xmlns:mc="http://schemas.openxmlformats.org/markup-compatibility/2006">
+        <mc:Choice xmlns:a14="http://schemas.microsoft.com/office/drawing/2010/main" Requires="a14">
+          <p:sp>
+            <p:nvSpPr>
+              <p:cNvPr id="20" name="TextBox 19"/>
+              <p:cNvSpPr txBox="1"/>
+              <p:nvPr/>
+            </p:nvSpPr>
+            <p:spPr>
+              <a:xfrm>
+                <a:off x="2655380" y="3996688"/>
+                <a:ext cx="749808" cy="430887"/>
+              </a:xfrm>
+              <a:prstGeom prst="rect">
+                <a:avLst/>
+              </a:prstGeom>
+              <a:noFill/>
+            </p:spPr>
+            <p:txBody>
+              <a:bodyPr wrap="square" rtlCol="0">
+                <a:spAutoFit/>
+              </a:bodyPr>
+              <a:lstStyle/>
+              <a:p>
+                <a14:m>
+                  <m:oMathPara xmlns:m="http://schemas.openxmlformats.org/officeDocument/2006/math">
+                    <m:oMathParaPr>
+                      <m:jc m:val="centerGroup"/>
+                    </m:oMathParaPr>
+                    <m:oMath xmlns:m="http://schemas.openxmlformats.org/officeDocument/2006/math">
+                      <m:sSub>
+                        <m:sSubPr>
+                          <m:ctrlPr>
+                            <a:rPr lang="en-US" altLang="zh-CN" sz="2200" b="0" i="1" smtClean="0">
+                              <a:latin typeface="Cambria Math" panose="02040503050406030204" pitchFamily="18" charset="0"/>
+                            </a:rPr>
+                          </m:ctrlPr>
+                        </m:sSubPr>
+                        <m:e>
+                          <m:r>
+                            <a:rPr lang="en-US" altLang="zh-CN" sz="2200" b="0" i="1" smtClean="0">
+                              <a:latin typeface="Cambria Math" panose="02040503050406030204" pitchFamily="18" charset="0"/>
+                            </a:rPr>
+                            <m:t>𝜎</m:t>
+                          </m:r>
+                        </m:e>
+                        <m:sub>
+                          <m:r>
+                            <a:rPr lang="en-US" altLang="zh-CN" sz="2200" b="0" i="1" smtClean="0">
+                              <a:latin typeface="Cambria Math" panose="02040503050406030204" pitchFamily="18" charset="0"/>
+                            </a:rPr>
+                            <m:t>𝑚</m:t>
+                          </m:r>
+                        </m:sub>
+                      </m:sSub>
+                    </m:oMath>
+                  </m:oMathPara>
+                </a14:m>
+                <a:endParaRPr lang="zh-CN" altLang="en-US" sz="2200" dirty="0"/>
+              </a:p>
+            </p:txBody>
+          </p:sp>
+        </mc:Choice>
+        <mc:Fallback>
+          <p:sp>
+            <p:nvSpPr>
+              <p:cNvPr id="20" name="TextBox 19"/>
+              <p:cNvSpPr txBox="1">
+                <a:spLocks noRot="1" noChangeAspect="1" noMove="1" noResize="1" noEditPoints="1" noAdjustHandles="1" noChangeArrowheads="1" noChangeShapeType="1" noTextEdit="1"/>
+              </p:cNvSpPr>
+              <p:nvPr/>
+            </p:nvSpPr>
+            <p:spPr>
+              <a:xfrm>
+                <a:off x="2655380" y="3996688"/>
+                <a:ext cx="749808" cy="430887"/>
+              </a:xfrm>
+              <a:prstGeom prst="rect">
+                <a:avLst/>
+              </a:prstGeom>
+              <a:blipFill rotWithShape="0">
+                <a:blip r:embed="rId9"/>
+                <a:stretch>
+                  <a:fillRect/>
+                </a:stretch>
+              </a:blipFill>
+            </p:spPr>
+            <p:txBody>
+              <a:bodyPr/>
+              <a:lstStyle/>
+              <a:p>
+                <a:r>
+                  <a:rPr lang="zh-CN" altLang="en-US">
+                    <a:noFill/>
+                  </a:rPr>
+                  <a:t> </a:t>
+                </a:r>
+              </a:p>
+            </p:txBody>
+          </p:sp>
+        </mc:Fallback>
+      </mc:AlternateContent>
+      <p:cxnSp>
+        <p:nvCxnSpPr>
+          <p:cNvPr id="22" name="Straight Arrow Connector 21"/>
+          <p:cNvCxnSpPr/>
+          <p:nvPr/>
+        </p:nvCxnSpPr>
+        <p:spPr>
+          <a:xfrm flipH="1">
+            <a:off x="3211068" y="3726338"/>
+            <a:ext cx="269651" cy="485793"/>
+          </a:xfrm>
+          <a:prstGeom prst="straightConnector1">
+            <a:avLst/>
+          </a:prstGeom>
+          <a:ln>
+            <a:tailEnd type="triangle"/>
+          </a:ln>
+        </p:spPr>
+        <p:style>
+          <a:lnRef idx="1">
+            <a:schemeClr val="dk1"/>
+          </a:lnRef>
+          <a:fillRef idx="0">
+            <a:schemeClr val="dk1"/>
+          </a:fillRef>
+          <a:effectRef idx="0">
+            <a:schemeClr val="dk1"/>
+          </a:effectRef>
+          <a:fontRef idx="minor">
+            <a:schemeClr val="tx1"/>
+          </a:fontRef>
+        </p:style>
+      </p:cxnSp>
     </p:spTree>
     <p:extLst>
       <p:ext uri="{BB962C8B-B14F-4D97-AF65-F5344CB8AC3E}">
@@ -13741,22 +16461,21 @@
             <p:ph idx="1"/>
           </p:nvPr>
         </p:nvPicPr>
-        <p:blipFill>
-          <a:blip r:embed="rId2">
+        <p:blipFill rotWithShape="1">
+          <a:blip r:embed="rId3">
             <a:extLst>
               <a:ext uri="{28A0092B-C50C-407E-A947-70E740481C1C}">
                 <a14:useLocalDpi xmlns:a14="http://schemas.microsoft.com/office/drawing/2010/main" val="0"/>
               </a:ext>
             </a:extLst>
           </a:blip>
-          <a:stretch>
-            <a:fillRect/>
-          </a:stretch>
+          <a:srcRect l="7846" b="4021"/>
+          <a:stretch/>
         </p:blipFill>
         <p:spPr>
           <a:xfrm>
-            <a:off x="838200" y="1690688"/>
-            <a:ext cx="5400000" cy="4050000"/>
+            <a:off x="1261872" y="1690688"/>
+            <a:ext cx="4976328" cy="3887152"/>
           </a:xfrm>
         </p:spPr>
       </p:pic>
@@ -13768,28 +16487,637 @@
           </p:cNvPicPr>
           <p:nvPr/>
         </p:nvPicPr>
-        <p:blipFill>
-          <a:blip r:embed="rId3">
+        <p:blipFill rotWithShape="1">
+          <a:blip r:embed="rId4">
             <a:extLst>
               <a:ext uri="{28A0092B-C50C-407E-A947-70E740481C1C}">
                 <a14:useLocalDpi xmlns:a14="http://schemas.microsoft.com/office/drawing/2010/main" val="0"/>
               </a:ext>
             </a:extLst>
           </a:blip>
-          <a:stretch>
-            <a:fillRect/>
-          </a:stretch>
+          <a:srcRect l="6737" b="4473"/>
+          <a:stretch/>
         </p:blipFill>
         <p:spPr>
           <a:xfrm>
-            <a:off x="6238200" y="1690688"/>
-            <a:ext cx="5400000" cy="4050000"/>
+            <a:off x="6601968" y="1690688"/>
+            <a:ext cx="5036232" cy="3868864"/>
           </a:xfrm>
           <a:prstGeom prst="rect">
             <a:avLst/>
           </a:prstGeom>
         </p:spPr>
       </p:pic>
+      <mc:AlternateContent xmlns:mc="http://schemas.openxmlformats.org/markup-compatibility/2006" xmlns:a14="http://schemas.microsoft.com/office/drawing/2010/main">
+        <mc:Choice Requires="a14">
+          <p:sp>
+            <p:nvSpPr>
+              <p:cNvPr id="3" name="TextBox 2"/>
+              <p:cNvSpPr txBox="1"/>
+              <p:nvPr/>
+            </p:nvSpPr>
+            <p:spPr>
+              <a:xfrm>
+                <a:off x="3273552" y="2340864"/>
+                <a:ext cx="1554480" cy="430887"/>
+              </a:xfrm>
+              <a:prstGeom prst="rect">
+                <a:avLst/>
+              </a:prstGeom>
+              <a:noFill/>
+            </p:spPr>
+            <p:txBody>
+              <a:bodyPr wrap="square" rtlCol="0">
+                <a:spAutoFit/>
+              </a:bodyPr>
+              <a:lstStyle/>
+              <a:p>
+                <a:pPr/>
+                <a14:m>
+                  <m:oMathPara xmlns:m="http://schemas.openxmlformats.org/officeDocument/2006/math">
+                    <m:oMathParaPr>
+                      <m:jc m:val="centerGroup"/>
+                    </m:oMathParaPr>
+                    <m:oMath xmlns:m="http://schemas.openxmlformats.org/officeDocument/2006/math">
+                      <m:r>
+                        <a:rPr lang="en-US" altLang="zh-CN" sz="2200" b="0" i="1" smtClean="0">
+                          <a:latin typeface="Cambria Math" panose="02040503050406030204" pitchFamily="18" charset="0"/>
+                        </a:rPr>
+                        <m:t>𝜅</m:t>
+                      </m:r>
+                      <m:r>
+                        <a:rPr lang="en-US" altLang="zh-CN" sz="2200" b="0" i="1" smtClean="0">
+                          <a:latin typeface="Cambria Math" panose="02040503050406030204" pitchFamily="18" charset="0"/>
+                        </a:rPr>
+                        <m:t>𝑎</m:t>
+                      </m:r>
+                      <m:r>
+                        <a:rPr lang="en-US" altLang="zh-CN" sz="2200" b="0" i="1" smtClean="0">
+                          <a:latin typeface="Cambria Math" panose="02040503050406030204" pitchFamily="18" charset="0"/>
+                        </a:rPr>
+                        <m:t>=0.1</m:t>
+                      </m:r>
+                    </m:oMath>
+                  </m:oMathPara>
+                </a14:m>
+                <a:endParaRPr lang="zh-CN" altLang="en-US" sz="2200" dirty="0"/>
+              </a:p>
+            </p:txBody>
+          </p:sp>
+        </mc:Choice>
+        <mc:Fallback xmlns="">
+          <p:sp>
+            <p:nvSpPr>
+              <p:cNvPr id="3" name="TextBox 2"/>
+              <p:cNvSpPr txBox="1">
+                <a:spLocks noRot="1" noChangeAspect="1" noMove="1" noResize="1" noEditPoints="1" noAdjustHandles="1" noChangeArrowheads="1" noChangeShapeType="1" noTextEdit="1"/>
+              </p:cNvSpPr>
+              <p:nvPr/>
+            </p:nvSpPr>
+            <p:spPr>
+              <a:xfrm>
+                <a:off x="3273552" y="2340864"/>
+                <a:ext cx="1554480" cy="430887"/>
+              </a:xfrm>
+              <a:prstGeom prst="rect">
+                <a:avLst/>
+              </a:prstGeom>
+              <a:blipFill rotWithShape="0">
+                <a:blip r:embed="rId5"/>
+                <a:stretch>
+                  <a:fillRect/>
+                </a:stretch>
+              </a:blipFill>
+            </p:spPr>
+            <p:txBody>
+              <a:bodyPr/>
+              <a:lstStyle/>
+              <a:p>
+                <a:r>
+                  <a:rPr lang="zh-CN" altLang="en-US">
+                    <a:noFill/>
+                  </a:rPr>
+                  <a:t> </a:t>
+                </a:r>
+              </a:p>
+            </p:txBody>
+          </p:sp>
+        </mc:Fallback>
+      </mc:AlternateContent>
+      <mc:AlternateContent xmlns:mc="http://schemas.openxmlformats.org/markup-compatibility/2006" xmlns:a14="http://schemas.microsoft.com/office/drawing/2010/main">
+        <mc:Choice Requires="a14">
+          <p:sp>
+            <p:nvSpPr>
+              <p:cNvPr id="6" name="TextBox 5"/>
+              <p:cNvSpPr txBox="1"/>
+              <p:nvPr/>
+            </p:nvSpPr>
+            <p:spPr>
+              <a:xfrm>
+                <a:off x="8673552" y="2340864"/>
+                <a:ext cx="1554480" cy="430887"/>
+              </a:xfrm>
+              <a:prstGeom prst="rect">
+                <a:avLst/>
+              </a:prstGeom>
+              <a:noFill/>
+            </p:spPr>
+            <p:txBody>
+              <a:bodyPr wrap="square" rtlCol="0">
+                <a:spAutoFit/>
+              </a:bodyPr>
+              <a:lstStyle/>
+              <a:p>
+                <a:pPr/>
+                <a14:m>
+                  <m:oMathPara xmlns:m="http://schemas.openxmlformats.org/officeDocument/2006/math">
+                    <m:oMathParaPr>
+                      <m:jc m:val="centerGroup"/>
+                    </m:oMathParaPr>
+                    <m:oMath xmlns:m="http://schemas.openxmlformats.org/officeDocument/2006/math">
+                      <m:r>
+                        <a:rPr lang="en-US" altLang="zh-CN" sz="2200" b="0" i="1" smtClean="0">
+                          <a:latin typeface="Cambria Math" panose="02040503050406030204" pitchFamily="18" charset="0"/>
+                        </a:rPr>
+                        <m:t>𝜅</m:t>
+                      </m:r>
+                      <m:r>
+                        <a:rPr lang="en-US" altLang="zh-CN" sz="2200" b="0" i="1" smtClean="0">
+                          <a:latin typeface="Cambria Math" panose="02040503050406030204" pitchFamily="18" charset="0"/>
+                        </a:rPr>
+                        <m:t>𝑎</m:t>
+                      </m:r>
+                      <m:r>
+                        <a:rPr lang="en-US" altLang="zh-CN" sz="2200" b="0" i="1" smtClean="0">
+                          <a:latin typeface="Cambria Math" panose="02040503050406030204" pitchFamily="18" charset="0"/>
+                        </a:rPr>
+                        <m:t>=0.1</m:t>
+                      </m:r>
+                    </m:oMath>
+                  </m:oMathPara>
+                </a14:m>
+                <a:endParaRPr lang="zh-CN" altLang="en-US" sz="2200" dirty="0"/>
+              </a:p>
+            </p:txBody>
+          </p:sp>
+        </mc:Choice>
+        <mc:Fallback xmlns="">
+          <p:sp>
+            <p:nvSpPr>
+              <p:cNvPr id="6" name="TextBox 5"/>
+              <p:cNvSpPr txBox="1">
+                <a:spLocks noRot="1" noChangeAspect="1" noMove="1" noResize="1" noEditPoints="1" noAdjustHandles="1" noChangeArrowheads="1" noChangeShapeType="1" noTextEdit="1"/>
+              </p:cNvSpPr>
+              <p:nvPr/>
+            </p:nvSpPr>
+            <p:spPr>
+              <a:xfrm>
+                <a:off x="8673552" y="2340864"/>
+                <a:ext cx="1554480" cy="430887"/>
+              </a:xfrm>
+              <a:prstGeom prst="rect">
+                <a:avLst/>
+              </a:prstGeom>
+              <a:blipFill rotWithShape="0">
+                <a:blip r:embed="rId6"/>
+                <a:stretch>
+                  <a:fillRect/>
+                </a:stretch>
+              </a:blipFill>
+            </p:spPr>
+            <p:txBody>
+              <a:bodyPr/>
+              <a:lstStyle/>
+              <a:p>
+                <a:r>
+                  <a:rPr lang="zh-CN" altLang="en-US">
+                    <a:noFill/>
+                  </a:rPr>
+                  <a:t> </a:t>
+                </a:r>
+              </a:p>
+            </p:txBody>
+          </p:sp>
+        </mc:Fallback>
+      </mc:AlternateContent>
+      <mc:AlternateContent xmlns:mc="http://schemas.openxmlformats.org/markup-compatibility/2006">
+        <mc:Choice xmlns:a14="http://schemas.microsoft.com/office/drawing/2010/main" Requires="a14">
+          <p:sp>
+            <p:nvSpPr>
+              <p:cNvPr id="7" name="TextBox 6"/>
+              <p:cNvSpPr txBox="1"/>
+              <p:nvPr/>
+            </p:nvSpPr>
+            <p:spPr>
+              <a:xfrm>
+                <a:off x="2579604" y="5559552"/>
+                <a:ext cx="2304288" cy="430887"/>
+              </a:xfrm>
+              <a:prstGeom prst="rect">
+                <a:avLst/>
+              </a:prstGeom>
+              <a:noFill/>
+            </p:spPr>
+            <p:txBody>
+              <a:bodyPr wrap="square" rtlCol="0">
+                <a:spAutoFit/>
+              </a:bodyPr>
+              <a:lstStyle/>
+              <a:p>
+                <a14:m>
+                  <m:oMathPara xmlns:m="http://schemas.openxmlformats.org/officeDocument/2006/math">
+                    <m:oMathParaPr>
+                      <m:jc m:val="centerGroup"/>
+                    </m:oMathParaPr>
+                    <m:oMath xmlns:m="http://schemas.openxmlformats.org/officeDocument/2006/math">
+                      <m:r>
+                        <a:rPr lang="en-US" altLang="zh-CN" sz="2200" b="0" i="1" smtClean="0">
+                          <a:latin typeface="Cambria Math" panose="02040503050406030204" pitchFamily="18" charset="0"/>
+                        </a:rPr>
+                        <m:t>h</m:t>
+                      </m:r>
+                      <m:r>
+                        <a:rPr lang="en-US" altLang="zh-CN" sz="2200" b="0" i="1" smtClean="0">
+                          <a:latin typeface="Cambria Math" panose="02040503050406030204" pitchFamily="18" charset="0"/>
+                        </a:rPr>
+                        <m:t>/</m:t>
+                      </m:r>
+                      <m:r>
+                        <a:rPr lang="en-US" altLang="zh-CN" sz="2200" b="0" i="1" smtClean="0">
+                          <a:latin typeface="Cambria Math" panose="02040503050406030204" pitchFamily="18" charset="0"/>
+                        </a:rPr>
+                        <m:t>𝑎</m:t>
+                      </m:r>
+                    </m:oMath>
+                  </m:oMathPara>
+                </a14:m>
+                <a:endParaRPr lang="zh-CN" altLang="en-US" sz="2200" dirty="0"/>
+              </a:p>
+            </p:txBody>
+          </p:sp>
+        </mc:Choice>
+        <mc:Fallback>
+          <p:sp>
+            <p:nvSpPr>
+              <p:cNvPr id="7" name="TextBox 6"/>
+              <p:cNvSpPr txBox="1">
+                <a:spLocks noRot="1" noChangeAspect="1" noMove="1" noResize="1" noEditPoints="1" noAdjustHandles="1" noChangeArrowheads="1" noChangeShapeType="1" noTextEdit="1"/>
+              </p:cNvSpPr>
+              <p:nvPr/>
+            </p:nvSpPr>
+            <p:spPr>
+              <a:xfrm>
+                <a:off x="2579604" y="5559552"/>
+                <a:ext cx="2304288" cy="430887"/>
+              </a:xfrm>
+              <a:prstGeom prst="rect">
+                <a:avLst/>
+              </a:prstGeom>
+              <a:blipFill rotWithShape="0">
+                <a:blip r:embed="rId7"/>
+                <a:stretch>
+                  <a:fillRect b="-15493"/>
+                </a:stretch>
+              </a:blipFill>
+            </p:spPr>
+            <p:txBody>
+              <a:bodyPr/>
+              <a:lstStyle/>
+              <a:p>
+                <a:r>
+                  <a:rPr lang="zh-CN" altLang="en-US">
+                    <a:noFill/>
+                  </a:rPr>
+                  <a:t> </a:t>
+                </a:r>
+              </a:p>
+            </p:txBody>
+          </p:sp>
+        </mc:Fallback>
+      </mc:AlternateContent>
+      <mc:AlternateContent xmlns:mc="http://schemas.openxmlformats.org/markup-compatibility/2006">
+        <mc:Choice xmlns:a14="http://schemas.microsoft.com/office/drawing/2010/main" Requires="a14">
+          <p:sp>
+            <p:nvSpPr>
+              <p:cNvPr id="8" name="TextBox 7"/>
+              <p:cNvSpPr txBox="1"/>
+              <p:nvPr/>
+            </p:nvSpPr>
+            <p:spPr>
+              <a:xfrm>
+                <a:off x="7995372" y="5559552"/>
+                <a:ext cx="2304288" cy="430887"/>
+              </a:xfrm>
+              <a:prstGeom prst="rect">
+                <a:avLst/>
+              </a:prstGeom>
+              <a:noFill/>
+            </p:spPr>
+            <p:txBody>
+              <a:bodyPr wrap="square" rtlCol="0">
+                <a:spAutoFit/>
+              </a:bodyPr>
+              <a:lstStyle/>
+              <a:p>
+                <a14:m>
+                  <m:oMathPara xmlns:m="http://schemas.openxmlformats.org/officeDocument/2006/math">
+                    <m:oMathParaPr>
+                      <m:jc m:val="centerGroup"/>
+                    </m:oMathParaPr>
+                    <m:oMath xmlns:m="http://schemas.openxmlformats.org/officeDocument/2006/math">
+                      <m:r>
+                        <a:rPr lang="en-US" altLang="zh-CN" sz="2200" b="0" i="1" smtClean="0">
+                          <a:latin typeface="Cambria Math" panose="02040503050406030204" pitchFamily="18" charset="0"/>
+                        </a:rPr>
+                        <m:t>h</m:t>
+                      </m:r>
+                      <m:r>
+                        <a:rPr lang="en-US" altLang="zh-CN" sz="2200" b="0" i="1" smtClean="0">
+                          <a:latin typeface="Cambria Math" panose="02040503050406030204" pitchFamily="18" charset="0"/>
+                        </a:rPr>
+                        <m:t>/</m:t>
+                      </m:r>
+                      <m:r>
+                        <a:rPr lang="en-US" altLang="zh-CN" sz="2200" b="0" i="1" smtClean="0">
+                          <a:latin typeface="Cambria Math" panose="02040503050406030204" pitchFamily="18" charset="0"/>
+                        </a:rPr>
+                        <m:t>𝑎</m:t>
+                      </m:r>
+                    </m:oMath>
+                  </m:oMathPara>
+                </a14:m>
+                <a:endParaRPr lang="zh-CN" altLang="en-US" sz="2200" dirty="0"/>
+              </a:p>
+            </p:txBody>
+          </p:sp>
+        </mc:Choice>
+        <mc:Fallback>
+          <p:sp>
+            <p:nvSpPr>
+              <p:cNvPr id="8" name="TextBox 7"/>
+              <p:cNvSpPr txBox="1">
+                <a:spLocks noRot="1" noChangeAspect="1" noMove="1" noResize="1" noEditPoints="1" noAdjustHandles="1" noChangeArrowheads="1" noChangeShapeType="1" noTextEdit="1"/>
+              </p:cNvSpPr>
+              <p:nvPr/>
+            </p:nvSpPr>
+            <p:spPr>
+              <a:xfrm>
+                <a:off x="7995372" y="5559552"/>
+                <a:ext cx="2304288" cy="430887"/>
+              </a:xfrm>
+              <a:prstGeom prst="rect">
+                <a:avLst/>
+              </a:prstGeom>
+              <a:blipFill rotWithShape="0">
+                <a:blip r:embed="rId8"/>
+                <a:stretch>
+                  <a:fillRect b="-15493"/>
+                </a:stretch>
+              </a:blipFill>
+            </p:spPr>
+            <p:txBody>
+              <a:bodyPr/>
+              <a:lstStyle/>
+              <a:p>
+                <a:r>
+                  <a:rPr lang="zh-CN" altLang="en-US">
+                    <a:noFill/>
+                  </a:rPr>
+                  <a:t> </a:t>
+                </a:r>
+              </a:p>
+            </p:txBody>
+          </p:sp>
+        </mc:Fallback>
+      </mc:AlternateContent>
+      <mc:AlternateContent xmlns:mc="http://schemas.openxmlformats.org/markup-compatibility/2006">
+        <mc:Choice xmlns:a14="http://schemas.microsoft.com/office/drawing/2010/main" Requires="a14">
+          <p:sp>
+            <p:nvSpPr>
+              <p:cNvPr id="9" name="TextBox 8"/>
+              <p:cNvSpPr txBox="1"/>
+              <p:nvPr/>
+            </p:nvSpPr>
+            <p:spPr>
+              <a:xfrm rot="10800000">
+                <a:off x="702076" y="2483906"/>
+                <a:ext cx="523220" cy="2282428"/>
+              </a:xfrm>
+              <a:prstGeom prst="rect">
+                <a:avLst/>
+              </a:prstGeom>
+              <a:noFill/>
+            </p:spPr>
+            <p:txBody>
+              <a:bodyPr vert="eaVert" wrap="square" rtlCol="0">
+                <a:spAutoFit/>
+              </a:bodyPr>
+              <a:lstStyle/>
+              <a:p>
+                <a14:m>
+                  <m:oMathPara xmlns:m="http://schemas.openxmlformats.org/officeDocument/2006/math">
+                    <m:oMathParaPr>
+                      <m:jc m:val="centerGroup"/>
+                    </m:oMathParaPr>
+                    <m:oMath xmlns:m="http://schemas.openxmlformats.org/officeDocument/2006/math">
+                      <m:r>
+                        <a:rPr lang="en-US" altLang="zh-CN" sz="2200" b="0" i="1" smtClean="0">
+                          <a:latin typeface="Cambria Math" panose="02040503050406030204" pitchFamily="18" charset="0"/>
+                        </a:rPr>
+                        <m:t>𝐻</m:t>
+                      </m:r>
+                      <m:r>
+                        <a:rPr lang="en-US" altLang="zh-CN" sz="2200" b="0" i="1" smtClean="0">
+                          <a:latin typeface="Cambria Math" panose="02040503050406030204" pitchFamily="18" charset="0"/>
+                        </a:rPr>
+                        <m:t>/</m:t>
+                      </m:r>
+                      <m:sSub>
+                        <m:sSubPr>
+                          <m:ctrlPr>
+                            <a:rPr lang="en-US" altLang="zh-CN" sz="2200" b="0" i="1" smtClean="0">
+                              <a:latin typeface="Cambria Math" panose="02040503050406030204" pitchFamily="18" charset="0"/>
+                            </a:rPr>
+                          </m:ctrlPr>
+                        </m:sSubPr>
+                        <m:e>
+                          <m:r>
+                            <a:rPr lang="en-US" altLang="zh-CN" sz="2200" b="0" i="1" smtClean="0">
+                              <a:latin typeface="Cambria Math" panose="02040503050406030204" pitchFamily="18" charset="0"/>
+                            </a:rPr>
+                            <m:t>𝐻</m:t>
+                          </m:r>
+                        </m:e>
+                        <m:sub>
+                          <m:r>
+                            <a:rPr lang="en-US" altLang="zh-CN" sz="2200" b="0" i="1" smtClean="0">
+                              <a:latin typeface="Cambria Math" panose="02040503050406030204" pitchFamily="18" charset="0"/>
+                            </a:rPr>
+                            <m:t>0</m:t>
+                          </m:r>
+                        </m:sub>
+                      </m:sSub>
+                    </m:oMath>
+                  </m:oMathPara>
+                </a14:m>
+                <a:endParaRPr lang="zh-CN" altLang="en-US" sz="2200" dirty="0"/>
+              </a:p>
+            </p:txBody>
+          </p:sp>
+        </mc:Choice>
+        <mc:Fallback>
+          <p:sp>
+            <p:nvSpPr>
+              <p:cNvPr id="9" name="TextBox 8"/>
+              <p:cNvSpPr txBox="1">
+                <a:spLocks noRot="1" noChangeAspect="1" noMove="1" noResize="1" noEditPoints="1" noAdjustHandles="1" noChangeArrowheads="1" noChangeShapeType="1" noTextEdit="1"/>
+              </p:cNvSpPr>
+              <p:nvPr/>
+            </p:nvSpPr>
+            <p:spPr>
+              <a:xfrm rot="10800000">
+                <a:off x="702076" y="2483906"/>
+                <a:ext cx="523220" cy="2282428"/>
+              </a:xfrm>
+              <a:prstGeom prst="rect">
+                <a:avLst/>
+              </a:prstGeom>
+              <a:blipFill rotWithShape="0">
+                <a:blip r:embed="rId9"/>
+                <a:stretch>
+                  <a:fillRect/>
+                </a:stretch>
+              </a:blipFill>
+            </p:spPr>
+            <p:txBody>
+              <a:bodyPr/>
+              <a:lstStyle/>
+              <a:p>
+                <a:r>
+                  <a:rPr lang="zh-CN" altLang="en-US">
+                    <a:noFill/>
+                  </a:rPr>
+                  <a:t> </a:t>
+                </a:r>
+              </a:p>
+            </p:txBody>
+          </p:sp>
+        </mc:Fallback>
+      </mc:AlternateContent>
+      <mc:AlternateContent xmlns:mc="http://schemas.openxmlformats.org/markup-compatibility/2006">
+        <mc:Choice xmlns:a14="http://schemas.microsoft.com/office/drawing/2010/main" Requires="a14">
+          <p:sp>
+            <p:nvSpPr>
+              <p:cNvPr id="10" name="TextBox 9"/>
+              <p:cNvSpPr txBox="1"/>
+              <p:nvPr/>
+            </p:nvSpPr>
+            <p:spPr>
+              <a:xfrm rot="10800000">
+                <a:off x="6096000" y="2483906"/>
+                <a:ext cx="523220" cy="2282428"/>
+              </a:xfrm>
+              <a:prstGeom prst="rect">
+                <a:avLst/>
+              </a:prstGeom>
+              <a:noFill/>
+            </p:spPr>
+            <p:txBody>
+              <a:bodyPr vert="eaVert" wrap="square" rtlCol="0">
+                <a:spAutoFit/>
+              </a:bodyPr>
+              <a:lstStyle/>
+              <a:p>
+                <a14:m>
+                  <m:oMathPara xmlns:m="http://schemas.openxmlformats.org/officeDocument/2006/math">
+                    <m:oMathParaPr>
+                      <m:jc m:val="centerGroup"/>
+                    </m:oMathParaPr>
+                    <m:oMath xmlns:m="http://schemas.openxmlformats.org/officeDocument/2006/math">
+                      <m:r>
+                        <a:rPr lang="en-US" altLang="zh-CN" sz="2200" b="0" i="1" smtClean="0">
+                          <a:latin typeface="Cambria Math" panose="02040503050406030204" pitchFamily="18" charset="0"/>
+                        </a:rPr>
+                        <m:t>𝐻</m:t>
+                      </m:r>
+                      <m:r>
+                        <a:rPr lang="en-US" altLang="zh-CN" sz="2200" b="0" i="1" smtClean="0">
+                          <a:latin typeface="Cambria Math" panose="02040503050406030204" pitchFamily="18" charset="0"/>
+                        </a:rPr>
+                        <m:t>/</m:t>
+                      </m:r>
+                      <m:sSub>
+                        <m:sSubPr>
+                          <m:ctrlPr>
+                            <a:rPr lang="en-US" altLang="zh-CN" sz="2200" b="0" i="1" smtClean="0">
+                              <a:latin typeface="Cambria Math" panose="02040503050406030204" pitchFamily="18" charset="0"/>
+                            </a:rPr>
+                          </m:ctrlPr>
+                        </m:sSubPr>
+                        <m:e>
+                          <m:r>
+                            <a:rPr lang="en-US" altLang="zh-CN" sz="2200" b="0" i="1" smtClean="0">
+                              <a:latin typeface="Cambria Math" panose="02040503050406030204" pitchFamily="18" charset="0"/>
+                            </a:rPr>
+                            <m:t>𝐻</m:t>
+                          </m:r>
+                        </m:e>
+                        <m:sub>
+                          <m:r>
+                            <a:rPr lang="en-US" altLang="zh-CN" sz="2200" b="0" i="1" smtClean="0">
+                              <a:latin typeface="Cambria Math" panose="02040503050406030204" pitchFamily="18" charset="0"/>
+                            </a:rPr>
+                            <m:t>0</m:t>
+                          </m:r>
+                        </m:sub>
+                      </m:sSub>
+                    </m:oMath>
+                  </m:oMathPara>
+                </a14:m>
+                <a:endParaRPr lang="zh-CN" altLang="en-US" sz="2200" dirty="0"/>
+              </a:p>
+            </p:txBody>
+          </p:sp>
+        </mc:Choice>
+        <mc:Fallback>
+          <p:sp>
+            <p:nvSpPr>
+              <p:cNvPr id="10" name="TextBox 9"/>
+              <p:cNvSpPr txBox="1">
+                <a:spLocks noRot="1" noChangeAspect="1" noMove="1" noResize="1" noEditPoints="1" noAdjustHandles="1" noChangeArrowheads="1" noChangeShapeType="1" noTextEdit="1"/>
+              </p:cNvSpPr>
+              <p:nvPr/>
+            </p:nvSpPr>
+            <p:spPr>
+              <a:xfrm rot="10800000">
+                <a:off x="6096000" y="2483906"/>
+                <a:ext cx="523220" cy="2282428"/>
+              </a:xfrm>
+              <a:prstGeom prst="rect">
+                <a:avLst/>
+              </a:prstGeom>
+              <a:blipFill rotWithShape="0">
+                <a:blip r:embed="rId10"/>
+                <a:stretch>
+                  <a:fillRect/>
+                </a:stretch>
+              </a:blipFill>
+            </p:spPr>
+            <p:txBody>
+              <a:bodyPr/>
+              <a:lstStyle/>
+              <a:p>
+                <a:r>
+                  <a:rPr lang="zh-CN" altLang="en-US">
+                    <a:noFill/>
+                  </a:rPr>
+                  <a:t> </a:t>
+                </a:r>
+              </a:p>
+            </p:txBody>
+          </p:sp>
+        </mc:Fallback>
+      </mc:AlternateContent>
     </p:spTree>
     <p:extLst>
       <p:ext uri="{BB962C8B-B14F-4D97-AF65-F5344CB8AC3E}">
@@ -14069,4 +17397,265 @@
     </a:ext>
   </a:extLst>
 </a:theme>
+</file>
+
+<file path=ppt/theme/theme2.xml><?xml version="1.0" encoding="utf-8"?>
+<a:theme xmlns:a="http://schemas.openxmlformats.org/drawingml/2006/main" name="Office Theme">
+  <a:themeElements>
+    <a:clrScheme name="Office">
+      <a:dk1>
+        <a:sysClr val="windowText" lastClr="000000"/>
+      </a:dk1>
+      <a:lt1>
+        <a:sysClr val="window" lastClr="FFFFFF"/>
+      </a:lt1>
+      <a:dk2>
+        <a:srgbClr val="44546A"/>
+      </a:dk2>
+      <a:lt2>
+        <a:srgbClr val="E7E6E6"/>
+      </a:lt2>
+      <a:accent1>
+        <a:srgbClr val="5B9BD5"/>
+      </a:accent1>
+      <a:accent2>
+        <a:srgbClr val="ED7D31"/>
+      </a:accent2>
+      <a:accent3>
+        <a:srgbClr val="A5A5A5"/>
+      </a:accent3>
+      <a:accent4>
+        <a:srgbClr val="FFC000"/>
+      </a:accent4>
+      <a:accent5>
+        <a:srgbClr val="4472C4"/>
+      </a:accent5>
+      <a:accent6>
+        <a:srgbClr val="70AD47"/>
+      </a:accent6>
+      <a:hlink>
+        <a:srgbClr val="0563C1"/>
+      </a:hlink>
+      <a:folHlink>
+        <a:srgbClr val="954F72"/>
+      </a:folHlink>
+    </a:clrScheme>
+    <a:fontScheme name="Office">
+      <a:majorFont>
+        <a:latin typeface="Calibri Light" panose="020F0302020204030204"/>
+        <a:ea typeface=""/>
+        <a:cs typeface=""/>
+        <a:font script="Jpan" typeface="ＭＳ Ｐゴシック"/>
+        <a:font script="Hang" typeface="맑은 고딕"/>
+        <a:font script="Hans" typeface="宋体"/>
+        <a:font script="Hant" typeface="新細明體"/>
+        <a:font script="Arab" typeface="Times New Roman"/>
+        <a:font script="Hebr" typeface="Times New Roman"/>
+        <a:font script="Thai" typeface="Angsana New"/>
+        <a:font script="Ethi" typeface="Nyala"/>
+        <a:font script="Beng" typeface="Vrinda"/>
+        <a:font script="Gujr" typeface="Shruti"/>
+        <a:font script="Khmr" typeface="MoolBoran"/>
+        <a:font script="Knda" typeface="Tunga"/>
+        <a:font script="Guru" typeface="Raavi"/>
+        <a:font script="Cans" typeface="Euphemia"/>
+        <a:font script="Cher" typeface="Plantagenet Cherokee"/>
+        <a:font script="Yiii" typeface="Microsoft Yi Baiti"/>
+        <a:font script="Tibt" typeface="Microsoft Himalaya"/>
+        <a:font script="Thaa" typeface="MV Boli"/>
+        <a:font script="Deva" typeface="Mangal"/>
+        <a:font script="Telu" typeface="Gautami"/>
+        <a:font script="Taml" typeface="Latha"/>
+        <a:font script="Syrc" typeface="Estrangelo Edessa"/>
+        <a:font script="Orya" typeface="Kalinga"/>
+        <a:font script="Mlym" typeface="Kartika"/>
+        <a:font script="Laoo" typeface="DokChampa"/>
+        <a:font script="Sinh" typeface="Iskoola Pota"/>
+        <a:font script="Mong" typeface="Mongolian Baiti"/>
+        <a:font script="Viet" typeface="Times New Roman"/>
+        <a:font script="Uigh" typeface="Microsoft Uighur"/>
+        <a:font script="Geor" typeface="Sylfaen"/>
+      </a:majorFont>
+      <a:minorFont>
+        <a:latin typeface="Calibri" panose="020F0502020204030204"/>
+        <a:ea typeface=""/>
+        <a:cs typeface=""/>
+        <a:font script="Jpan" typeface="ＭＳ Ｐゴシック"/>
+        <a:font script="Hang" typeface="맑은 고딕"/>
+        <a:font script="Hans" typeface="宋体"/>
+        <a:font script="Hant" typeface="新細明體"/>
+        <a:font script="Arab" typeface="Arial"/>
+        <a:font script="Hebr" typeface="Arial"/>
+        <a:font script="Thai" typeface="Cordia New"/>
+        <a:font script="Ethi" typeface="Nyala"/>
+        <a:font script="Beng" typeface="Vrinda"/>
+        <a:font script="Gujr" typeface="Shruti"/>
+        <a:font script="Khmr" typeface="DaunPenh"/>
+        <a:font script="Knda" typeface="Tunga"/>
+        <a:font script="Guru" typeface="Raavi"/>
+        <a:font script="Cans" typeface="Euphemia"/>
+        <a:font script="Cher" typeface="Plantagenet Cherokee"/>
+        <a:font script="Yiii" typeface="Microsoft Yi Baiti"/>
+        <a:font script="Tibt" typeface="Microsoft Himalaya"/>
+        <a:font script="Thaa" typeface="MV Boli"/>
+        <a:font script="Deva" typeface="Mangal"/>
+        <a:font script="Telu" typeface="Gautami"/>
+        <a:font script="Taml" typeface="Latha"/>
+        <a:font script="Syrc" typeface="Estrangelo Edessa"/>
+        <a:font script="Orya" typeface="Kalinga"/>
+        <a:font script="Mlym" typeface="Kartika"/>
+        <a:font script="Laoo" typeface="DokChampa"/>
+        <a:font script="Sinh" typeface="Iskoola Pota"/>
+        <a:font script="Mong" typeface="Mongolian Baiti"/>
+        <a:font script="Viet" typeface="Arial"/>
+        <a:font script="Uigh" typeface="Microsoft Uighur"/>
+        <a:font script="Geor" typeface="Sylfaen"/>
+      </a:minorFont>
+    </a:fontScheme>
+    <a:fmtScheme name="Office">
+      <a:fillStyleLst>
+        <a:solidFill>
+          <a:schemeClr val="phClr"/>
+        </a:solidFill>
+        <a:gradFill rotWithShape="1">
+          <a:gsLst>
+            <a:gs pos="0">
+              <a:schemeClr val="phClr">
+                <a:lumMod val="110000"/>
+                <a:satMod val="105000"/>
+                <a:tint val="67000"/>
+              </a:schemeClr>
+            </a:gs>
+            <a:gs pos="50000">
+              <a:schemeClr val="phClr">
+                <a:lumMod val="105000"/>
+                <a:satMod val="103000"/>
+                <a:tint val="73000"/>
+              </a:schemeClr>
+            </a:gs>
+            <a:gs pos="100000">
+              <a:schemeClr val="phClr">
+                <a:lumMod val="105000"/>
+                <a:satMod val="109000"/>
+                <a:tint val="81000"/>
+              </a:schemeClr>
+            </a:gs>
+          </a:gsLst>
+          <a:lin ang="5400000" scaled="0"/>
+        </a:gradFill>
+        <a:gradFill rotWithShape="1">
+          <a:gsLst>
+            <a:gs pos="0">
+              <a:schemeClr val="phClr">
+                <a:satMod val="103000"/>
+                <a:lumMod val="102000"/>
+                <a:tint val="94000"/>
+              </a:schemeClr>
+            </a:gs>
+            <a:gs pos="50000">
+              <a:schemeClr val="phClr">
+                <a:satMod val="110000"/>
+                <a:lumMod val="100000"/>
+                <a:shade val="100000"/>
+              </a:schemeClr>
+            </a:gs>
+            <a:gs pos="100000">
+              <a:schemeClr val="phClr">
+                <a:lumMod val="99000"/>
+                <a:satMod val="120000"/>
+                <a:shade val="78000"/>
+              </a:schemeClr>
+            </a:gs>
+          </a:gsLst>
+          <a:lin ang="5400000" scaled="0"/>
+        </a:gradFill>
+      </a:fillStyleLst>
+      <a:lnStyleLst>
+        <a:ln w="6350" cap="flat" cmpd="sng" algn="ctr">
+          <a:solidFill>
+            <a:schemeClr val="phClr"/>
+          </a:solidFill>
+          <a:prstDash val="solid"/>
+          <a:miter lim="800000"/>
+        </a:ln>
+        <a:ln w="12700" cap="flat" cmpd="sng" algn="ctr">
+          <a:solidFill>
+            <a:schemeClr val="phClr"/>
+          </a:solidFill>
+          <a:prstDash val="solid"/>
+          <a:miter lim="800000"/>
+        </a:ln>
+        <a:ln w="19050" cap="flat" cmpd="sng" algn="ctr">
+          <a:solidFill>
+            <a:schemeClr val="phClr"/>
+          </a:solidFill>
+          <a:prstDash val="solid"/>
+          <a:miter lim="800000"/>
+        </a:ln>
+      </a:lnStyleLst>
+      <a:effectStyleLst>
+        <a:effectStyle>
+          <a:effectLst/>
+        </a:effectStyle>
+        <a:effectStyle>
+          <a:effectLst/>
+        </a:effectStyle>
+        <a:effectStyle>
+          <a:effectLst>
+            <a:outerShdw blurRad="57150" dist="19050" dir="5400000" algn="ctr" rotWithShape="0">
+              <a:srgbClr val="000000">
+                <a:alpha val="63000"/>
+              </a:srgbClr>
+            </a:outerShdw>
+          </a:effectLst>
+        </a:effectStyle>
+      </a:effectStyleLst>
+      <a:bgFillStyleLst>
+        <a:solidFill>
+          <a:schemeClr val="phClr"/>
+        </a:solidFill>
+        <a:solidFill>
+          <a:schemeClr val="phClr">
+            <a:tint val="95000"/>
+            <a:satMod val="170000"/>
+          </a:schemeClr>
+        </a:solidFill>
+        <a:gradFill rotWithShape="1">
+          <a:gsLst>
+            <a:gs pos="0">
+              <a:schemeClr val="phClr">
+                <a:tint val="93000"/>
+                <a:satMod val="150000"/>
+                <a:shade val="98000"/>
+                <a:lumMod val="102000"/>
+              </a:schemeClr>
+            </a:gs>
+            <a:gs pos="50000">
+              <a:schemeClr val="phClr">
+                <a:tint val="98000"/>
+                <a:satMod val="130000"/>
+                <a:shade val="90000"/>
+                <a:lumMod val="103000"/>
+              </a:schemeClr>
+            </a:gs>
+            <a:gs pos="100000">
+              <a:schemeClr val="phClr">
+                <a:shade val="63000"/>
+                <a:satMod val="120000"/>
+              </a:schemeClr>
+            </a:gs>
+          </a:gsLst>
+          <a:lin ang="5400000" scaled="0"/>
+        </a:gradFill>
+      </a:bgFillStyleLst>
+    </a:fmtScheme>
+  </a:themeElements>
+  <a:objectDefaults/>
+  <a:extraClrSchemeLst/>
+  <a:extLst>
+    <a:ext uri="{05A4C25C-085E-4340-85A3-A5531E510DB2}">
+      <thm15:themeFamily xmlns:thm15="http://schemas.microsoft.com/office/thememl/2012/main" name="Office Theme" id="{62F939B6-93AF-4DB8-9C6B-D6C7DFDC589F}" vid="{4A3C46E8-61CC-4603-A589-7422A47A8E4A}"/>
+    </a:ext>
+  </a:extLst>
+</a:theme>
 </file>